--- a/LibraryManagementSystemWF/resources/templates/LIBRARY-ID-CARD.pptx
+++ b/LibraryManagementSystemWF/resources/templates/LIBRARY-ID-CARD.pptx
@@ -3562,7 +3562,7 @@
         </p:nvSpPr>
         <p:spPr>
           <a:xfrm>
-            <a:off x="544971" y="2248318"/>
+            <a:off x="4448255" y="2230247"/>
             <a:ext cx="5370001" cy="707886"/>
           </a:xfrm>
           <a:prstGeom prst="rect">
@@ -3598,7 +3598,7 @@
         </p:nvSpPr>
         <p:spPr>
           <a:xfrm>
-            <a:off x="659479" y="2932415"/>
+            <a:off x="4562763" y="2914344"/>
             <a:ext cx="4581237" cy="400110"/>
           </a:xfrm>
           <a:prstGeom prst="rect">
@@ -3634,7 +3634,7 @@
         </p:nvSpPr>
         <p:spPr>
           <a:xfrm>
-            <a:off x="659477" y="3257461"/>
+            <a:off x="4562761" y="3239390"/>
             <a:ext cx="5255492" cy="369332"/>
           </a:xfrm>
           <a:prstGeom prst="rect">
@@ -3670,7 +3670,7 @@
         </p:nvSpPr>
         <p:spPr>
           <a:xfrm>
-            <a:off x="659477" y="4576916"/>
+            <a:off x="4562761" y="4558845"/>
             <a:ext cx="4581237" cy="400110"/>
           </a:xfrm>
           <a:prstGeom prst="rect">
@@ -3706,7 +3706,7 @@
         </p:nvSpPr>
         <p:spPr>
           <a:xfrm>
-            <a:off x="659477" y="4962657"/>
+            <a:off x="4562761" y="4944586"/>
             <a:ext cx="5255492" cy="369332"/>
           </a:xfrm>
           <a:prstGeom prst="rect">
@@ -3742,7 +3742,7 @@
         </p:nvSpPr>
         <p:spPr>
           <a:xfrm>
-            <a:off x="657520" y="3721230"/>
+            <a:off x="4560804" y="3703159"/>
             <a:ext cx="1682979" cy="400110"/>
           </a:xfrm>
           <a:prstGeom prst="rect">
@@ -3778,7 +3778,7 @@
         </p:nvSpPr>
         <p:spPr>
           <a:xfrm>
-            <a:off x="696424" y="4031111"/>
+            <a:off x="4599708" y="4013040"/>
             <a:ext cx="1570185" cy="369332"/>
           </a:xfrm>
           <a:prstGeom prst="rect">
@@ -3796,6 +3796,162 @@
               <a:rPr lang="en-PH" b="1" i="1" dirty="0"/>
               <a:t>@course_year</a:t>
             </a:r>
+          </a:p>
+        </p:txBody>
+      </p:sp>
+      <p:sp>
+        <p:nvSpPr>
+          <p:cNvPr id="2" name="Rectangle 1">
+            <a:extLst>
+              <a:ext uri="{FF2B5EF4-FFF2-40B4-BE49-F238E27FC236}">
+                <a16:creationId xmlns:a16="http://schemas.microsoft.com/office/drawing/2014/main" id="{208D7BE5-85A3-02C8-164B-68C9CE0CEBE9}"/>
+              </a:ext>
+            </a:extLst>
+          </p:cNvPr>
+          <p:cNvSpPr/>
+          <p:nvPr/>
+        </p:nvSpPr>
+        <p:spPr>
+          <a:xfrm>
+            <a:off x="659477" y="2187811"/>
+            <a:ext cx="3700800" cy="3702001"/>
+          </a:xfrm>
+          <a:prstGeom prst="rect">
+            <a:avLst/>
+          </a:prstGeom>
+          <a:solidFill>
+            <a:schemeClr val="accent4">
+              <a:lumMod val="60000"/>
+              <a:lumOff val="40000"/>
+            </a:schemeClr>
+          </a:solidFill>
+        </p:spPr>
+        <p:style>
+          <a:lnRef idx="2">
+            <a:schemeClr val="accent1">
+              <a:shade val="15000"/>
+            </a:schemeClr>
+          </a:lnRef>
+          <a:fillRef idx="1">
+            <a:schemeClr val="accent1"/>
+          </a:fillRef>
+          <a:effectRef idx="0">
+            <a:schemeClr val="accent1"/>
+          </a:effectRef>
+          <a:fontRef idx="minor">
+            <a:schemeClr val="lt1"/>
+          </a:fontRef>
+        </p:style>
+        <p:txBody>
+          <a:bodyPr rtlCol="0" anchor="ctr"/>
+          <a:lstStyle/>
+          <a:p>
+            <a:pPr algn="ctr"/>
+            <a:endParaRPr lang="en-PH"/>
+          </a:p>
+        </p:txBody>
+      </p:sp>
+      <p:sp>
+        <p:nvSpPr>
+          <p:cNvPr id="5" name="@profile">
+            <a:extLst>
+              <a:ext uri="{FF2B5EF4-FFF2-40B4-BE49-F238E27FC236}">
+                <a16:creationId xmlns:a16="http://schemas.microsoft.com/office/drawing/2014/main" id="{1EB690F3-B729-C1BA-52D4-C7BF2549CABA}"/>
+              </a:ext>
+            </a:extLst>
+          </p:cNvPr>
+          <p:cNvSpPr/>
+          <p:nvPr/>
+        </p:nvSpPr>
+        <p:spPr>
+          <a:xfrm>
+            <a:off x="892559" y="2393040"/>
+            <a:ext cx="3240000" cy="3240000"/>
+          </a:xfrm>
+          <a:prstGeom prst="rect">
+            <a:avLst/>
+          </a:prstGeom>
+          <a:solidFill>
+            <a:schemeClr val="accent4">
+              <a:lumMod val="60000"/>
+              <a:lumOff val="40000"/>
+            </a:schemeClr>
+          </a:solidFill>
+        </p:spPr>
+        <p:style>
+          <a:lnRef idx="2">
+            <a:schemeClr val="accent1">
+              <a:shade val="15000"/>
+            </a:schemeClr>
+          </a:lnRef>
+          <a:fillRef idx="1">
+            <a:schemeClr val="accent1"/>
+          </a:fillRef>
+          <a:effectRef idx="0">
+            <a:schemeClr val="accent1"/>
+          </a:effectRef>
+          <a:fontRef idx="minor">
+            <a:schemeClr val="lt1"/>
+          </a:fontRef>
+        </p:style>
+        <p:txBody>
+          <a:bodyPr rtlCol="0" anchor="ctr"/>
+          <a:lstStyle/>
+          <a:p>
+            <a:pPr algn="ctr"/>
+            <a:endParaRPr lang="en-PH"/>
+          </a:p>
+        </p:txBody>
+      </p:sp>
+      <p:sp>
+        <p:nvSpPr>
+          <p:cNvPr id="6" name="@qr">
+            <a:extLst>
+              <a:ext uri="{FF2B5EF4-FFF2-40B4-BE49-F238E27FC236}">
+                <a16:creationId xmlns:a16="http://schemas.microsoft.com/office/drawing/2014/main" id="{5D139EA2-0564-A0B7-BB62-BE8CCAD5968F}"/>
+              </a:ext>
+            </a:extLst>
+          </p:cNvPr>
+          <p:cNvSpPr/>
+          <p:nvPr/>
+        </p:nvSpPr>
+        <p:spPr>
+          <a:xfrm>
+            <a:off x="9532580" y="3729812"/>
+            <a:ext cx="2160000" cy="2160000"/>
+          </a:xfrm>
+          <a:prstGeom prst="rect">
+            <a:avLst/>
+          </a:prstGeom>
+          <a:solidFill>
+            <a:schemeClr val="accent4">
+              <a:lumMod val="60000"/>
+              <a:lumOff val="40000"/>
+            </a:schemeClr>
+          </a:solidFill>
+        </p:spPr>
+        <p:style>
+          <a:lnRef idx="2">
+            <a:schemeClr val="accent1">
+              <a:shade val="15000"/>
+            </a:schemeClr>
+          </a:lnRef>
+          <a:fillRef idx="1">
+            <a:schemeClr val="accent1"/>
+          </a:fillRef>
+          <a:effectRef idx="0">
+            <a:schemeClr val="accent1"/>
+          </a:effectRef>
+          <a:fontRef idx="minor">
+            <a:schemeClr val="lt1"/>
+          </a:fontRef>
+        </p:style>
+        <p:txBody>
+          <a:bodyPr rtlCol="0" anchor="ctr"/>
+          <a:lstStyle/>
+          <a:p>
+            <a:pPr algn="ctr"/>
+            <a:endParaRPr lang="en-PH"/>
           </a:p>
         </p:txBody>
       </p:sp>

--- a/LibraryManagementSystemWF/resources/templates/LIBRARY-ID-CARD.pptx
+++ b/LibraryManagementSystemWF/resources/templates/LIBRARY-ID-CARD.pptx
@@ -2,18 +2,18 @@
 <file path=ppt/presentation.xml><?xml version="1.0" encoding="utf-8"?>
 <p:presentation xmlns:a="http://schemas.openxmlformats.org/drawingml/2006/main" xmlns:r="http://schemas.openxmlformats.org/officeDocument/2006/relationships" xmlns:p="http://schemas.openxmlformats.org/presentationml/2006/main" saveSubsetFonts="1">
   <p:sldMasterIdLst>
-    <p:sldMasterId id="2147483648" r:id="rId1"/>
+    <p:sldMasterId id="2147483660" r:id="rId1"/>
   </p:sldMasterIdLst>
   <p:sldIdLst>
     <p:sldId id="256" r:id="rId2"/>
   </p:sldIdLst>
-  <p:sldSz cx="12192000" cy="6858000"/>
+  <p:sldSz cx="3657600" cy="2743200"/>
   <p:notesSz cx="6858000" cy="9144000"/>
   <p:defaultTextStyle>
     <a:defPPr>
       <a:defRPr lang="en-US"/>
     </a:defPPr>
-    <a:lvl1pPr marL="0" algn="l" defTabSz="914400" rtl="0" eaLnBrk="1" latinLnBrk="0" hangingPunct="1">
+    <a:lvl1pPr marL="0" algn="l" defTabSz="457200" rtl="0" eaLnBrk="1" latinLnBrk="0" hangingPunct="1">
       <a:defRPr sz="1800" kern="1200">
         <a:solidFill>
           <a:schemeClr val="tx1"/>
@@ -23,7 +23,7 @@
         <a:cs typeface="+mn-cs"/>
       </a:defRPr>
     </a:lvl1pPr>
-    <a:lvl2pPr marL="457200" algn="l" defTabSz="914400" rtl="0" eaLnBrk="1" latinLnBrk="0" hangingPunct="1">
+    <a:lvl2pPr marL="457200" algn="l" defTabSz="457200" rtl="0" eaLnBrk="1" latinLnBrk="0" hangingPunct="1">
       <a:defRPr sz="1800" kern="1200">
         <a:solidFill>
           <a:schemeClr val="tx1"/>
@@ -33,7 +33,7 @@
         <a:cs typeface="+mn-cs"/>
       </a:defRPr>
     </a:lvl2pPr>
-    <a:lvl3pPr marL="914400" algn="l" defTabSz="914400" rtl="0" eaLnBrk="1" latinLnBrk="0" hangingPunct="1">
+    <a:lvl3pPr marL="914400" algn="l" defTabSz="457200" rtl="0" eaLnBrk="1" latinLnBrk="0" hangingPunct="1">
       <a:defRPr sz="1800" kern="1200">
         <a:solidFill>
           <a:schemeClr val="tx1"/>
@@ -43,7 +43,7 @@
         <a:cs typeface="+mn-cs"/>
       </a:defRPr>
     </a:lvl3pPr>
-    <a:lvl4pPr marL="1371600" algn="l" defTabSz="914400" rtl="0" eaLnBrk="1" latinLnBrk="0" hangingPunct="1">
+    <a:lvl4pPr marL="1371600" algn="l" defTabSz="457200" rtl="0" eaLnBrk="1" latinLnBrk="0" hangingPunct="1">
       <a:defRPr sz="1800" kern="1200">
         <a:solidFill>
           <a:schemeClr val="tx1"/>
@@ -53,7 +53,7 @@
         <a:cs typeface="+mn-cs"/>
       </a:defRPr>
     </a:lvl4pPr>
-    <a:lvl5pPr marL="1828800" algn="l" defTabSz="914400" rtl="0" eaLnBrk="1" latinLnBrk="0" hangingPunct="1">
+    <a:lvl5pPr marL="1828800" algn="l" defTabSz="457200" rtl="0" eaLnBrk="1" latinLnBrk="0" hangingPunct="1">
       <a:defRPr sz="1800" kern="1200">
         <a:solidFill>
           <a:schemeClr val="tx1"/>
@@ -63,7 +63,7 @@
         <a:cs typeface="+mn-cs"/>
       </a:defRPr>
     </a:lvl5pPr>
-    <a:lvl6pPr marL="2286000" algn="l" defTabSz="914400" rtl="0" eaLnBrk="1" latinLnBrk="0" hangingPunct="1">
+    <a:lvl6pPr marL="2286000" algn="l" defTabSz="457200" rtl="0" eaLnBrk="1" latinLnBrk="0" hangingPunct="1">
       <a:defRPr sz="1800" kern="1200">
         <a:solidFill>
           <a:schemeClr val="tx1"/>
@@ -73,7 +73,7 @@
         <a:cs typeface="+mn-cs"/>
       </a:defRPr>
     </a:lvl6pPr>
-    <a:lvl7pPr marL="2743200" algn="l" defTabSz="914400" rtl="0" eaLnBrk="1" latinLnBrk="0" hangingPunct="1">
+    <a:lvl7pPr marL="2743200" algn="l" defTabSz="457200" rtl="0" eaLnBrk="1" latinLnBrk="0" hangingPunct="1">
       <a:defRPr sz="1800" kern="1200">
         <a:solidFill>
           <a:schemeClr val="tx1"/>
@@ -83,7 +83,7 @@
         <a:cs typeface="+mn-cs"/>
       </a:defRPr>
     </a:lvl7pPr>
-    <a:lvl8pPr marL="3200400" algn="l" defTabSz="914400" rtl="0" eaLnBrk="1" latinLnBrk="0" hangingPunct="1">
+    <a:lvl8pPr marL="3200400" algn="l" defTabSz="457200" rtl="0" eaLnBrk="1" latinLnBrk="0" hangingPunct="1">
       <a:defRPr sz="1800" kern="1200">
         <a:solidFill>
           <a:schemeClr val="tx1"/>
@@ -93,7 +93,7 @@
         <a:cs typeface="+mn-cs"/>
       </a:defRPr>
     </a:lvl8pPr>
-    <a:lvl9pPr marL="3657600" algn="l" defTabSz="914400" rtl="0" eaLnBrk="1" latinLnBrk="0" hangingPunct="1">
+    <a:lvl9pPr marL="3657600" algn="l" defTabSz="457200" rtl="0" eaLnBrk="1" latinLnBrk="0" hangingPunct="1">
       <a:defRPr sz="1800" kern="1200">
         <a:solidFill>
           <a:schemeClr val="tx1"/>
@@ -131,13 +131,7 @@
       </p:grpSpPr>
       <p:sp>
         <p:nvSpPr>
-          <p:cNvPr id="2" name="Title 1">
-            <a:extLst>
-              <a:ext uri="{FF2B5EF4-FFF2-40B4-BE49-F238E27FC236}">
-                <a16:creationId xmlns:a16="http://schemas.microsoft.com/office/drawing/2014/main" id="{85DD3243-2E92-68FA-674D-23C02A5314C5}"/>
-              </a:ext>
-            </a:extLst>
-          </p:cNvPr>
+          <p:cNvPr id="2" name="Title 1"/>
           <p:cNvSpPr>
             <a:spLocks noGrp="1"/>
           </p:cNvSpPr>
@@ -147,15 +141,15 @@
         </p:nvSpPr>
         <p:spPr>
           <a:xfrm>
-            <a:off x="1524000" y="1122363"/>
-            <a:ext cx="9144000" cy="2387600"/>
+            <a:off x="274320" y="448945"/>
+            <a:ext cx="3108960" cy="955040"/>
           </a:xfrm>
         </p:spPr>
         <p:txBody>
           <a:bodyPr anchor="b"/>
           <a:lstStyle>
             <a:lvl1pPr algn="ctr">
-              <a:defRPr sz="6000"/>
+              <a:defRPr sz="2400"/>
             </a:lvl1pPr>
           </a:lstStyle>
           <a:p>
@@ -163,19 +157,13 @@
               <a:rPr lang="en-US"/>
               <a:t>Click to edit Master title style</a:t>
             </a:r>
-            <a:endParaRPr lang="en-PH"/>
-          </a:p>
-        </p:txBody>
-      </p:sp>
-      <p:sp>
-        <p:nvSpPr>
-          <p:cNvPr id="3" name="Subtitle 2">
-            <a:extLst>
-              <a:ext uri="{FF2B5EF4-FFF2-40B4-BE49-F238E27FC236}">
-                <a16:creationId xmlns:a16="http://schemas.microsoft.com/office/drawing/2014/main" id="{ABE4FB3F-EAD6-5FCA-5E07-4169B79562AA}"/>
-              </a:ext>
-            </a:extLst>
-          </p:cNvPr>
+            <a:endParaRPr lang="en-US" dirty="0"/>
+          </a:p>
+        </p:txBody>
+      </p:sp>
+      <p:sp>
+        <p:nvSpPr>
+          <p:cNvPr id="3" name="Subtitle 2"/>
           <p:cNvSpPr>
             <a:spLocks noGrp="1"/>
           </p:cNvSpPr>
@@ -185,8 +173,8 @@
         </p:nvSpPr>
         <p:spPr>
           <a:xfrm>
-            <a:off x="1524000" y="3602038"/>
-            <a:ext cx="9144000" cy="1655762"/>
+            <a:off x="457200" y="1440815"/>
+            <a:ext cx="2743200" cy="662305"/>
           </a:xfrm>
         </p:spPr>
         <p:txBody>
@@ -194,39 +182,39 @@
           <a:lstStyle>
             <a:lvl1pPr marL="0" indent="0" algn="ctr">
               <a:buNone/>
-              <a:defRPr sz="2400"/>
+              <a:defRPr sz="960"/>
             </a:lvl1pPr>
-            <a:lvl2pPr marL="457200" indent="0" algn="ctr">
-              <a:buNone/>
-              <a:defRPr sz="2000"/>
+            <a:lvl2pPr marL="182880" indent="0" algn="ctr">
+              <a:buNone/>
+              <a:defRPr sz="800"/>
             </a:lvl2pPr>
-            <a:lvl3pPr marL="914400" indent="0" algn="ctr">
-              <a:buNone/>
-              <a:defRPr sz="1800"/>
+            <a:lvl3pPr marL="365760" indent="0" algn="ctr">
+              <a:buNone/>
+              <a:defRPr sz="720"/>
             </a:lvl3pPr>
-            <a:lvl4pPr marL="1371600" indent="0" algn="ctr">
-              <a:buNone/>
-              <a:defRPr sz="1600"/>
+            <a:lvl4pPr marL="548640" indent="0" algn="ctr">
+              <a:buNone/>
+              <a:defRPr sz="640"/>
             </a:lvl4pPr>
-            <a:lvl5pPr marL="1828800" indent="0" algn="ctr">
-              <a:buNone/>
-              <a:defRPr sz="1600"/>
+            <a:lvl5pPr marL="731520" indent="0" algn="ctr">
+              <a:buNone/>
+              <a:defRPr sz="640"/>
             </a:lvl5pPr>
-            <a:lvl6pPr marL="2286000" indent="0" algn="ctr">
-              <a:buNone/>
-              <a:defRPr sz="1600"/>
+            <a:lvl6pPr marL="914400" indent="0" algn="ctr">
+              <a:buNone/>
+              <a:defRPr sz="640"/>
             </a:lvl6pPr>
-            <a:lvl7pPr marL="2743200" indent="0" algn="ctr">
-              <a:buNone/>
-              <a:defRPr sz="1600"/>
+            <a:lvl7pPr marL="1097280" indent="0" algn="ctr">
+              <a:buNone/>
+              <a:defRPr sz="640"/>
             </a:lvl7pPr>
-            <a:lvl8pPr marL="3200400" indent="0" algn="ctr">
-              <a:buNone/>
-              <a:defRPr sz="1600"/>
+            <a:lvl8pPr marL="1280160" indent="0" algn="ctr">
+              <a:buNone/>
+              <a:defRPr sz="640"/>
             </a:lvl8pPr>
-            <a:lvl9pPr marL="3657600" indent="0" algn="ctr">
-              <a:buNone/>
-              <a:defRPr sz="1600"/>
+            <a:lvl9pPr marL="1463040" indent="0" algn="ctr">
+              <a:buNone/>
+              <a:defRPr sz="640"/>
             </a:lvl9pPr>
           </a:lstStyle>
           <a:p>
@@ -234,19 +222,13 @@
               <a:rPr lang="en-US"/>
               <a:t>Click to edit Master subtitle style</a:t>
             </a:r>
-            <a:endParaRPr lang="en-PH"/>
-          </a:p>
-        </p:txBody>
-      </p:sp>
-      <p:sp>
-        <p:nvSpPr>
-          <p:cNvPr id="4" name="Date Placeholder 3">
-            <a:extLst>
-              <a:ext uri="{FF2B5EF4-FFF2-40B4-BE49-F238E27FC236}">
-                <a16:creationId xmlns:a16="http://schemas.microsoft.com/office/drawing/2014/main" id="{52A141C7-15A2-975D-2FC6-E79907127590}"/>
-              </a:ext>
-            </a:extLst>
-          </p:cNvPr>
+            <a:endParaRPr lang="en-US" dirty="0"/>
+          </a:p>
+        </p:txBody>
+      </p:sp>
+      <p:sp>
+        <p:nvSpPr>
+          <p:cNvPr id="4" name="Date Placeholder 3"/>
           <p:cNvSpPr>
             <a:spLocks noGrp="1"/>
           </p:cNvSpPr>
@@ -261,7 +243,7 @@
           <a:p>
             <a:fld id="{9ED73991-8D78-4469-86AD-BD5EC685D672}" type="datetimeFigureOut">
               <a:rPr lang="en-PH" smtClean="0"/>
-              <a:t>08/01/2024</a:t>
+              <a:t>09/01/2024</a:t>
             </a:fld>
             <a:endParaRPr lang="en-PH"/>
           </a:p>
@@ -269,13 +251,7 @@
       </p:sp>
       <p:sp>
         <p:nvSpPr>
-          <p:cNvPr id="5" name="Footer Placeholder 4">
-            <a:extLst>
-              <a:ext uri="{FF2B5EF4-FFF2-40B4-BE49-F238E27FC236}">
-                <a16:creationId xmlns:a16="http://schemas.microsoft.com/office/drawing/2014/main" id="{B21C6149-BF32-7DFC-66DE-67F8EBA8C659}"/>
-              </a:ext>
-            </a:extLst>
-          </p:cNvPr>
+          <p:cNvPr id="5" name="Footer Placeholder 4"/>
           <p:cNvSpPr>
             <a:spLocks noGrp="1"/>
           </p:cNvSpPr>
@@ -294,13 +270,7 @@
       </p:sp>
       <p:sp>
         <p:nvSpPr>
-          <p:cNvPr id="6" name="Slide Number Placeholder 5">
-            <a:extLst>
-              <a:ext uri="{FF2B5EF4-FFF2-40B4-BE49-F238E27FC236}">
-                <a16:creationId xmlns:a16="http://schemas.microsoft.com/office/drawing/2014/main" id="{592C7968-7EF4-EC71-5E5C-2B64ABAC025C}"/>
-              </a:ext>
-            </a:extLst>
-          </p:cNvPr>
+          <p:cNvPr id="6" name="Slide Number Placeholder 5"/>
           <p:cNvSpPr>
             <a:spLocks noGrp="1"/>
           </p:cNvSpPr>
@@ -324,7 +294,7 @@
     </p:spTree>
     <p:extLst>
       <p:ext uri="{BB962C8B-B14F-4D97-AF65-F5344CB8AC3E}">
-        <p14:creationId xmlns:p14="http://schemas.microsoft.com/office/powerpoint/2010/main" val="2739772938"/>
+        <p14:creationId xmlns:p14="http://schemas.microsoft.com/office/powerpoint/2010/main" val="2225315734"/>
       </p:ext>
     </p:extLst>
   </p:cSld>
@@ -353,13 +323,7 @@
       </p:grpSpPr>
       <p:sp>
         <p:nvSpPr>
-          <p:cNvPr id="2" name="Title 1">
-            <a:extLst>
-              <a:ext uri="{FF2B5EF4-FFF2-40B4-BE49-F238E27FC236}">
-                <a16:creationId xmlns:a16="http://schemas.microsoft.com/office/drawing/2014/main" id="{0824ABE5-E937-60A6-2A70-1C48AADFF06B}"/>
-              </a:ext>
-            </a:extLst>
-          </p:cNvPr>
+          <p:cNvPr id="2" name="Title 1"/>
           <p:cNvSpPr>
             <a:spLocks noGrp="1"/>
           </p:cNvSpPr>
@@ -376,19 +340,13 @@
               <a:rPr lang="en-US"/>
               <a:t>Click to edit Master title style</a:t>
             </a:r>
-            <a:endParaRPr lang="en-PH"/>
-          </a:p>
-        </p:txBody>
-      </p:sp>
-      <p:sp>
-        <p:nvSpPr>
-          <p:cNvPr id="3" name="Vertical Text Placeholder 2">
-            <a:extLst>
-              <a:ext uri="{FF2B5EF4-FFF2-40B4-BE49-F238E27FC236}">
-                <a16:creationId xmlns:a16="http://schemas.microsoft.com/office/drawing/2014/main" id="{AF121580-9482-8A42-3093-1A6A433918BE}"/>
-              </a:ext>
-            </a:extLst>
-          </p:cNvPr>
+            <a:endParaRPr lang="en-US" dirty="0"/>
+          </a:p>
+        </p:txBody>
+      </p:sp>
+      <p:sp>
+        <p:nvSpPr>
+          <p:cNvPr id="3" name="Vertical Text Placeholder 2"/>
           <p:cNvSpPr>
             <a:spLocks noGrp="1"/>
           </p:cNvSpPr>
@@ -434,19 +392,13 @@
               <a:rPr lang="en-US"/>
               <a:t>Fifth level</a:t>
             </a:r>
-            <a:endParaRPr lang="en-PH"/>
-          </a:p>
-        </p:txBody>
-      </p:sp>
-      <p:sp>
-        <p:nvSpPr>
-          <p:cNvPr id="4" name="Date Placeholder 3">
-            <a:extLst>
-              <a:ext uri="{FF2B5EF4-FFF2-40B4-BE49-F238E27FC236}">
-                <a16:creationId xmlns:a16="http://schemas.microsoft.com/office/drawing/2014/main" id="{68B915ED-8336-08DD-D1BE-AE15D2DEAD20}"/>
-              </a:ext>
-            </a:extLst>
-          </p:cNvPr>
+            <a:endParaRPr lang="en-US" dirty="0"/>
+          </a:p>
+        </p:txBody>
+      </p:sp>
+      <p:sp>
+        <p:nvSpPr>
+          <p:cNvPr id="4" name="Date Placeholder 3"/>
           <p:cNvSpPr>
             <a:spLocks noGrp="1"/>
           </p:cNvSpPr>
@@ -461,7 +413,7 @@
           <a:p>
             <a:fld id="{9ED73991-8D78-4469-86AD-BD5EC685D672}" type="datetimeFigureOut">
               <a:rPr lang="en-PH" smtClean="0"/>
-              <a:t>08/01/2024</a:t>
+              <a:t>09/01/2024</a:t>
             </a:fld>
             <a:endParaRPr lang="en-PH"/>
           </a:p>
@@ -469,13 +421,7 @@
       </p:sp>
       <p:sp>
         <p:nvSpPr>
-          <p:cNvPr id="5" name="Footer Placeholder 4">
-            <a:extLst>
-              <a:ext uri="{FF2B5EF4-FFF2-40B4-BE49-F238E27FC236}">
-                <a16:creationId xmlns:a16="http://schemas.microsoft.com/office/drawing/2014/main" id="{8FB973BE-AFBA-4C78-BE0C-DA78F99F565C}"/>
-              </a:ext>
-            </a:extLst>
-          </p:cNvPr>
+          <p:cNvPr id="5" name="Footer Placeholder 4"/>
           <p:cNvSpPr>
             <a:spLocks noGrp="1"/>
           </p:cNvSpPr>
@@ -494,13 +440,7 @@
       </p:sp>
       <p:sp>
         <p:nvSpPr>
-          <p:cNvPr id="6" name="Slide Number Placeholder 5">
-            <a:extLst>
-              <a:ext uri="{FF2B5EF4-FFF2-40B4-BE49-F238E27FC236}">
-                <a16:creationId xmlns:a16="http://schemas.microsoft.com/office/drawing/2014/main" id="{4D4241C4-D4C2-03D8-1380-485CBEEEE90B}"/>
-              </a:ext>
-            </a:extLst>
-          </p:cNvPr>
+          <p:cNvPr id="6" name="Slide Number Placeholder 5"/>
           <p:cNvSpPr>
             <a:spLocks noGrp="1"/>
           </p:cNvSpPr>
@@ -524,7 +464,7 @@
     </p:spTree>
     <p:extLst>
       <p:ext uri="{BB962C8B-B14F-4D97-AF65-F5344CB8AC3E}">
-        <p14:creationId xmlns:p14="http://schemas.microsoft.com/office/powerpoint/2010/main" val="3906502846"/>
+        <p14:creationId xmlns:p14="http://schemas.microsoft.com/office/powerpoint/2010/main" val="4159724834"/>
       </p:ext>
     </p:extLst>
   </p:cSld>
@@ -553,13 +493,7 @@
       </p:grpSpPr>
       <p:sp>
         <p:nvSpPr>
-          <p:cNvPr id="2" name="Vertical Title 1">
-            <a:extLst>
-              <a:ext uri="{FF2B5EF4-FFF2-40B4-BE49-F238E27FC236}">
-                <a16:creationId xmlns:a16="http://schemas.microsoft.com/office/drawing/2014/main" id="{34D00F3F-0F40-99A3-FCC9-778B982B0BE2}"/>
-              </a:ext>
-            </a:extLst>
-          </p:cNvPr>
+          <p:cNvPr id="2" name="Vertical Title 1"/>
           <p:cNvSpPr>
             <a:spLocks noGrp="1"/>
           </p:cNvSpPr>
@@ -569,8 +503,8 @@
         </p:nvSpPr>
         <p:spPr>
           <a:xfrm>
-            <a:off x="8724900" y="365125"/>
-            <a:ext cx="2628900" cy="5811838"/>
+            <a:off x="2617470" y="146050"/>
+            <a:ext cx="788670" cy="2324735"/>
           </a:xfrm>
         </p:spPr>
         <p:txBody>
@@ -581,19 +515,13 @@
               <a:rPr lang="en-US"/>
               <a:t>Click to edit Master title style</a:t>
             </a:r>
-            <a:endParaRPr lang="en-PH"/>
-          </a:p>
-        </p:txBody>
-      </p:sp>
-      <p:sp>
-        <p:nvSpPr>
-          <p:cNvPr id="3" name="Vertical Text Placeholder 2">
-            <a:extLst>
-              <a:ext uri="{FF2B5EF4-FFF2-40B4-BE49-F238E27FC236}">
-                <a16:creationId xmlns:a16="http://schemas.microsoft.com/office/drawing/2014/main" id="{D8ADB827-E25F-BB45-290B-1AE68CEE0F66}"/>
-              </a:ext>
-            </a:extLst>
-          </p:cNvPr>
+            <a:endParaRPr lang="en-US" dirty="0"/>
+          </a:p>
+        </p:txBody>
+      </p:sp>
+      <p:sp>
+        <p:nvSpPr>
+          <p:cNvPr id="3" name="Vertical Text Placeholder 2"/>
           <p:cNvSpPr>
             <a:spLocks noGrp="1"/>
           </p:cNvSpPr>
@@ -603,8 +531,8 @@
         </p:nvSpPr>
         <p:spPr>
           <a:xfrm>
-            <a:off x="838200" y="365125"/>
-            <a:ext cx="7734300" cy="5811838"/>
+            <a:off x="251460" y="146050"/>
+            <a:ext cx="2320290" cy="2324735"/>
           </a:xfrm>
         </p:spPr>
         <p:txBody>
@@ -644,19 +572,13 @@
               <a:rPr lang="en-US"/>
               <a:t>Fifth level</a:t>
             </a:r>
-            <a:endParaRPr lang="en-PH"/>
-          </a:p>
-        </p:txBody>
-      </p:sp>
-      <p:sp>
-        <p:nvSpPr>
-          <p:cNvPr id="4" name="Date Placeholder 3">
-            <a:extLst>
-              <a:ext uri="{FF2B5EF4-FFF2-40B4-BE49-F238E27FC236}">
-                <a16:creationId xmlns:a16="http://schemas.microsoft.com/office/drawing/2014/main" id="{CC773EC2-57A0-98C8-91A1-E42C27A4DA46}"/>
-              </a:ext>
-            </a:extLst>
-          </p:cNvPr>
+            <a:endParaRPr lang="en-US" dirty="0"/>
+          </a:p>
+        </p:txBody>
+      </p:sp>
+      <p:sp>
+        <p:nvSpPr>
+          <p:cNvPr id="4" name="Date Placeholder 3"/>
           <p:cNvSpPr>
             <a:spLocks noGrp="1"/>
           </p:cNvSpPr>
@@ -671,7 +593,7 @@
           <a:p>
             <a:fld id="{9ED73991-8D78-4469-86AD-BD5EC685D672}" type="datetimeFigureOut">
               <a:rPr lang="en-PH" smtClean="0"/>
-              <a:t>08/01/2024</a:t>
+              <a:t>09/01/2024</a:t>
             </a:fld>
             <a:endParaRPr lang="en-PH"/>
           </a:p>
@@ -679,13 +601,7 @@
       </p:sp>
       <p:sp>
         <p:nvSpPr>
-          <p:cNvPr id="5" name="Footer Placeholder 4">
-            <a:extLst>
-              <a:ext uri="{FF2B5EF4-FFF2-40B4-BE49-F238E27FC236}">
-                <a16:creationId xmlns:a16="http://schemas.microsoft.com/office/drawing/2014/main" id="{CCB0B637-8916-89DE-D00B-D66101258256}"/>
-              </a:ext>
-            </a:extLst>
-          </p:cNvPr>
+          <p:cNvPr id="5" name="Footer Placeholder 4"/>
           <p:cNvSpPr>
             <a:spLocks noGrp="1"/>
           </p:cNvSpPr>
@@ -704,13 +620,7 @@
       </p:sp>
       <p:sp>
         <p:nvSpPr>
-          <p:cNvPr id="6" name="Slide Number Placeholder 5">
-            <a:extLst>
-              <a:ext uri="{FF2B5EF4-FFF2-40B4-BE49-F238E27FC236}">
-                <a16:creationId xmlns:a16="http://schemas.microsoft.com/office/drawing/2014/main" id="{6E423EB1-34BA-CA62-D383-76364D368E9A}"/>
-              </a:ext>
-            </a:extLst>
-          </p:cNvPr>
+          <p:cNvPr id="6" name="Slide Number Placeholder 5"/>
           <p:cNvSpPr>
             <a:spLocks noGrp="1"/>
           </p:cNvSpPr>
@@ -734,7 +644,7 @@
     </p:spTree>
     <p:extLst>
       <p:ext uri="{BB962C8B-B14F-4D97-AF65-F5344CB8AC3E}">
-        <p14:creationId xmlns:p14="http://schemas.microsoft.com/office/powerpoint/2010/main" val="596129102"/>
+        <p14:creationId xmlns:p14="http://schemas.microsoft.com/office/powerpoint/2010/main" val="3482796867"/>
       </p:ext>
     </p:extLst>
   </p:cSld>
@@ -763,13 +673,7 @@
       </p:grpSpPr>
       <p:sp>
         <p:nvSpPr>
-          <p:cNvPr id="2" name="Title 1">
-            <a:extLst>
-              <a:ext uri="{FF2B5EF4-FFF2-40B4-BE49-F238E27FC236}">
-                <a16:creationId xmlns:a16="http://schemas.microsoft.com/office/drawing/2014/main" id="{1A647031-999E-6AA4-A7A1-A74BD082F0F4}"/>
-              </a:ext>
-            </a:extLst>
-          </p:cNvPr>
+          <p:cNvPr id="2" name="Title 1"/>
           <p:cNvSpPr>
             <a:spLocks noGrp="1"/>
           </p:cNvSpPr>
@@ -786,19 +690,13 @@
               <a:rPr lang="en-US"/>
               <a:t>Click to edit Master title style</a:t>
             </a:r>
-            <a:endParaRPr lang="en-PH"/>
-          </a:p>
-        </p:txBody>
-      </p:sp>
-      <p:sp>
-        <p:nvSpPr>
-          <p:cNvPr id="3" name="Content Placeholder 2">
-            <a:extLst>
-              <a:ext uri="{FF2B5EF4-FFF2-40B4-BE49-F238E27FC236}">
-                <a16:creationId xmlns:a16="http://schemas.microsoft.com/office/drawing/2014/main" id="{9A07928C-0E7B-661E-3565-B38E6BB966B5}"/>
-              </a:ext>
-            </a:extLst>
-          </p:cNvPr>
+            <a:endParaRPr lang="en-US" dirty="0"/>
+          </a:p>
+        </p:txBody>
+      </p:sp>
+      <p:sp>
+        <p:nvSpPr>
+          <p:cNvPr id="3" name="Content Placeholder 2"/>
           <p:cNvSpPr>
             <a:spLocks noGrp="1"/>
           </p:cNvSpPr>
@@ -844,19 +742,13 @@
               <a:rPr lang="en-US"/>
               <a:t>Fifth level</a:t>
             </a:r>
-            <a:endParaRPr lang="en-PH"/>
-          </a:p>
-        </p:txBody>
-      </p:sp>
-      <p:sp>
-        <p:nvSpPr>
-          <p:cNvPr id="4" name="Date Placeholder 3">
-            <a:extLst>
-              <a:ext uri="{FF2B5EF4-FFF2-40B4-BE49-F238E27FC236}">
-                <a16:creationId xmlns:a16="http://schemas.microsoft.com/office/drawing/2014/main" id="{6BE9E123-6153-5AB5-98D8-D82041D285DC}"/>
-              </a:ext>
-            </a:extLst>
-          </p:cNvPr>
+            <a:endParaRPr lang="en-US" dirty="0"/>
+          </a:p>
+        </p:txBody>
+      </p:sp>
+      <p:sp>
+        <p:nvSpPr>
+          <p:cNvPr id="4" name="Date Placeholder 3"/>
           <p:cNvSpPr>
             <a:spLocks noGrp="1"/>
           </p:cNvSpPr>
@@ -871,7 +763,7 @@
           <a:p>
             <a:fld id="{9ED73991-8D78-4469-86AD-BD5EC685D672}" type="datetimeFigureOut">
               <a:rPr lang="en-PH" smtClean="0"/>
-              <a:t>08/01/2024</a:t>
+              <a:t>09/01/2024</a:t>
             </a:fld>
             <a:endParaRPr lang="en-PH"/>
           </a:p>
@@ -879,13 +771,7 @@
       </p:sp>
       <p:sp>
         <p:nvSpPr>
-          <p:cNvPr id="5" name="Footer Placeholder 4">
-            <a:extLst>
-              <a:ext uri="{FF2B5EF4-FFF2-40B4-BE49-F238E27FC236}">
-                <a16:creationId xmlns:a16="http://schemas.microsoft.com/office/drawing/2014/main" id="{055C211F-4F3F-68B5-F230-CBD71B3D3E89}"/>
-              </a:ext>
-            </a:extLst>
-          </p:cNvPr>
+          <p:cNvPr id="5" name="Footer Placeholder 4"/>
           <p:cNvSpPr>
             <a:spLocks noGrp="1"/>
           </p:cNvSpPr>
@@ -904,13 +790,7 @@
       </p:sp>
       <p:sp>
         <p:nvSpPr>
-          <p:cNvPr id="6" name="Slide Number Placeholder 5">
-            <a:extLst>
-              <a:ext uri="{FF2B5EF4-FFF2-40B4-BE49-F238E27FC236}">
-                <a16:creationId xmlns:a16="http://schemas.microsoft.com/office/drawing/2014/main" id="{1517A223-8C0C-D22D-DC13-407217BB4C10}"/>
-              </a:ext>
-            </a:extLst>
-          </p:cNvPr>
+          <p:cNvPr id="6" name="Slide Number Placeholder 5"/>
           <p:cNvSpPr>
             <a:spLocks noGrp="1"/>
           </p:cNvSpPr>
@@ -934,7 +814,7 @@
     </p:spTree>
     <p:extLst>
       <p:ext uri="{BB962C8B-B14F-4D97-AF65-F5344CB8AC3E}">
-        <p14:creationId xmlns:p14="http://schemas.microsoft.com/office/powerpoint/2010/main" val="505122033"/>
+        <p14:creationId xmlns:p14="http://schemas.microsoft.com/office/powerpoint/2010/main" val="4256673317"/>
       </p:ext>
     </p:extLst>
   </p:cSld>
@@ -963,13 +843,7 @@
       </p:grpSpPr>
       <p:sp>
         <p:nvSpPr>
-          <p:cNvPr id="2" name="Title 1">
-            <a:extLst>
-              <a:ext uri="{FF2B5EF4-FFF2-40B4-BE49-F238E27FC236}">
-                <a16:creationId xmlns:a16="http://schemas.microsoft.com/office/drawing/2014/main" id="{C1F77329-EBBB-054A-7CA8-E02C3EDA716B}"/>
-              </a:ext>
-            </a:extLst>
-          </p:cNvPr>
+          <p:cNvPr id="2" name="Title 1"/>
           <p:cNvSpPr>
             <a:spLocks noGrp="1"/>
           </p:cNvSpPr>
@@ -979,15 +853,15 @@
         </p:nvSpPr>
         <p:spPr>
           <a:xfrm>
-            <a:off x="831850" y="1709738"/>
-            <a:ext cx="10515600" cy="2852737"/>
+            <a:off x="249555" y="683896"/>
+            <a:ext cx="3154680" cy="1141095"/>
           </a:xfrm>
         </p:spPr>
         <p:txBody>
           <a:bodyPr anchor="b"/>
           <a:lstStyle>
             <a:lvl1pPr>
-              <a:defRPr sz="6000"/>
+              <a:defRPr sz="2400"/>
             </a:lvl1pPr>
           </a:lstStyle>
           <a:p>
@@ -995,19 +869,13 @@
               <a:rPr lang="en-US"/>
               <a:t>Click to edit Master title style</a:t>
             </a:r>
-            <a:endParaRPr lang="en-PH"/>
-          </a:p>
-        </p:txBody>
-      </p:sp>
-      <p:sp>
-        <p:nvSpPr>
-          <p:cNvPr id="3" name="Text Placeholder 2">
-            <a:extLst>
-              <a:ext uri="{FF2B5EF4-FFF2-40B4-BE49-F238E27FC236}">
-                <a16:creationId xmlns:a16="http://schemas.microsoft.com/office/drawing/2014/main" id="{1986463A-7391-E24F-8F41-B5A2A9C9C448}"/>
-              </a:ext>
-            </a:extLst>
-          </p:cNvPr>
+            <a:endParaRPr lang="en-US" dirty="0"/>
+          </a:p>
+        </p:txBody>
+      </p:sp>
+      <p:sp>
+        <p:nvSpPr>
+          <p:cNvPr id="3" name="Text Placeholder 2"/>
           <p:cNvSpPr>
             <a:spLocks noGrp="1"/>
           </p:cNvSpPr>
@@ -1017,8 +885,8 @@
         </p:nvSpPr>
         <p:spPr>
           <a:xfrm>
-            <a:off x="831850" y="4589463"/>
-            <a:ext cx="10515600" cy="1500187"/>
+            <a:off x="249555" y="1835786"/>
+            <a:ext cx="3154680" cy="600075"/>
           </a:xfrm>
         </p:spPr>
         <p:txBody>
@@ -1026,17 +894,15 @@
           <a:lstStyle>
             <a:lvl1pPr marL="0" indent="0">
               <a:buNone/>
-              <a:defRPr sz="2400">
+              <a:defRPr sz="960">
                 <a:solidFill>
-                  <a:schemeClr val="tx1">
-                    <a:tint val="75000"/>
-                  </a:schemeClr>
+                  <a:schemeClr val="tx1"/>
                 </a:solidFill>
               </a:defRPr>
             </a:lvl1pPr>
-            <a:lvl2pPr marL="457200" indent="0">
-              <a:buNone/>
-              <a:defRPr sz="2000">
+            <a:lvl2pPr marL="182880" indent="0">
+              <a:buNone/>
+              <a:defRPr sz="800">
                 <a:solidFill>
                   <a:schemeClr val="tx1">
                     <a:tint val="75000"/>
@@ -1044,9 +910,9 @@
                 </a:solidFill>
               </a:defRPr>
             </a:lvl2pPr>
-            <a:lvl3pPr marL="914400" indent="0">
-              <a:buNone/>
-              <a:defRPr sz="1800">
+            <a:lvl3pPr marL="365760" indent="0">
+              <a:buNone/>
+              <a:defRPr sz="720">
                 <a:solidFill>
                   <a:schemeClr val="tx1">
                     <a:tint val="75000"/>
@@ -1054,9 +920,9 @@
                 </a:solidFill>
               </a:defRPr>
             </a:lvl3pPr>
-            <a:lvl4pPr marL="1371600" indent="0">
-              <a:buNone/>
-              <a:defRPr sz="1600">
+            <a:lvl4pPr marL="548640" indent="0">
+              <a:buNone/>
+              <a:defRPr sz="640">
                 <a:solidFill>
                   <a:schemeClr val="tx1">
                     <a:tint val="75000"/>
@@ -1064,9 +930,9 @@
                 </a:solidFill>
               </a:defRPr>
             </a:lvl4pPr>
-            <a:lvl5pPr marL="1828800" indent="0">
-              <a:buNone/>
-              <a:defRPr sz="1600">
+            <a:lvl5pPr marL="731520" indent="0">
+              <a:buNone/>
+              <a:defRPr sz="640">
                 <a:solidFill>
                   <a:schemeClr val="tx1">
                     <a:tint val="75000"/>
@@ -1074,9 +940,9 @@
                 </a:solidFill>
               </a:defRPr>
             </a:lvl5pPr>
-            <a:lvl6pPr marL="2286000" indent="0">
-              <a:buNone/>
-              <a:defRPr sz="1600">
+            <a:lvl6pPr marL="914400" indent="0">
+              <a:buNone/>
+              <a:defRPr sz="640">
                 <a:solidFill>
                   <a:schemeClr val="tx1">
                     <a:tint val="75000"/>
@@ -1084,9 +950,9 @@
                 </a:solidFill>
               </a:defRPr>
             </a:lvl6pPr>
-            <a:lvl7pPr marL="2743200" indent="0">
-              <a:buNone/>
-              <a:defRPr sz="1600">
+            <a:lvl7pPr marL="1097280" indent="0">
+              <a:buNone/>
+              <a:defRPr sz="640">
                 <a:solidFill>
                   <a:schemeClr val="tx1">
                     <a:tint val="75000"/>
@@ -1094,9 +960,9 @@
                 </a:solidFill>
               </a:defRPr>
             </a:lvl7pPr>
-            <a:lvl8pPr marL="3200400" indent="0">
-              <a:buNone/>
-              <a:defRPr sz="1600">
+            <a:lvl8pPr marL="1280160" indent="0">
+              <a:buNone/>
+              <a:defRPr sz="640">
                 <a:solidFill>
                   <a:schemeClr val="tx1">
                     <a:tint val="75000"/>
@@ -1104,9 +970,9 @@
                 </a:solidFill>
               </a:defRPr>
             </a:lvl8pPr>
-            <a:lvl9pPr marL="3657600" indent="0">
-              <a:buNone/>
-              <a:defRPr sz="1600">
+            <a:lvl9pPr marL="1463040" indent="0">
+              <a:buNone/>
+              <a:defRPr sz="640">
                 <a:solidFill>
                   <a:schemeClr val="tx1">
                     <a:tint val="75000"/>
@@ -1126,13 +992,7 @@
       </p:sp>
       <p:sp>
         <p:nvSpPr>
-          <p:cNvPr id="4" name="Date Placeholder 3">
-            <a:extLst>
-              <a:ext uri="{FF2B5EF4-FFF2-40B4-BE49-F238E27FC236}">
-                <a16:creationId xmlns:a16="http://schemas.microsoft.com/office/drawing/2014/main" id="{2339B3CF-AB74-7560-D33D-1154FFC05233}"/>
-              </a:ext>
-            </a:extLst>
-          </p:cNvPr>
+          <p:cNvPr id="4" name="Date Placeholder 3"/>
           <p:cNvSpPr>
             <a:spLocks noGrp="1"/>
           </p:cNvSpPr>
@@ -1147,7 +1007,7 @@
           <a:p>
             <a:fld id="{9ED73991-8D78-4469-86AD-BD5EC685D672}" type="datetimeFigureOut">
               <a:rPr lang="en-PH" smtClean="0"/>
-              <a:t>08/01/2024</a:t>
+              <a:t>09/01/2024</a:t>
             </a:fld>
             <a:endParaRPr lang="en-PH"/>
           </a:p>
@@ -1155,13 +1015,7 @@
       </p:sp>
       <p:sp>
         <p:nvSpPr>
-          <p:cNvPr id="5" name="Footer Placeholder 4">
-            <a:extLst>
-              <a:ext uri="{FF2B5EF4-FFF2-40B4-BE49-F238E27FC236}">
-                <a16:creationId xmlns:a16="http://schemas.microsoft.com/office/drawing/2014/main" id="{9F2EC8C7-C4DA-587A-295D-9886BBD8D89A}"/>
-              </a:ext>
-            </a:extLst>
-          </p:cNvPr>
+          <p:cNvPr id="5" name="Footer Placeholder 4"/>
           <p:cNvSpPr>
             <a:spLocks noGrp="1"/>
           </p:cNvSpPr>
@@ -1180,13 +1034,7 @@
       </p:sp>
       <p:sp>
         <p:nvSpPr>
-          <p:cNvPr id="6" name="Slide Number Placeholder 5">
-            <a:extLst>
-              <a:ext uri="{FF2B5EF4-FFF2-40B4-BE49-F238E27FC236}">
-                <a16:creationId xmlns:a16="http://schemas.microsoft.com/office/drawing/2014/main" id="{E61A0B6D-4257-5E99-3C13-E432EAABD409}"/>
-              </a:ext>
-            </a:extLst>
-          </p:cNvPr>
+          <p:cNvPr id="6" name="Slide Number Placeholder 5"/>
           <p:cNvSpPr>
             <a:spLocks noGrp="1"/>
           </p:cNvSpPr>
@@ -1210,7 +1058,7 @@
     </p:spTree>
     <p:extLst>
       <p:ext uri="{BB962C8B-B14F-4D97-AF65-F5344CB8AC3E}">
-        <p14:creationId xmlns:p14="http://schemas.microsoft.com/office/powerpoint/2010/main" val="764278196"/>
+        <p14:creationId xmlns:p14="http://schemas.microsoft.com/office/powerpoint/2010/main" val="3799263015"/>
       </p:ext>
     </p:extLst>
   </p:cSld>
@@ -1239,13 +1087,7 @@
       </p:grpSpPr>
       <p:sp>
         <p:nvSpPr>
-          <p:cNvPr id="2" name="Title 1">
-            <a:extLst>
-              <a:ext uri="{FF2B5EF4-FFF2-40B4-BE49-F238E27FC236}">
-                <a16:creationId xmlns:a16="http://schemas.microsoft.com/office/drawing/2014/main" id="{741BE214-D3A2-BE83-C9D6-A4E1C870B14F}"/>
-              </a:ext>
-            </a:extLst>
-          </p:cNvPr>
+          <p:cNvPr id="2" name="Title 1"/>
           <p:cNvSpPr>
             <a:spLocks noGrp="1"/>
           </p:cNvSpPr>
@@ -1262,19 +1104,13 @@
               <a:rPr lang="en-US"/>
               <a:t>Click to edit Master title style</a:t>
             </a:r>
-            <a:endParaRPr lang="en-PH"/>
-          </a:p>
-        </p:txBody>
-      </p:sp>
-      <p:sp>
-        <p:nvSpPr>
-          <p:cNvPr id="3" name="Content Placeholder 2">
-            <a:extLst>
-              <a:ext uri="{FF2B5EF4-FFF2-40B4-BE49-F238E27FC236}">
-                <a16:creationId xmlns:a16="http://schemas.microsoft.com/office/drawing/2014/main" id="{F727427D-5C5F-4F5C-083A-3EFBC05D1155}"/>
-              </a:ext>
-            </a:extLst>
-          </p:cNvPr>
+            <a:endParaRPr lang="en-US" dirty="0"/>
+          </a:p>
+        </p:txBody>
+      </p:sp>
+      <p:sp>
+        <p:nvSpPr>
+          <p:cNvPr id="3" name="Content Placeholder 2"/>
           <p:cNvSpPr>
             <a:spLocks noGrp="1"/>
           </p:cNvSpPr>
@@ -1284,8 +1120,8 @@
         </p:nvSpPr>
         <p:spPr>
           <a:xfrm>
-            <a:off x="838200" y="1825625"/>
-            <a:ext cx="5181600" cy="4351338"/>
+            <a:off x="251460" y="730250"/>
+            <a:ext cx="1554480" cy="1740535"/>
           </a:xfrm>
         </p:spPr>
         <p:txBody>
@@ -1325,19 +1161,13 @@
               <a:rPr lang="en-US"/>
               <a:t>Fifth level</a:t>
             </a:r>
-            <a:endParaRPr lang="en-PH"/>
-          </a:p>
-        </p:txBody>
-      </p:sp>
-      <p:sp>
-        <p:nvSpPr>
-          <p:cNvPr id="4" name="Content Placeholder 3">
-            <a:extLst>
-              <a:ext uri="{FF2B5EF4-FFF2-40B4-BE49-F238E27FC236}">
-                <a16:creationId xmlns:a16="http://schemas.microsoft.com/office/drawing/2014/main" id="{4D0BBE46-7D0D-8638-658F-86DC93688E18}"/>
-              </a:ext>
-            </a:extLst>
-          </p:cNvPr>
+            <a:endParaRPr lang="en-US" dirty="0"/>
+          </a:p>
+        </p:txBody>
+      </p:sp>
+      <p:sp>
+        <p:nvSpPr>
+          <p:cNvPr id="4" name="Content Placeholder 3"/>
           <p:cNvSpPr>
             <a:spLocks noGrp="1"/>
           </p:cNvSpPr>
@@ -1347,8 +1177,8 @@
         </p:nvSpPr>
         <p:spPr>
           <a:xfrm>
-            <a:off x="6172200" y="1825625"/>
-            <a:ext cx="5181600" cy="4351338"/>
+            <a:off x="1851660" y="730250"/>
+            <a:ext cx="1554480" cy="1740535"/>
           </a:xfrm>
         </p:spPr>
         <p:txBody>
@@ -1388,19 +1218,13 @@
               <a:rPr lang="en-US"/>
               <a:t>Fifth level</a:t>
             </a:r>
-            <a:endParaRPr lang="en-PH"/>
-          </a:p>
-        </p:txBody>
-      </p:sp>
-      <p:sp>
-        <p:nvSpPr>
-          <p:cNvPr id="5" name="Date Placeholder 4">
-            <a:extLst>
-              <a:ext uri="{FF2B5EF4-FFF2-40B4-BE49-F238E27FC236}">
-                <a16:creationId xmlns:a16="http://schemas.microsoft.com/office/drawing/2014/main" id="{1180174E-6293-4A07-6B65-EA1DE729F3A8}"/>
-              </a:ext>
-            </a:extLst>
-          </p:cNvPr>
+            <a:endParaRPr lang="en-US" dirty="0"/>
+          </a:p>
+        </p:txBody>
+      </p:sp>
+      <p:sp>
+        <p:nvSpPr>
+          <p:cNvPr id="5" name="Date Placeholder 4"/>
           <p:cNvSpPr>
             <a:spLocks noGrp="1"/>
           </p:cNvSpPr>
@@ -1415,7 +1239,7 @@
           <a:p>
             <a:fld id="{9ED73991-8D78-4469-86AD-BD5EC685D672}" type="datetimeFigureOut">
               <a:rPr lang="en-PH" smtClean="0"/>
-              <a:t>08/01/2024</a:t>
+              <a:t>09/01/2024</a:t>
             </a:fld>
             <a:endParaRPr lang="en-PH"/>
           </a:p>
@@ -1423,13 +1247,7 @@
       </p:sp>
       <p:sp>
         <p:nvSpPr>
-          <p:cNvPr id="6" name="Footer Placeholder 5">
-            <a:extLst>
-              <a:ext uri="{FF2B5EF4-FFF2-40B4-BE49-F238E27FC236}">
-                <a16:creationId xmlns:a16="http://schemas.microsoft.com/office/drawing/2014/main" id="{5CD88D0F-7CF7-323C-AA88-F8083E3FBAB8}"/>
-              </a:ext>
-            </a:extLst>
-          </p:cNvPr>
+          <p:cNvPr id="6" name="Footer Placeholder 5"/>
           <p:cNvSpPr>
             <a:spLocks noGrp="1"/>
           </p:cNvSpPr>
@@ -1448,13 +1266,7 @@
       </p:sp>
       <p:sp>
         <p:nvSpPr>
-          <p:cNvPr id="7" name="Slide Number Placeholder 6">
-            <a:extLst>
-              <a:ext uri="{FF2B5EF4-FFF2-40B4-BE49-F238E27FC236}">
-                <a16:creationId xmlns:a16="http://schemas.microsoft.com/office/drawing/2014/main" id="{2299CDF8-D260-7747-2C0B-530B653F47C7}"/>
-              </a:ext>
-            </a:extLst>
-          </p:cNvPr>
+          <p:cNvPr id="7" name="Slide Number Placeholder 6"/>
           <p:cNvSpPr>
             <a:spLocks noGrp="1"/>
           </p:cNvSpPr>
@@ -1478,7 +1290,7 @@
     </p:spTree>
     <p:extLst>
       <p:ext uri="{BB962C8B-B14F-4D97-AF65-F5344CB8AC3E}">
-        <p14:creationId xmlns:p14="http://schemas.microsoft.com/office/powerpoint/2010/main" val="3685789025"/>
+        <p14:creationId xmlns:p14="http://schemas.microsoft.com/office/powerpoint/2010/main" val="4082184879"/>
       </p:ext>
     </p:extLst>
   </p:cSld>
@@ -1507,13 +1319,7 @@
       </p:grpSpPr>
       <p:sp>
         <p:nvSpPr>
-          <p:cNvPr id="2" name="Title 1">
-            <a:extLst>
-              <a:ext uri="{FF2B5EF4-FFF2-40B4-BE49-F238E27FC236}">
-                <a16:creationId xmlns:a16="http://schemas.microsoft.com/office/drawing/2014/main" id="{EE15D037-DD76-FED8-E460-C2985EABFA37}"/>
-              </a:ext>
-            </a:extLst>
-          </p:cNvPr>
+          <p:cNvPr id="2" name="Title 1"/>
           <p:cNvSpPr>
             <a:spLocks noGrp="1"/>
           </p:cNvSpPr>
@@ -1523,8 +1329,8 @@
         </p:nvSpPr>
         <p:spPr>
           <a:xfrm>
-            <a:off x="839788" y="365125"/>
-            <a:ext cx="10515600" cy="1325563"/>
+            <a:off x="251936" y="146051"/>
+            <a:ext cx="3154680" cy="530225"/>
           </a:xfrm>
         </p:spPr>
         <p:txBody>
@@ -1535,19 +1341,13 @@
               <a:rPr lang="en-US"/>
               <a:t>Click to edit Master title style</a:t>
             </a:r>
-            <a:endParaRPr lang="en-PH"/>
-          </a:p>
-        </p:txBody>
-      </p:sp>
-      <p:sp>
-        <p:nvSpPr>
-          <p:cNvPr id="3" name="Text Placeholder 2">
-            <a:extLst>
-              <a:ext uri="{FF2B5EF4-FFF2-40B4-BE49-F238E27FC236}">
-                <a16:creationId xmlns:a16="http://schemas.microsoft.com/office/drawing/2014/main" id="{8A873B93-1D4F-878D-09AC-351B56CC727D}"/>
-              </a:ext>
-            </a:extLst>
-          </p:cNvPr>
+            <a:endParaRPr lang="en-US" dirty="0"/>
+          </a:p>
+        </p:txBody>
+      </p:sp>
+      <p:sp>
+        <p:nvSpPr>
+          <p:cNvPr id="3" name="Text Placeholder 2"/>
           <p:cNvSpPr>
             <a:spLocks noGrp="1"/>
           </p:cNvSpPr>
@@ -1557,8 +1357,8 @@
         </p:nvSpPr>
         <p:spPr>
           <a:xfrm>
-            <a:off x="839788" y="1681163"/>
-            <a:ext cx="5157787" cy="823912"/>
+            <a:off x="251937" y="672465"/>
+            <a:ext cx="1547336" cy="329565"/>
           </a:xfrm>
         </p:spPr>
         <p:txBody>
@@ -1566,39 +1366,39 @@
           <a:lstStyle>
             <a:lvl1pPr marL="0" indent="0">
               <a:buNone/>
-              <a:defRPr sz="2400" b="1"/>
+              <a:defRPr sz="960" b="1"/>
             </a:lvl1pPr>
-            <a:lvl2pPr marL="457200" indent="0">
-              <a:buNone/>
-              <a:defRPr sz="2000" b="1"/>
+            <a:lvl2pPr marL="182880" indent="0">
+              <a:buNone/>
+              <a:defRPr sz="800" b="1"/>
             </a:lvl2pPr>
-            <a:lvl3pPr marL="914400" indent="0">
-              <a:buNone/>
-              <a:defRPr sz="1800" b="1"/>
+            <a:lvl3pPr marL="365760" indent="0">
+              <a:buNone/>
+              <a:defRPr sz="720" b="1"/>
             </a:lvl3pPr>
-            <a:lvl4pPr marL="1371600" indent="0">
-              <a:buNone/>
-              <a:defRPr sz="1600" b="1"/>
+            <a:lvl4pPr marL="548640" indent="0">
+              <a:buNone/>
+              <a:defRPr sz="640" b="1"/>
             </a:lvl4pPr>
-            <a:lvl5pPr marL="1828800" indent="0">
-              <a:buNone/>
-              <a:defRPr sz="1600" b="1"/>
+            <a:lvl5pPr marL="731520" indent="0">
+              <a:buNone/>
+              <a:defRPr sz="640" b="1"/>
             </a:lvl5pPr>
-            <a:lvl6pPr marL="2286000" indent="0">
-              <a:buNone/>
-              <a:defRPr sz="1600" b="1"/>
+            <a:lvl6pPr marL="914400" indent="0">
+              <a:buNone/>
+              <a:defRPr sz="640" b="1"/>
             </a:lvl6pPr>
-            <a:lvl7pPr marL="2743200" indent="0">
-              <a:buNone/>
-              <a:defRPr sz="1600" b="1"/>
+            <a:lvl7pPr marL="1097280" indent="0">
+              <a:buNone/>
+              <a:defRPr sz="640" b="1"/>
             </a:lvl7pPr>
-            <a:lvl8pPr marL="3200400" indent="0">
-              <a:buNone/>
-              <a:defRPr sz="1600" b="1"/>
+            <a:lvl8pPr marL="1280160" indent="0">
+              <a:buNone/>
+              <a:defRPr sz="640" b="1"/>
             </a:lvl8pPr>
-            <a:lvl9pPr marL="3657600" indent="0">
-              <a:buNone/>
-              <a:defRPr sz="1600" b="1"/>
+            <a:lvl9pPr marL="1463040" indent="0">
+              <a:buNone/>
+              <a:defRPr sz="640" b="1"/>
             </a:lvl9pPr>
           </a:lstStyle>
           <a:p>
@@ -1612,13 +1412,7 @@
       </p:sp>
       <p:sp>
         <p:nvSpPr>
-          <p:cNvPr id="4" name="Content Placeholder 3">
-            <a:extLst>
-              <a:ext uri="{FF2B5EF4-FFF2-40B4-BE49-F238E27FC236}">
-                <a16:creationId xmlns:a16="http://schemas.microsoft.com/office/drawing/2014/main" id="{B905315B-95FA-4961-811D-0D4633130D31}"/>
-              </a:ext>
-            </a:extLst>
-          </p:cNvPr>
+          <p:cNvPr id="4" name="Content Placeholder 3"/>
           <p:cNvSpPr>
             <a:spLocks noGrp="1"/>
           </p:cNvSpPr>
@@ -1628,8 +1422,8 @@
         </p:nvSpPr>
         <p:spPr>
           <a:xfrm>
-            <a:off x="839788" y="2505075"/>
-            <a:ext cx="5157787" cy="3684588"/>
+            <a:off x="251937" y="1002030"/>
+            <a:ext cx="1547336" cy="1473835"/>
           </a:xfrm>
         </p:spPr>
         <p:txBody>
@@ -1669,19 +1463,13 @@
               <a:rPr lang="en-US"/>
               <a:t>Fifth level</a:t>
             </a:r>
-            <a:endParaRPr lang="en-PH"/>
-          </a:p>
-        </p:txBody>
-      </p:sp>
-      <p:sp>
-        <p:nvSpPr>
-          <p:cNvPr id="5" name="Text Placeholder 4">
-            <a:extLst>
-              <a:ext uri="{FF2B5EF4-FFF2-40B4-BE49-F238E27FC236}">
-                <a16:creationId xmlns:a16="http://schemas.microsoft.com/office/drawing/2014/main" id="{FC25B885-2CD2-A116-AA9C-B2CAE6444783}"/>
-              </a:ext>
-            </a:extLst>
-          </p:cNvPr>
+            <a:endParaRPr lang="en-US" dirty="0"/>
+          </a:p>
+        </p:txBody>
+      </p:sp>
+      <p:sp>
+        <p:nvSpPr>
+          <p:cNvPr id="5" name="Text Placeholder 4"/>
           <p:cNvSpPr>
             <a:spLocks noGrp="1"/>
           </p:cNvSpPr>
@@ -1691,8 +1479,8 @@
         </p:nvSpPr>
         <p:spPr>
           <a:xfrm>
-            <a:off x="6172200" y="1681163"/>
-            <a:ext cx="5183188" cy="823912"/>
+            <a:off x="1851660" y="672465"/>
+            <a:ext cx="1554956" cy="329565"/>
           </a:xfrm>
         </p:spPr>
         <p:txBody>
@@ -1700,39 +1488,39 @@
           <a:lstStyle>
             <a:lvl1pPr marL="0" indent="0">
               <a:buNone/>
-              <a:defRPr sz="2400" b="1"/>
+              <a:defRPr sz="960" b="1"/>
             </a:lvl1pPr>
-            <a:lvl2pPr marL="457200" indent="0">
-              <a:buNone/>
-              <a:defRPr sz="2000" b="1"/>
+            <a:lvl2pPr marL="182880" indent="0">
+              <a:buNone/>
+              <a:defRPr sz="800" b="1"/>
             </a:lvl2pPr>
-            <a:lvl3pPr marL="914400" indent="0">
-              <a:buNone/>
-              <a:defRPr sz="1800" b="1"/>
+            <a:lvl3pPr marL="365760" indent="0">
+              <a:buNone/>
+              <a:defRPr sz="720" b="1"/>
             </a:lvl3pPr>
-            <a:lvl4pPr marL="1371600" indent="0">
-              <a:buNone/>
-              <a:defRPr sz="1600" b="1"/>
+            <a:lvl4pPr marL="548640" indent="0">
+              <a:buNone/>
+              <a:defRPr sz="640" b="1"/>
             </a:lvl4pPr>
-            <a:lvl5pPr marL="1828800" indent="0">
-              <a:buNone/>
-              <a:defRPr sz="1600" b="1"/>
+            <a:lvl5pPr marL="731520" indent="0">
+              <a:buNone/>
+              <a:defRPr sz="640" b="1"/>
             </a:lvl5pPr>
-            <a:lvl6pPr marL="2286000" indent="0">
-              <a:buNone/>
-              <a:defRPr sz="1600" b="1"/>
+            <a:lvl6pPr marL="914400" indent="0">
+              <a:buNone/>
+              <a:defRPr sz="640" b="1"/>
             </a:lvl6pPr>
-            <a:lvl7pPr marL="2743200" indent="0">
-              <a:buNone/>
-              <a:defRPr sz="1600" b="1"/>
+            <a:lvl7pPr marL="1097280" indent="0">
+              <a:buNone/>
+              <a:defRPr sz="640" b="1"/>
             </a:lvl7pPr>
-            <a:lvl8pPr marL="3200400" indent="0">
-              <a:buNone/>
-              <a:defRPr sz="1600" b="1"/>
+            <a:lvl8pPr marL="1280160" indent="0">
+              <a:buNone/>
+              <a:defRPr sz="640" b="1"/>
             </a:lvl8pPr>
-            <a:lvl9pPr marL="3657600" indent="0">
-              <a:buNone/>
-              <a:defRPr sz="1600" b="1"/>
+            <a:lvl9pPr marL="1463040" indent="0">
+              <a:buNone/>
+              <a:defRPr sz="640" b="1"/>
             </a:lvl9pPr>
           </a:lstStyle>
           <a:p>
@@ -1746,13 +1534,7 @@
       </p:sp>
       <p:sp>
         <p:nvSpPr>
-          <p:cNvPr id="6" name="Content Placeholder 5">
-            <a:extLst>
-              <a:ext uri="{FF2B5EF4-FFF2-40B4-BE49-F238E27FC236}">
-                <a16:creationId xmlns:a16="http://schemas.microsoft.com/office/drawing/2014/main" id="{F4E0F849-E91B-F275-22C8-402C21122237}"/>
-              </a:ext>
-            </a:extLst>
-          </p:cNvPr>
+          <p:cNvPr id="6" name="Content Placeholder 5"/>
           <p:cNvSpPr>
             <a:spLocks noGrp="1"/>
           </p:cNvSpPr>
@@ -1762,8 +1544,8 @@
         </p:nvSpPr>
         <p:spPr>
           <a:xfrm>
-            <a:off x="6172200" y="2505075"/>
-            <a:ext cx="5183188" cy="3684588"/>
+            <a:off x="1851660" y="1002030"/>
+            <a:ext cx="1554956" cy="1473835"/>
           </a:xfrm>
         </p:spPr>
         <p:txBody>
@@ -1803,19 +1585,13 @@
               <a:rPr lang="en-US"/>
               <a:t>Fifth level</a:t>
             </a:r>
-            <a:endParaRPr lang="en-PH"/>
-          </a:p>
-        </p:txBody>
-      </p:sp>
-      <p:sp>
-        <p:nvSpPr>
-          <p:cNvPr id="7" name="Date Placeholder 6">
-            <a:extLst>
-              <a:ext uri="{FF2B5EF4-FFF2-40B4-BE49-F238E27FC236}">
-                <a16:creationId xmlns:a16="http://schemas.microsoft.com/office/drawing/2014/main" id="{237DACAB-6BCE-1B7A-468E-E4A67FCA7E6E}"/>
-              </a:ext>
-            </a:extLst>
-          </p:cNvPr>
+            <a:endParaRPr lang="en-US" dirty="0"/>
+          </a:p>
+        </p:txBody>
+      </p:sp>
+      <p:sp>
+        <p:nvSpPr>
+          <p:cNvPr id="7" name="Date Placeholder 6"/>
           <p:cNvSpPr>
             <a:spLocks noGrp="1"/>
           </p:cNvSpPr>
@@ -1830,7 +1606,7 @@
           <a:p>
             <a:fld id="{9ED73991-8D78-4469-86AD-BD5EC685D672}" type="datetimeFigureOut">
               <a:rPr lang="en-PH" smtClean="0"/>
-              <a:t>08/01/2024</a:t>
+              <a:t>09/01/2024</a:t>
             </a:fld>
             <a:endParaRPr lang="en-PH"/>
           </a:p>
@@ -1838,13 +1614,7 @@
       </p:sp>
       <p:sp>
         <p:nvSpPr>
-          <p:cNvPr id="8" name="Footer Placeholder 7">
-            <a:extLst>
-              <a:ext uri="{FF2B5EF4-FFF2-40B4-BE49-F238E27FC236}">
-                <a16:creationId xmlns:a16="http://schemas.microsoft.com/office/drawing/2014/main" id="{44770E7B-7FBB-9FDF-3116-7902969F7DA7}"/>
-              </a:ext>
-            </a:extLst>
-          </p:cNvPr>
+          <p:cNvPr id="8" name="Footer Placeholder 7"/>
           <p:cNvSpPr>
             <a:spLocks noGrp="1"/>
           </p:cNvSpPr>
@@ -1863,13 +1633,7 @@
       </p:sp>
       <p:sp>
         <p:nvSpPr>
-          <p:cNvPr id="9" name="Slide Number Placeholder 8">
-            <a:extLst>
-              <a:ext uri="{FF2B5EF4-FFF2-40B4-BE49-F238E27FC236}">
-                <a16:creationId xmlns:a16="http://schemas.microsoft.com/office/drawing/2014/main" id="{35942906-9DAB-940C-86AF-157734559B55}"/>
-              </a:ext>
-            </a:extLst>
-          </p:cNvPr>
+          <p:cNvPr id="9" name="Slide Number Placeholder 8"/>
           <p:cNvSpPr>
             <a:spLocks noGrp="1"/>
           </p:cNvSpPr>
@@ -1893,7 +1657,7 @@
     </p:spTree>
     <p:extLst>
       <p:ext uri="{BB962C8B-B14F-4D97-AF65-F5344CB8AC3E}">
-        <p14:creationId xmlns:p14="http://schemas.microsoft.com/office/powerpoint/2010/main" val="1082152642"/>
+        <p14:creationId xmlns:p14="http://schemas.microsoft.com/office/powerpoint/2010/main" val="1469939929"/>
       </p:ext>
     </p:extLst>
   </p:cSld>
@@ -1922,13 +1686,7 @@
       </p:grpSpPr>
       <p:sp>
         <p:nvSpPr>
-          <p:cNvPr id="2" name="Title 1">
-            <a:extLst>
-              <a:ext uri="{FF2B5EF4-FFF2-40B4-BE49-F238E27FC236}">
-                <a16:creationId xmlns:a16="http://schemas.microsoft.com/office/drawing/2014/main" id="{05F45F58-3D83-FEF0-3FE1-33B6DEBC32D7}"/>
-              </a:ext>
-            </a:extLst>
-          </p:cNvPr>
+          <p:cNvPr id="2" name="Title 1"/>
           <p:cNvSpPr>
             <a:spLocks noGrp="1"/>
           </p:cNvSpPr>
@@ -1945,19 +1703,13 @@
               <a:rPr lang="en-US"/>
               <a:t>Click to edit Master title style</a:t>
             </a:r>
-            <a:endParaRPr lang="en-PH"/>
-          </a:p>
-        </p:txBody>
-      </p:sp>
-      <p:sp>
-        <p:nvSpPr>
-          <p:cNvPr id="3" name="Date Placeholder 2">
-            <a:extLst>
-              <a:ext uri="{FF2B5EF4-FFF2-40B4-BE49-F238E27FC236}">
-                <a16:creationId xmlns:a16="http://schemas.microsoft.com/office/drawing/2014/main" id="{FC0E9706-F729-CDB1-5F1C-9DD22B84FC80}"/>
-              </a:ext>
-            </a:extLst>
-          </p:cNvPr>
+            <a:endParaRPr lang="en-US" dirty="0"/>
+          </a:p>
+        </p:txBody>
+      </p:sp>
+      <p:sp>
+        <p:nvSpPr>
+          <p:cNvPr id="3" name="Date Placeholder 2"/>
           <p:cNvSpPr>
             <a:spLocks noGrp="1"/>
           </p:cNvSpPr>
@@ -1972,7 +1724,7 @@
           <a:p>
             <a:fld id="{9ED73991-8D78-4469-86AD-BD5EC685D672}" type="datetimeFigureOut">
               <a:rPr lang="en-PH" smtClean="0"/>
-              <a:t>08/01/2024</a:t>
+              <a:t>09/01/2024</a:t>
             </a:fld>
             <a:endParaRPr lang="en-PH"/>
           </a:p>
@@ -1980,13 +1732,7 @@
       </p:sp>
       <p:sp>
         <p:nvSpPr>
-          <p:cNvPr id="4" name="Footer Placeholder 3">
-            <a:extLst>
-              <a:ext uri="{FF2B5EF4-FFF2-40B4-BE49-F238E27FC236}">
-                <a16:creationId xmlns:a16="http://schemas.microsoft.com/office/drawing/2014/main" id="{975ADDC0-1F97-9EC8-8E68-1E01D0A5A0B6}"/>
-              </a:ext>
-            </a:extLst>
-          </p:cNvPr>
+          <p:cNvPr id="4" name="Footer Placeholder 3"/>
           <p:cNvSpPr>
             <a:spLocks noGrp="1"/>
           </p:cNvSpPr>
@@ -2005,13 +1751,7 @@
       </p:sp>
       <p:sp>
         <p:nvSpPr>
-          <p:cNvPr id="5" name="Slide Number Placeholder 4">
-            <a:extLst>
-              <a:ext uri="{FF2B5EF4-FFF2-40B4-BE49-F238E27FC236}">
-                <a16:creationId xmlns:a16="http://schemas.microsoft.com/office/drawing/2014/main" id="{D4CB7710-53CB-F2AC-531E-E5B6DBE8169B}"/>
-              </a:ext>
-            </a:extLst>
-          </p:cNvPr>
+          <p:cNvPr id="5" name="Slide Number Placeholder 4"/>
           <p:cNvSpPr>
             <a:spLocks noGrp="1"/>
           </p:cNvSpPr>
@@ -2035,7 +1775,7 @@
     </p:spTree>
     <p:extLst>
       <p:ext uri="{BB962C8B-B14F-4D97-AF65-F5344CB8AC3E}">
-        <p14:creationId xmlns:p14="http://schemas.microsoft.com/office/powerpoint/2010/main" val="1287339453"/>
+        <p14:creationId xmlns:p14="http://schemas.microsoft.com/office/powerpoint/2010/main" val="3520952071"/>
       </p:ext>
     </p:extLst>
   </p:cSld>
@@ -2064,13 +1804,7 @@
       </p:grpSpPr>
       <p:sp>
         <p:nvSpPr>
-          <p:cNvPr id="2" name="Date Placeholder 1">
-            <a:extLst>
-              <a:ext uri="{FF2B5EF4-FFF2-40B4-BE49-F238E27FC236}">
-                <a16:creationId xmlns:a16="http://schemas.microsoft.com/office/drawing/2014/main" id="{CB717C2E-63F3-6547-DD15-74288B2F8DDB}"/>
-              </a:ext>
-            </a:extLst>
-          </p:cNvPr>
+          <p:cNvPr id="2" name="Date Placeholder 1"/>
           <p:cNvSpPr>
             <a:spLocks noGrp="1"/>
           </p:cNvSpPr>
@@ -2085,7 +1819,7 @@
           <a:p>
             <a:fld id="{9ED73991-8D78-4469-86AD-BD5EC685D672}" type="datetimeFigureOut">
               <a:rPr lang="en-PH" smtClean="0"/>
-              <a:t>08/01/2024</a:t>
+              <a:t>09/01/2024</a:t>
             </a:fld>
             <a:endParaRPr lang="en-PH"/>
           </a:p>
@@ -2093,13 +1827,7 @@
       </p:sp>
       <p:sp>
         <p:nvSpPr>
-          <p:cNvPr id="3" name="Footer Placeholder 2">
-            <a:extLst>
-              <a:ext uri="{FF2B5EF4-FFF2-40B4-BE49-F238E27FC236}">
-                <a16:creationId xmlns:a16="http://schemas.microsoft.com/office/drawing/2014/main" id="{FF0EC6A3-F83B-5F4B-40D9-41093300EBC0}"/>
-              </a:ext>
-            </a:extLst>
-          </p:cNvPr>
+          <p:cNvPr id="3" name="Footer Placeholder 2"/>
           <p:cNvSpPr>
             <a:spLocks noGrp="1"/>
           </p:cNvSpPr>
@@ -2118,13 +1846,7 @@
       </p:sp>
       <p:sp>
         <p:nvSpPr>
-          <p:cNvPr id="4" name="Slide Number Placeholder 3">
-            <a:extLst>
-              <a:ext uri="{FF2B5EF4-FFF2-40B4-BE49-F238E27FC236}">
-                <a16:creationId xmlns:a16="http://schemas.microsoft.com/office/drawing/2014/main" id="{F4F05109-37B7-A238-73EC-FF47869DFE34}"/>
-              </a:ext>
-            </a:extLst>
-          </p:cNvPr>
+          <p:cNvPr id="4" name="Slide Number Placeholder 3"/>
           <p:cNvSpPr>
             <a:spLocks noGrp="1"/>
           </p:cNvSpPr>
@@ -2148,7 +1870,7 @@
     </p:spTree>
     <p:extLst>
       <p:ext uri="{BB962C8B-B14F-4D97-AF65-F5344CB8AC3E}">
-        <p14:creationId xmlns:p14="http://schemas.microsoft.com/office/powerpoint/2010/main" val="872329752"/>
+        <p14:creationId xmlns:p14="http://schemas.microsoft.com/office/powerpoint/2010/main" val="4257041878"/>
       </p:ext>
     </p:extLst>
   </p:cSld>
@@ -2177,13 +1899,7 @@
       </p:grpSpPr>
       <p:sp>
         <p:nvSpPr>
-          <p:cNvPr id="2" name="Title 1">
-            <a:extLst>
-              <a:ext uri="{FF2B5EF4-FFF2-40B4-BE49-F238E27FC236}">
-                <a16:creationId xmlns:a16="http://schemas.microsoft.com/office/drawing/2014/main" id="{9EC48D61-82E2-9533-9243-39FD1D22B52C}"/>
-              </a:ext>
-            </a:extLst>
-          </p:cNvPr>
+          <p:cNvPr id="2" name="Title 1"/>
           <p:cNvSpPr>
             <a:spLocks noGrp="1"/>
           </p:cNvSpPr>
@@ -2193,15 +1909,15 @@
         </p:nvSpPr>
         <p:spPr>
           <a:xfrm>
-            <a:off x="839788" y="457200"/>
-            <a:ext cx="3932237" cy="1600200"/>
+            <a:off x="251937" y="182880"/>
+            <a:ext cx="1179671" cy="640080"/>
           </a:xfrm>
         </p:spPr>
         <p:txBody>
           <a:bodyPr anchor="b"/>
           <a:lstStyle>
             <a:lvl1pPr>
-              <a:defRPr sz="3200"/>
+              <a:defRPr sz="1280"/>
             </a:lvl1pPr>
           </a:lstStyle>
           <a:p>
@@ -2209,19 +1925,13 @@
               <a:rPr lang="en-US"/>
               <a:t>Click to edit Master title style</a:t>
             </a:r>
-            <a:endParaRPr lang="en-PH"/>
-          </a:p>
-        </p:txBody>
-      </p:sp>
-      <p:sp>
-        <p:nvSpPr>
-          <p:cNvPr id="3" name="Content Placeholder 2">
-            <a:extLst>
-              <a:ext uri="{FF2B5EF4-FFF2-40B4-BE49-F238E27FC236}">
-                <a16:creationId xmlns:a16="http://schemas.microsoft.com/office/drawing/2014/main" id="{3A2EB1BE-5437-CF3E-16DE-20A190E12A02}"/>
-              </a:ext>
-            </a:extLst>
-          </p:cNvPr>
+            <a:endParaRPr lang="en-US" dirty="0"/>
+          </a:p>
+        </p:txBody>
+      </p:sp>
+      <p:sp>
+        <p:nvSpPr>
+          <p:cNvPr id="3" name="Content Placeholder 2"/>
           <p:cNvSpPr>
             <a:spLocks noGrp="1"/>
           </p:cNvSpPr>
@@ -2231,39 +1941,39 @@
         </p:nvSpPr>
         <p:spPr>
           <a:xfrm>
-            <a:off x="5183188" y="987425"/>
-            <a:ext cx="6172200" cy="4873625"/>
+            <a:off x="1554956" y="394971"/>
+            <a:ext cx="1851660" cy="1949450"/>
           </a:xfrm>
         </p:spPr>
         <p:txBody>
           <a:bodyPr/>
           <a:lstStyle>
             <a:lvl1pPr>
-              <a:defRPr sz="3200"/>
+              <a:defRPr sz="1280"/>
             </a:lvl1pPr>
             <a:lvl2pPr>
-              <a:defRPr sz="2800"/>
+              <a:defRPr sz="1120"/>
             </a:lvl2pPr>
             <a:lvl3pPr>
-              <a:defRPr sz="2400"/>
+              <a:defRPr sz="960"/>
             </a:lvl3pPr>
             <a:lvl4pPr>
-              <a:defRPr sz="2000"/>
+              <a:defRPr sz="800"/>
             </a:lvl4pPr>
             <a:lvl5pPr>
-              <a:defRPr sz="2000"/>
+              <a:defRPr sz="800"/>
             </a:lvl5pPr>
             <a:lvl6pPr>
-              <a:defRPr sz="2000"/>
+              <a:defRPr sz="800"/>
             </a:lvl6pPr>
             <a:lvl7pPr>
-              <a:defRPr sz="2000"/>
+              <a:defRPr sz="800"/>
             </a:lvl7pPr>
             <a:lvl8pPr>
-              <a:defRPr sz="2000"/>
+              <a:defRPr sz="800"/>
             </a:lvl8pPr>
             <a:lvl9pPr>
-              <a:defRPr sz="2000"/>
+              <a:defRPr sz="800"/>
             </a:lvl9pPr>
           </a:lstStyle>
           <a:p>
@@ -2300,19 +2010,13 @@
               <a:rPr lang="en-US"/>
               <a:t>Fifth level</a:t>
             </a:r>
-            <a:endParaRPr lang="en-PH"/>
-          </a:p>
-        </p:txBody>
-      </p:sp>
-      <p:sp>
-        <p:nvSpPr>
-          <p:cNvPr id="4" name="Text Placeholder 3">
-            <a:extLst>
-              <a:ext uri="{FF2B5EF4-FFF2-40B4-BE49-F238E27FC236}">
-                <a16:creationId xmlns:a16="http://schemas.microsoft.com/office/drawing/2014/main" id="{AE085811-0044-EB3B-65AE-3CAF8379B5E3}"/>
-              </a:ext>
-            </a:extLst>
-          </p:cNvPr>
+            <a:endParaRPr lang="en-US" dirty="0"/>
+          </a:p>
+        </p:txBody>
+      </p:sp>
+      <p:sp>
+        <p:nvSpPr>
+          <p:cNvPr id="4" name="Text Placeholder 3"/>
           <p:cNvSpPr>
             <a:spLocks noGrp="1"/>
           </p:cNvSpPr>
@@ -2322,8 +2026,8 @@
         </p:nvSpPr>
         <p:spPr>
           <a:xfrm>
-            <a:off x="839788" y="2057400"/>
-            <a:ext cx="3932237" cy="3811588"/>
+            <a:off x="251937" y="822960"/>
+            <a:ext cx="1179671" cy="1524635"/>
           </a:xfrm>
         </p:spPr>
         <p:txBody>
@@ -2331,39 +2035,39 @@
           <a:lstStyle>
             <a:lvl1pPr marL="0" indent="0">
               <a:buNone/>
-              <a:defRPr sz="1600"/>
+              <a:defRPr sz="640"/>
             </a:lvl1pPr>
-            <a:lvl2pPr marL="457200" indent="0">
-              <a:buNone/>
-              <a:defRPr sz="1400"/>
+            <a:lvl2pPr marL="182880" indent="0">
+              <a:buNone/>
+              <a:defRPr sz="560"/>
             </a:lvl2pPr>
-            <a:lvl3pPr marL="914400" indent="0">
-              <a:buNone/>
-              <a:defRPr sz="1200"/>
+            <a:lvl3pPr marL="365760" indent="0">
+              <a:buNone/>
+              <a:defRPr sz="480"/>
             </a:lvl3pPr>
-            <a:lvl4pPr marL="1371600" indent="0">
-              <a:buNone/>
-              <a:defRPr sz="1000"/>
+            <a:lvl4pPr marL="548640" indent="0">
+              <a:buNone/>
+              <a:defRPr sz="400"/>
             </a:lvl4pPr>
-            <a:lvl5pPr marL="1828800" indent="0">
-              <a:buNone/>
-              <a:defRPr sz="1000"/>
+            <a:lvl5pPr marL="731520" indent="0">
+              <a:buNone/>
+              <a:defRPr sz="400"/>
             </a:lvl5pPr>
-            <a:lvl6pPr marL="2286000" indent="0">
-              <a:buNone/>
-              <a:defRPr sz="1000"/>
+            <a:lvl6pPr marL="914400" indent="0">
+              <a:buNone/>
+              <a:defRPr sz="400"/>
             </a:lvl6pPr>
-            <a:lvl7pPr marL="2743200" indent="0">
-              <a:buNone/>
-              <a:defRPr sz="1000"/>
+            <a:lvl7pPr marL="1097280" indent="0">
+              <a:buNone/>
+              <a:defRPr sz="400"/>
             </a:lvl7pPr>
-            <a:lvl8pPr marL="3200400" indent="0">
-              <a:buNone/>
-              <a:defRPr sz="1000"/>
+            <a:lvl8pPr marL="1280160" indent="0">
+              <a:buNone/>
+              <a:defRPr sz="400"/>
             </a:lvl8pPr>
-            <a:lvl9pPr marL="3657600" indent="0">
-              <a:buNone/>
-              <a:defRPr sz="1000"/>
+            <a:lvl9pPr marL="1463040" indent="0">
+              <a:buNone/>
+              <a:defRPr sz="400"/>
             </a:lvl9pPr>
           </a:lstStyle>
           <a:p>
@@ -2377,13 +2081,7 @@
       </p:sp>
       <p:sp>
         <p:nvSpPr>
-          <p:cNvPr id="5" name="Date Placeholder 4">
-            <a:extLst>
-              <a:ext uri="{FF2B5EF4-FFF2-40B4-BE49-F238E27FC236}">
-                <a16:creationId xmlns:a16="http://schemas.microsoft.com/office/drawing/2014/main" id="{7C25D677-BA5A-CCD8-3AEC-29A4E57D33B0}"/>
-              </a:ext>
-            </a:extLst>
-          </p:cNvPr>
+          <p:cNvPr id="5" name="Date Placeholder 4"/>
           <p:cNvSpPr>
             <a:spLocks noGrp="1"/>
           </p:cNvSpPr>
@@ -2398,7 +2096,7 @@
           <a:p>
             <a:fld id="{9ED73991-8D78-4469-86AD-BD5EC685D672}" type="datetimeFigureOut">
               <a:rPr lang="en-PH" smtClean="0"/>
-              <a:t>08/01/2024</a:t>
+              <a:t>09/01/2024</a:t>
             </a:fld>
             <a:endParaRPr lang="en-PH"/>
           </a:p>
@@ -2406,13 +2104,7 @@
       </p:sp>
       <p:sp>
         <p:nvSpPr>
-          <p:cNvPr id="6" name="Footer Placeholder 5">
-            <a:extLst>
-              <a:ext uri="{FF2B5EF4-FFF2-40B4-BE49-F238E27FC236}">
-                <a16:creationId xmlns:a16="http://schemas.microsoft.com/office/drawing/2014/main" id="{BE817DE9-BDB9-EEA8-1938-432B40612955}"/>
-              </a:ext>
-            </a:extLst>
-          </p:cNvPr>
+          <p:cNvPr id="6" name="Footer Placeholder 5"/>
           <p:cNvSpPr>
             <a:spLocks noGrp="1"/>
           </p:cNvSpPr>
@@ -2431,13 +2123,7 @@
       </p:sp>
       <p:sp>
         <p:nvSpPr>
-          <p:cNvPr id="7" name="Slide Number Placeholder 6">
-            <a:extLst>
-              <a:ext uri="{FF2B5EF4-FFF2-40B4-BE49-F238E27FC236}">
-                <a16:creationId xmlns:a16="http://schemas.microsoft.com/office/drawing/2014/main" id="{684EA0F2-592F-8402-DE9E-1A5E786DD517}"/>
-              </a:ext>
-            </a:extLst>
-          </p:cNvPr>
+          <p:cNvPr id="7" name="Slide Number Placeholder 6"/>
           <p:cNvSpPr>
             <a:spLocks noGrp="1"/>
           </p:cNvSpPr>
@@ -2461,7 +2147,7 @@
     </p:spTree>
     <p:extLst>
       <p:ext uri="{BB962C8B-B14F-4D97-AF65-F5344CB8AC3E}">
-        <p14:creationId xmlns:p14="http://schemas.microsoft.com/office/powerpoint/2010/main" val="762014524"/>
+        <p14:creationId xmlns:p14="http://schemas.microsoft.com/office/powerpoint/2010/main" val="1364972225"/>
       </p:ext>
     </p:extLst>
   </p:cSld>
@@ -2490,13 +2176,7 @@
       </p:grpSpPr>
       <p:sp>
         <p:nvSpPr>
-          <p:cNvPr id="2" name="Title 1">
-            <a:extLst>
-              <a:ext uri="{FF2B5EF4-FFF2-40B4-BE49-F238E27FC236}">
-                <a16:creationId xmlns:a16="http://schemas.microsoft.com/office/drawing/2014/main" id="{A1EF0FD9-A443-AA44-A439-6A8D41F1C38E}"/>
-              </a:ext>
-            </a:extLst>
-          </p:cNvPr>
+          <p:cNvPr id="2" name="Title 1"/>
           <p:cNvSpPr>
             <a:spLocks noGrp="1"/>
           </p:cNvSpPr>
@@ -2506,15 +2186,15 @@
         </p:nvSpPr>
         <p:spPr>
           <a:xfrm>
-            <a:off x="839788" y="457200"/>
-            <a:ext cx="3932237" cy="1600200"/>
+            <a:off x="251937" y="182880"/>
+            <a:ext cx="1179671" cy="640080"/>
           </a:xfrm>
         </p:spPr>
         <p:txBody>
           <a:bodyPr anchor="b"/>
           <a:lstStyle>
             <a:lvl1pPr>
-              <a:defRPr sz="3200"/>
+              <a:defRPr sz="1280"/>
             </a:lvl1pPr>
           </a:lstStyle>
           <a:p>
@@ -2522,21 +2202,15 @@
               <a:rPr lang="en-US"/>
               <a:t>Click to edit Master title style</a:t>
             </a:r>
-            <a:endParaRPr lang="en-PH"/>
-          </a:p>
-        </p:txBody>
-      </p:sp>
-      <p:sp>
-        <p:nvSpPr>
-          <p:cNvPr id="3" name="Picture Placeholder 2">
-            <a:extLst>
-              <a:ext uri="{FF2B5EF4-FFF2-40B4-BE49-F238E27FC236}">
-                <a16:creationId xmlns:a16="http://schemas.microsoft.com/office/drawing/2014/main" id="{5B936D5F-DDF2-2655-D256-0C77C5D2BE2D}"/>
-              </a:ext>
-            </a:extLst>
-          </p:cNvPr>
-          <p:cNvSpPr>
-            <a:spLocks noGrp="1"/>
+            <a:endParaRPr lang="en-US" dirty="0"/>
+          </a:p>
+        </p:txBody>
+      </p:sp>
+      <p:sp>
+        <p:nvSpPr>
+          <p:cNvPr id="3" name="Picture Placeholder 2"/>
+          <p:cNvSpPr>
+            <a:spLocks noGrp="1" noChangeAspect="1"/>
           </p:cNvSpPr>
           <p:nvPr>
             <p:ph type="pic" idx="1"/>
@@ -2544,64 +2218,62 @@
         </p:nvSpPr>
         <p:spPr>
           <a:xfrm>
-            <a:off x="5183188" y="987425"/>
-            <a:ext cx="6172200" cy="4873625"/>
+            <a:off x="1554956" y="394971"/>
+            <a:ext cx="1851660" cy="1949450"/>
           </a:xfrm>
         </p:spPr>
         <p:txBody>
-          <a:bodyPr/>
+          <a:bodyPr anchor="t"/>
           <a:lstStyle>
             <a:lvl1pPr marL="0" indent="0">
               <a:buNone/>
-              <a:defRPr sz="3200"/>
+              <a:defRPr sz="1280"/>
             </a:lvl1pPr>
-            <a:lvl2pPr marL="457200" indent="0">
-              <a:buNone/>
-              <a:defRPr sz="2800"/>
+            <a:lvl2pPr marL="182880" indent="0">
+              <a:buNone/>
+              <a:defRPr sz="1120"/>
             </a:lvl2pPr>
-            <a:lvl3pPr marL="914400" indent="0">
-              <a:buNone/>
-              <a:defRPr sz="2400"/>
+            <a:lvl3pPr marL="365760" indent="0">
+              <a:buNone/>
+              <a:defRPr sz="960"/>
             </a:lvl3pPr>
-            <a:lvl4pPr marL="1371600" indent="0">
-              <a:buNone/>
-              <a:defRPr sz="2000"/>
+            <a:lvl4pPr marL="548640" indent="0">
+              <a:buNone/>
+              <a:defRPr sz="800"/>
             </a:lvl4pPr>
-            <a:lvl5pPr marL="1828800" indent="0">
-              <a:buNone/>
-              <a:defRPr sz="2000"/>
+            <a:lvl5pPr marL="731520" indent="0">
+              <a:buNone/>
+              <a:defRPr sz="800"/>
             </a:lvl5pPr>
-            <a:lvl6pPr marL="2286000" indent="0">
-              <a:buNone/>
-              <a:defRPr sz="2000"/>
+            <a:lvl6pPr marL="914400" indent="0">
+              <a:buNone/>
+              <a:defRPr sz="800"/>
             </a:lvl6pPr>
-            <a:lvl7pPr marL="2743200" indent="0">
-              <a:buNone/>
-              <a:defRPr sz="2000"/>
+            <a:lvl7pPr marL="1097280" indent="0">
+              <a:buNone/>
+              <a:defRPr sz="800"/>
             </a:lvl7pPr>
-            <a:lvl8pPr marL="3200400" indent="0">
-              <a:buNone/>
-              <a:defRPr sz="2000"/>
+            <a:lvl8pPr marL="1280160" indent="0">
+              <a:buNone/>
+              <a:defRPr sz="800"/>
             </a:lvl8pPr>
-            <a:lvl9pPr marL="3657600" indent="0">
-              <a:buNone/>
-              <a:defRPr sz="2000"/>
+            <a:lvl9pPr marL="1463040" indent="0">
+              <a:buNone/>
+              <a:defRPr sz="800"/>
             </a:lvl9pPr>
           </a:lstStyle>
           <a:p>
-            <a:endParaRPr lang="en-PH"/>
-          </a:p>
-        </p:txBody>
-      </p:sp>
-      <p:sp>
-        <p:nvSpPr>
-          <p:cNvPr id="4" name="Text Placeholder 3">
-            <a:extLst>
-              <a:ext uri="{FF2B5EF4-FFF2-40B4-BE49-F238E27FC236}">
-                <a16:creationId xmlns:a16="http://schemas.microsoft.com/office/drawing/2014/main" id="{C89D4284-DDA8-B786-EFAE-737F08718566}"/>
-              </a:ext>
-            </a:extLst>
-          </p:cNvPr>
+            <a:r>
+              <a:rPr lang="en-US"/>
+              <a:t>Click icon to add picture</a:t>
+            </a:r>
+            <a:endParaRPr lang="en-US" dirty="0"/>
+          </a:p>
+        </p:txBody>
+      </p:sp>
+      <p:sp>
+        <p:nvSpPr>
+          <p:cNvPr id="4" name="Text Placeholder 3"/>
           <p:cNvSpPr>
             <a:spLocks noGrp="1"/>
           </p:cNvSpPr>
@@ -2611,8 +2283,8 @@
         </p:nvSpPr>
         <p:spPr>
           <a:xfrm>
-            <a:off x="839788" y="2057400"/>
-            <a:ext cx="3932237" cy="3811588"/>
+            <a:off x="251937" y="822960"/>
+            <a:ext cx="1179671" cy="1524635"/>
           </a:xfrm>
         </p:spPr>
         <p:txBody>
@@ -2620,39 +2292,39 @@
           <a:lstStyle>
             <a:lvl1pPr marL="0" indent="0">
               <a:buNone/>
-              <a:defRPr sz="1600"/>
+              <a:defRPr sz="640"/>
             </a:lvl1pPr>
-            <a:lvl2pPr marL="457200" indent="0">
-              <a:buNone/>
-              <a:defRPr sz="1400"/>
+            <a:lvl2pPr marL="182880" indent="0">
+              <a:buNone/>
+              <a:defRPr sz="560"/>
             </a:lvl2pPr>
-            <a:lvl3pPr marL="914400" indent="0">
-              <a:buNone/>
-              <a:defRPr sz="1200"/>
+            <a:lvl3pPr marL="365760" indent="0">
+              <a:buNone/>
+              <a:defRPr sz="480"/>
             </a:lvl3pPr>
-            <a:lvl4pPr marL="1371600" indent="0">
-              <a:buNone/>
-              <a:defRPr sz="1000"/>
+            <a:lvl4pPr marL="548640" indent="0">
+              <a:buNone/>
+              <a:defRPr sz="400"/>
             </a:lvl4pPr>
-            <a:lvl5pPr marL="1828800" indent="0">
-              <a:buNone/>
-              <a:defRPr sz="1000"/>
+            <a:lvl5pPr marL="731520" indent="0">
+              <a:buNone/>
+              <a:defRPr sz="400"/>
             </a:lvl5pPr>
-            <a:lvl6pPr marL="2286000" indent="0">
-              <a:buNone/>
-              <a:defRPr sz="1000"/>
+            <a:lvl6pPr marL="914400" indent="0">
+              <a:buNone/>
+              <a:defRPr sz="400"/>
             </a:lvl6pPr>
-            <a:lvl7pPr marL="2743200" indent="0">
-              <a:buNone/>
-              <a:defRPr sz="1000"/>
+            <a:lvl7pPr marL="1097280" indent="0">
+              <a:buNone/>
+              <a:defRPr sz="400"/>
             </a:lvl7pPr>
-            <a:lvl8pPr marL="3200400" indent="0">
-              <a:buNone/>
-              <a:defRPr sz="1000"/>
+            <a:lvl8pPr marL="1280160" indent="0">
+              <a:buNone/>
+              <a:defRPr sz="400"/>
             </a:lvl8pPr>
-            <a:lvl9pPr marL="3657600" indent="0">
-              <a:buNone/>
-              <a:defRPr sz="1000"/>
+            <a:lvl9pPr marL="1463040" indent="0">
+              <a:buNone/>
+              <a:defRPr sz="400"/>
             </a:lvl9pPr>
           </a:lstStyle>
           <a:p>
@@ -2666,13 +2338,7 @@
       </p:sp>
       <p:sp>
         <p:nvSpPr>
-          <p:cNvPr id="5" name="Date Placeholder 4">
-            <a:extLst>
-              <a:ext uri="{FF2B5EF4-FFF2-40B4-BE49-F238E27FC236}">
-                <a16:creationId xmlns:a16="http://schemas.microsoft.com/office/drawing/2014/main" id="{173C77BB-B735-B4EA-0227-470C39C8AE9E}"/>
-              </a:ext>
-            </a:extLst>
-          </p:cNvPr>
+          <p:cNvPr id="5" name="Date Placeholder 4"/>
           <p:cNvSpPr>
             <a:spLocks noGrp="1"/>
           </p:cNvSpPr>
@@ -2687,7 +2353,7 @@
           <a:p>
             <a:fld id="{9ED73991-8D78-4469-86AD-BD5EC685D672}" type="datetimeFigureOut">
               <a:rPr lang="en-PH" smtClean="0"/>
-              <a:t>08/01/2024</a:t>
+              <a:t>09/01/2024</a:t>
             </a:fld>
             <a:endParaRPr lang="en-PH"/>
           </a:p>
@@ -2695,13 +2361,7 @@
       </p:sp>
       <p:sp>
         <p:nvSpPr>
-          <p:cNvPr id="6" name="Footer Placeholder 5">
-            <a:extLst>
-              <a:ext uri="{FF2B5EF4-FFF2-40B4-BE49-F238E27FC236}">
-                <a16:creationId xmlns:a16="http://schemas.microsoft.com/office/drawing/2014/main" id="{2C33C41F-66C4-9414-F70D-F7B9C668AB7D}"/>
-              </a:ext>
-            </a:extLst>
-          </p:cNvPr>
+          <p:cNvPr id="6" name="Footer Placeholder 5"/>
           <p:cNvSpPr>
             <a:spLocks noGrp="1"/>
           </p:cNvSpPr>
@@ -2720,13 +2380,7 @@
       </p:sp>
       <p:sp>
         <p:nvSpPr>
-          <p:cNvPr id="7" name="Slide Number Placeholder 6">
-            <a:extLst>
-              <a:ext uri="{FF2B5EF4-FFF2-40B4-BE49-F238E27FC236}">
-                <a16:creationId xmlns:a16="http://schemas.microsoft.com/office/drawing/2014/main" id="{BE736A52-3D60-B10B-8563-6EEED7B78315}"/>
-              </a:ext>
-            </a:extLst>
-          </p:cNvPr>
+          <p:cNvPr id="7" name="Slide Number Placeholder 6"/>
           <p:cNvSpPr>
             <a:spLocks noGrp="1"/>
           </p:cNvSpPr>
@@ -2750,7 +2404,7 @@
     </p:spTree>
     <p:extLst>
       <p:ext uri="{BB962C8B-B14F-4D97-AF65-F5344CB8AC3E}">
-        <p14:creationId xmlns:p14="http://schemas.microsoft.com/office/powerpoint/2010/main" val="3629796335"/>
+        <p14:creationId xmlns:p14="http://schemas.microsoft.com/office/powerpoint/2010/main" val="1247982945"/>
       </p:ext>
     </p:extLst>
   </p:cSld>
@@ -2784,13 +2438,7 @@
       </p:grpSpPr>
       <p:sp>
         <p:nvSpPr>
-          <p:cNvPr id="2" name="Title Placeholder 1">
-            <a:extLst>
-              <a:ext uri="{FF2B5EF4-FFF2-40B4-BE49-F238E27FC236}">
-                <a16:creationId xmlns:a16="http://schemas.microsoft.com/office/drawing/2014/main" id="{567ECDE6-2129-C450-C2A8-9C0371C499FF}"/>
-              </a:ext>
-            </a:extLst>
-          </p:cNvPr>
+          <p:cNvPr id="2" name="Title Placeholder 1"/>
           <p:cNvSpPr>
             <a:spLocks noGrp="1"/>
           </p:cNvSpPr>
@@ -2800,8 +2448,8 @@
         </p:nvSpPr>
         <p:spPr>
           <a:xfrm>
-            <a:off x="838200" y="365125"/>
-            <a:ext cx="10515600" cy="1325563"/>
+            <a:off x="251460" y="146051"/>
+            <a:ext cx="3154680" cy="530225"/>
           </a:xfrm>
           <a:prstGeom prst="rect">
             <a:avLst/>
@@ -2817,19 +2465,13 @@
               <a:rPr lang="en-US"/>
               <a:t>Click to edit Master title style</a:t>
             </a:r>
-            <a:endParaRPr lang="en-PH"/>
-          </a:p>
-        </p:txBody>
-      </p:sp>
-      <p:sp>
-        <p:nvSpPr>
-          <p:cNvPr id="3" name="Text Placeholder 2">
-            <a:extLst>
-              <a:ext uri="{FF2B5EF4-FFF2-40B4-BE49-F238E27FC236}">
-                <a16:creationId xmlns:a16="http://schemas.microsoft.com/office/drawing/2014/main" id="{9FE4244F-DC32-A737-52B1-2C3DF791C47A}"/>
-              </a:ext>
-            </a:extLst>
-          </p:cNvPr>
+            <a:endParaRPr lang="en-US" dirty="0"/>
+          </a:p>
+        </p:txBody>
+      </p:sp>
+      <p:sp>
+        <p:nvSpPr>
+          <p:cNvPr id="3" name="Text Placeholder 2"/>
           <p:cNvSpPr>
             <a:spLocks noGrp="1"/>
           </p:cNvSpPr>
@@ -2839,8 +2481,8 @@
         </p:nvSpPr>
         <p:spPr>
           <a:xfrm>
-            <a:off x="838200" y="1825625"/>
-            <a:ext cx="10515600" cy="4351338"/>
+            <a:off x="251460" y="730250"/>
+            <a:ext cx="3154680" cy="1740535"/>
           </a:xfrm>
           <a:prstGeom prst="rect">
             <a:avLst/>
@@ -2885,19 +2527,13 @@
               <a:rPr lang="en-US"/>
               <a:t>Fifth level</a:t>
             </a:r>
-            <a:endParaRPr lang="en-PH"/>
-          </a:p>
-        </p:txBody>
-      </p:sp>
-      <p:sp>
-        <p:nvSpPr>
-          <p:cNvPr id="4" name="Date Placeholder 3">
-            <a:extLst>
-              <a:ext uri="{FF2B5EF4-FFF2-40B4-BE49-F238E27FC236}">
-                <a16:creationId xmlns:a16="http://schemas.microsoft.com/office/drawing/2014/main" id="{19E2B3A4-DD11-9294-BA1D-655395836397}"/>
-              </a:ext>
-            </a:extLst>
-          </p:cNvPr>
+            <a:endParaRPr lang="en-US" dirty="0"/>
+          </a:p>
+        </p:txBody>
+      </p:sp>
+      <p:sp>
+        <p:nvSpPr>
+          <p:cNvPr id="4" name="Date Placeholder 3"/>
           <p:cNvSpPr>
             <a:spLocks noGrp="1"/>
           </p:cNvSpPr>
@@ -2907,8 +2543,8 @@
         </p:nvSpPr>
         <p:spPr>
           <a:xfrm>
-            <a:off x="838200" y="6356350"/>
-            <a:ext cx="2743200" cy="365125"/>
+            <a:off x="251460" y="2542541"/>
+            <a:ext cx="822960" cy="146050"/>
           </a:xfrm>
           <a:prstGeom prst="rect">
             <a:avLst/>
@@ -2918,7 +2554,7 @@
           <a:bodyPr vert="horz" lIns="91440" tIns="45720" rIns="91440" bIns="45720" rtlCol="0" anchor="ctr"/>
           <a:lstStyle>
             <a:lvl1pPr algn="l">
-              <a:defRPr sz="1200">
+              <a:defRPr sz="480">
                 <a:solidFill>
                   <a:schemeClr val="tx1">
                     <a:tint val="75000"/>
@@ -2930,7 +2566,7 @@
           <a:p>
             <a:fld id="{9ED73991-8D78-4469-86AD-BD5EC685D672}" type="datetimeFigureOut">
               <a:rPr lang="en-PH" smtClean="0"/>
-              <a:t>08/01/2024</a:t>
+              <a:t>09/01/2024</a:t>
             </a:fld>
             <a:endParaRPr lang="en-PH"/>
           </a:p>
@@ -2938,13 +2574,7 @@
       </p:sp>
       <p:sp>
         <p:nvSpPr>
-          <p:cNvPr id="5" name="Footer Placeholder 4">
-            <a:extLst>
-              <a:ext uri="{FF2B5EF4-FFF2-40B4-BE49-F238E27FC236}">
-                <a16:creationId xmlns:a16="http://schemas.microsoft.com/office/drawing/2014/main" id="{17B87649-970B-014D-564E-15A245C57B3A}"/>
-              </a:ext>
-            </a:extLst>
-          </p:cNvPr>
+          <p:cNvPr id="5" name="Footer Placeholder 4"/>
           <p:cNvSpPr>
             <a:spLocks noGrp="1"/>
           </p:cNvSpPr>
@@ -2954,8 +2584,8 @@
         </p:nvSpPr>
         <p:spPr>
           <a:xfrm>
-            <a:off x="4038600" y="6356350"/>
-            <a:ext cx="4114800" cy="365125"/>
+            <a:off x="1211580" y="2542541"/>
+            <a:ext cx="1234440" cy="146050"/>
           </a:xfrm>
           <a:prstGeom prst="rect">
             <a:avLst/>
@@ -2965,7 +2595,7 @@
           <a:bodyPr vert="horz" lIns="91440" tIns="45720" rIns="91440" bIns="45720" rtlCol="0" anchor="ctr"/>
           <a:lstStyle>
             <a:lvl1pPr algn="ctr">
-              <a:defRPr sz="1200">
+              <a:defRPr sz="480">
                 <a:solidFill>
                   <a:schemeClr val="tx1">
                     <a:tint val="75000"/>
@@ -2981,13 +2611,7 @@
       </p:sp>
       <p:sp>
         <p:nvSpPr>
-          <p:cNvPr id="6" name="Slide Number Placeholder 5">
-            <a:extLst>
-              <a:ext uri="{FF2B5EF4-FFF2-40B4-BE49-F238E27FC236}">
-                <a16:creationId xmlns:a16="http://schemas.microsoft.com/office/drawing/2014/main" id="{60B88D09-18C0-4838-1A4E-36AC0E80BE21}"/>
-              </a:ext>
-            </a:extLst>
-          </p:cNvPr>
+          <p:cNvPr id="6" name="Slide Number Placeholder 5"/>
           <p:cNvSpPr>
             <a:spLocks noGrp="1"/>
           </p:cNvSpPr>
@@ -2997,8 +2621,8 @@
         </p:nvSpPr>
         <p:spPr>
           <a:xfrm>
-            <a:off x="8610600" y="6356350"/>
-            <a:ext cx="2743200" cy="365125"/>
+            <a:off x="2583180" y="2542541"/>
+            <a:ext cx="822960" cy="146050"/>
           </a:xfrm>
           <a:prstGeom prst="rect">
             <a:avLst/>
@@ -3008,7 +2632,7 @@
           <a:bodyPr vert="horz" lIns="91440" tIns="45720" rIns="91440" bIns="45720" rtlCol="0" anchor="ctr"/>
           <a:lstStyle>
             <a:lvl1pPr algn="r">
-              <a:defRPr sz="1200">
+              <a:defRPr sz="480">
                 <a:solidFill>
                   <a:schemeClr val="tx1">
                     <a:tint val="75000"/>
@@ -3029,27 +2653,27 @@
     </p:spTree>
     <p:extLst>
       <p:ext uri="{BB962C8B-B14F-4D97-AF65-F5344CB8AC3E}">
-        <p14:creationId xmlns:p14="http://schemas.microsoft.com/office/powerpoint/2010/main" val="2635410262"/>
+        <p14:creationId xmlns:p14="http://schemas.microsoft.com/office/powerpoint/2010/main" val="278335324"/>
       </p:ext>
     </p:extLst>
   </p:cSld>
   <p:clrMap bg1="lt1" tx1="dk1" bg2="lt2" tx2="dk2" accent1="accent1" accent2="accent2" accent3="accent3" accent4="accent4" accent5="accent5" accent6="accent6" hlink="hlink" folHlink="folHlink"/>
   <p:sldLayoutIdLst>
-    <p:sldLayoutId id="2147483649" r:id="rId1"/>
-    <p:sldLayoutId id="2147483650" r:id="rId2"/>
-    <p:sldLayoutId id="2147483651" r:id="rId3"/>
-    <p:sldLayoutId id="2147483652" r:id="rId4"/>
-    <p:sldLayoutId id="2147483653" r:id="rId5"/>
-    <p:sldLayoutId id="2147483654" r:id="rId6"/>
-    <p:sldLayoutId id="2147483655" r:id="rId7"/>
-    <p:sldLayoutId id="2147483656" r:id="rId8"/>
-    <p:sldLayoutId id="2147483657" r:id="rId9"/>
-    <p:sldLayoutId id="2147483658" r:id="rId10"/>
-    <p:sldLayoutId id="2147483659" r:id="rId11"/>
+    <p:sldLayoutId id="2147483661" r:id="rId1"/>
+    <p:sldLayoutId id="2147483662" r:id="rId2"/>
+    <p:sldLayoutId id="2147483663" r:id="rId3"/>
+    <p:sldLayoutId id="2147483664" r:id="rId4"/>
+    <p:sldLayoutId id="2147483665" r:id="rId5"/>
+    <p:sldLayoutId id="2147483666" r:id="rId6"/>
+    <p:sldLayoutId id="2147483667" r:id="rId7"/>
+    <p:sldLayoutId id="2147483668" r:id="rId8"/>
+    <p:sldLayoutId id="2147483669" r:id="rId9"/>
+    <p:sldLayoutId id="2147483670" r:id="rId10"/>
+    <p:sldLayoutId id="2147483671" r:id="rId11"/>
   </p:sldLayoutIdLst>
   <p:txStyles>
     <p:titleStyle>
-      <a:lvl1pPr algn="l" defTabSz="914400" rtl="0" eaLnBrk="1" latinLnBrk="0" hangingPunct="1">
+      <a:lvl1pPr algn="l" defTabSz="365760" rtl="0" eaLnBrk="1" latinLnBrk="0" hangingPunct="1">
         <a:lnSpc>
           <a:spcPct val="90000"/>
         </a:lnSpc>
@@ -3057,7 +2681,7 @@
           <a:spcPct val="0"/>
         </a:spcBef>
         <a:buNone/>
-        <a:defRPr sz="4400" kern="1200">
+        <a:defRPr sz="1760" kern="1200">
           <a:solidFill>
             <a:schemeClr val="tx1"/>
           </a:solidFill>
@@ -3068,16 +2692,16 @@
       </a:lvl1pPr>
     </p:titleStyle>
     <p:bodyStyle>
-      <a:lvl1pPr marL="228600" indent="-228600" algn="l" defTabSz="914400" rtl="0" eaLnBrk="1" latinLnBrk="0" hangingPunct="1">
+      <a:lvl1pPr marL="91440" indent="-91440" algn="l" defTabSz="365760" rtl="0" eaLnBrk="1" latinLnBrk="0" hangingPunct="1">
         <a:lnSpc>
           <a:spcPct val="90000"/>
         </a:lnSpc>
         <a:spcBef>
-          <a:spcPts val="1000"/>
+          <a:spcPts val="400"/>
         </a:spcBef>
         <a:buFont typeface="Arial" panose="020B0604020202020204" pitchFamily="34" charset="0"/>
         <a:buChar char="•"/>
-        <a:defRPr sz="2800" kern="1200">
+        <a:defRPr sz="1120" kern="1200">
           <a:solidFill>
             <a:schemeClr val="tx1"/>
           </a:solidFill>
@@ -3086,16 +2710,16 @@
           <a:cs typeface="+mn-cs"/>
         </a:defRPr>
       </a:lvl1pPr>
-      <a:lvl2pPr marL="685800" indent="-228600" algn="l" defTabSz="914400" rtl="0" eaLnBrk="1" latinLnBrk="0" hangingPunct="1">
+      <a:lvl2pPr marL="274320" indent="-91440" algn="l" defTabSz="365760" rtl="0" eaLnBrk="1" latinLnBrk="0" hangingPunct="1">
         <a:lnSpc>
           <a:spcPct val="90000"/>
         </a:lnSpc>
         <a:spcBef>
-          <a:spcPts val="500"/>
+          <a:spcPts val="200"/>
         </a:spcBef>
         <a:buFont typeface="Arial" panose="020B0604020202020204" pitchFamily="34" charset="0"/>
         <a:buChar char="•"/>
-        <a:defRPr sz="2400" kern="1200">
+        <a:defRPr sz="960" kern="1200">
           <a:solidFill>
             <a:schemeClr val="tx1"/>
           </a:solidFill>
@@ -3104,16 +2728,16 @@
           <a:cs typeface="+mn-cs"/>
         </a:defRPr>
       </a:lvl2pPr>
-      <a:lvl3pPr marL="1143000" indent="-228600" algn="l" defTabSz="914400" rtl="0" eaLnBrk="1" latinLnBrk="0" hangingPunct="1">
+      <a:lvl3pPr marL="457200" indent="-91440" algn="l" defTabSz="365760" rtl="0" eaLnBrk="1" latinLnBrk="0" hangingPunct="1">
         <a:lnSpc>
           <a:spcPct val="90000"/>
         </a:lnSpc>
         <a:spcBef>
-          <a:spcPts val="500"/>
+          <a:spcPts val="200"/>
         </a:spcBef>
         <a:buFont typeface="Arial" panose="020B0604020202020204" pitchFamily="34" charset="0"/>
         <a:buChar char="•"/>
-        <a:defRPr sz="2000" kern="1200">
+        <a:defRPr sz="800" kern="1200">
           <a:solidFill>
             <a:schemeClr val="tx1"/>
           </a:solidFill>
@@ -3122,16 +2746,16 @@
           <a:cs typeface="+mn-cs"/>
         </a:defRPr>
       </a:lvl3pPr>
-      <a:lvl4pPr marL="1600200" indent="-228600" algn="l" defTabSz="914400" rtl="0" eaLnBrk="1" latinLnBrk="0" hangingPunct="1">
+      <a:lvl4pPr marL="640080" indent="-91440" algn="l" defTabSz="365760" rtl="0" eaLnBrk="1" latinLnBrk="0" hangingPunct="1">
         <a:lnSpc>
           <a:spcPct val="90000"/>
         </a:lnSpc>
         <a:spcBef>
-          <a:spcPts val="500"/>
+          <a:spcPts val="200"/>
         </a:spcBef>
         <a:buFont typeface="Arial" panose="020B0604020202020204" pitchFamily="34" charset="0"/>
         <a:buChar char="•"/>
-        <a:defRPr sz="1800" kern="1200">
+        <a:defRPr sz="720" kern="1200">
           <a:solidFill>
             <a:schemeClr val="tx1"/>
           </a:solidFill>
@@ -3140,16 +2764,16 @@
           <a:cs typeface="+mn-cs"/>
         </a:defRPr>
       </a:lvl4pPr>
-      <a:lvl5pPr marL="2057400" indent="-228600" algn="l" defTabSz="914400" rtl="0" eaLnBrk="1" latinLnBrk="0" hangingPunct="1">
+      <a:lvl5pPr marL="822960" indent="-91440" algn="l" defTabSz="365760" rtl="0" eaLnBrk="1" latinLnBrk="0" hangingPunct="1">
         <a:lnSpc>
           <a:spcPct val="90000"/>
         </a:lnSpc>
         <a:spcBef>
-          <a:spcPts val="500"/>
+          <a:spcPts val="200"/>
         </a:spcBef>
         <a:buFont typeface="Arial" panose="020B0604020202020204" pitchFamily="34" charset="0"/>
         <a:buChar char="•"/>
-        <a:defRPr sz="1800" kern="1200">
+        <a:defRPr sz="720" kern="1200">
           <a:solidFill>
             <a:schemeClr val="tx1"/>
           </a:solidFill>
@@ -3158,16 +2782,16 @@
           <a:cs typeface="+mn-cs"/>
         </a:defRPr>
       </a:lvl5pPr>
-      <a:lvl6pPr marL="2514600" indent="-228600" algn="l" defTabSz="914400" rtl="0" eaLnBrk="1" latinLnBrk="0" hangingPunct="1">
+      <a:lvl6pPr marL="1005840" indent="-91440" algn="l" defTabSz="365760" rtl="0" eaLnBrk="1" latinLnBrk="0" hangingPunct="1">
         <a:lnSpc>
           <a:spcPct val="90000"/>
         </a:lnSpc>
         <a:spcBef>
-          <a:spcPts val="500"/>
+          <a:spcPts val="200"/>
         </a:spcBef>
         <a:buFont typeface="Arial" panose="020B0604020202020204" pitchFamily="34" charset="0"/>
         <a:buChar char="•"/>
-        <a:defRPr sz="1800" kern="1200">
+        <a:defRPr sz="720" kern="1200">
           <a:solidFill>
             <a:schemeClr val="tx1"/>
           </a:solidFill>
@@ -3176,16 +2800,16 @@
           <a:cs typeface="+mn-cs"/>
         </a:defRPr>
       </a:lvl6pPr>
-      <a:lvl7pPr marL="2971800" indent="-228600" algn="l" defTabSz="914400" rtl="0" eaLnBrk="1" latinLnBrk="0" hangingPunct="1">
+      <a:lvl7pPr marL="1188720" indent="-91440" algn="l" defTabSz="365760" rtl="0" eaLnBrk="1" latinLnBrk="0" hangingPunct="1">
         <a:lnSpc>
           <a:spcPct val="90000"/>
         </a:lnSpc>
         <a:spcBef>
-          <a:spcPts val="500"/>
+          <a:spcPts val="200"/>
         </a:spcBef>
         <a:buFont typeface="Arial" panose="020B0604020202020204" pitchFamily="34" charset="0"/>
         <a:buChar char="•"/>
-        <a:defRPr sz="1800" kern="1200">
+        <a:defRPr sz="720" kern="1200">
           <a:solidFill>
             <a:schemeClr val="tx1"/>
           </a:solidFill>
@@ -3194,16 +2818,16 @@
           <a:cs typeface="+mn-cs"/>
         </a:defRPr>
       </a:lvl7pPr>
-      <a:lvl8pPr marL="3429000" indent="-228600" algn="l" defTabSz="914400" rtl="0" eaLnBrk="1" latinLnBrk="0" hangingPunct="1">
+      <a:lvl8pPr marL="1371600" indent="-91440" algn="l" defTabSz="365760" rtl="0" eaLnBrk="1" latinLnBrk="0" hangingPunct="1">
         <a:lnSpc>
           <a:spcPct val="90000"/>
         </a:lnSpc>
         <a:spcBef>
-          <a:spcPts val="500"/>
+          <a:spcPts val="200"/>
         </a:spcBef>
         <a:buFont typeface="Arial" panose="020B0604020202020204" pitchFamily="34" charset="0"/>
         <a:buChar char="•"/>
-        <a:defRPr sz="1800" kern="1200">
+        <a:defRPr sz="720" kern="1200">
           <a:solidFill>
             <a:schemeClr val="tx1"/>
           </a:solidFill>
@@ -3212,16 +2836,16 @@
           <a:cs typeface="+mn-cs"/>
         </a:defRPr>
       </a:lvl8pPr>
-      <a:lvl9pPr marL="3886200" indent="-228600" algn="l" defTabSz="914400" rtl="0" eaLnBrk="1" latinLnBrk="0" hangingPunct="1">
+      <a:lvl9pPr marL="1554480" indent="-91440" algn="l" defTabSz="365760" rtl="0" eaLnBrk="1" latinLnBrk="0" hangingPunct="1">
         <a:lnSpc>
           <a:spcPct val="90000"/>
         </a:lnSpc>
         <a:spcBef>
-          <a:spcPts val="500"/>
+          <a:spcPts val="200"/>
         </a:spcBef>
         <a:buFont typeface="Arial" panose="020B0604020202020204" pitchFamily="34" charset="0"/>
         <a:buChar char="•"/>
-        <a:defRPr sz="1800" kern="1200">
+        <a:defRPr sz="720" kern="1200">
           <a:solidFill>
             <a:schemeClr val="tx1"/>
           </a:solidFill>
@@ -3235,8 +2859,8 @@
       <a:defPPr>
         <a:defRPr lang="en-US"/>
       </a:defPPr>
-      <a:lvl1pPr marL="0" algn="l" defTabSz="914400" rtl="0" eaLnBrk="1" latinLnBrk="0" hangingPunct="1">
-        <a:defRPr sz="1800" kern="1200">
+      <a:lvl1pPr marL="0" algn="l" defTabSz="365760" rtl="0" eaLnBrk="1" latinLnBrk="0" hangingPunct="1">
+        <a:defRPr sz="720" kern="1200">
           <a:solidFill>
             <a:schemeClr val="tx1"/>
           </a:solidFill>
@@ -3245,8 +2869,8 @@
           <a:cs typeface="+mn-cs"/>
         </a:defRPr>
       </a:lvl1pPr>
-      <a:lvl2pPr marL="457200" algn="l" defTabSz="914400" rtl="0" eaLnBrk="1" latinLnBrk="0" hangingPunct="1">
-        <a:defRPr sz="1800" kern="1200">
+      <a:lvl2pPr marL="182880" algn="l" defTabSz="365760" rtl="0" eaLnBrk="1" latinLnBrk="0" hangingPunct="1">
+        <a:defRPr sz="720" kern="1200">
           <a:solidFill>
             <a:schemeClr val="tx1"/>
           </a:solidFill>
@@ -3255,8 +2879,8 @@
           <a:cs typeface="+mn-cs"/>
         </a:defRPr>
       </a:lvl2pPr>
-      <a:lvl3pPr marL="914400" algn="l" defTabSz="914400" rtl="0" eaLnBrk="1" latinLnBrk="0" hangingPunct="1">
-        <a:defRPr sz="1800" kern="1200">
+      <a:lvl3pPr marL="365760" algn="l" defTabSz="365760" rtl="0" eaLnBrk="1" latinLnBrk="0" hangingPunct="1">
+        <a:defRPr sz="720" kern="1200">
           <a:solidFill>
             <a:schemeClr val="tx1"/>
           </a:solidFill>
@@ -3265,8 +2889,8 @@
           <a:cs typeface="+mn-cs"/>
         </a:defRPr>
       </a:lvl3pPr>
-      <a:lvl4pPr marL="1371600" algn="l" defTabSz="914400" rtl="0" eaLnBrk="1" latinLnBrk="0" hangingPunct="1">
-        <a:defRPr sz="1800" kern="1200">
+      <a:lvl4pPr marL="548640" algn="l" defTabSz="365760" rtl="0" eaLnBrk="1" latinLnBrk="0" hangingPunct="1">
+        <a:defRPr sz="720" kern="1200">
           <a:solidFill>
             <a:schemeClr val="tx1"/>
           </a:solidFill>
@@ -3275,8 +2899,8 @@
           <a:cs typeface="+mn-cs"/>
         </a:defRPr>
       </a:lvl4pPr>
-      <a:lvl5pPr marL="1828800" algn="l" defTabSz="914400" rtl="0" eaLnBrk="1" latinLnBrk="0" hangingPunct="1">
-        <a:defRPr sz="1800" kern="1200">
+      <a:lvl5pPr marL="731520" algn="l" defTabSz="365760" rtl="0" eaLnBrk="1" latinLnBrk="0" hangingPunct="1">
+        <a:defRPr sz="720" kern="1200">
           <a:solidFill>
             <a:schemeClr val="tx1"/>
           </a:solidFill>
@@ -3285,8 +2909,8 @@
           <a:cs typeface="+mn-cs"/>
         </a:defRPr>
       </a:lvl5pPr>
-      <a:lvl6pPr marL="2286000" algn="l" defTabSz="914400" rtl="0" eaLnBrk="1" latinLnBrk="0" hangingPunct="1">
-        <a:defRPr sz="1800" kern="1200">
+      <a:lvl6pPr marL="914400" algn="l" defTabSz="365760" rtl="0" eaLnBrk="1" latinLnBrk="0" hangingPunct="1">
+        <a:defRPr sz="720" kern="1200">
           <a:solidFill>
             <a:schemeClr val="tx1"/>
           </a:solidFill>
@@ -3295,8 +2919,8 @@
           <a:cs typeface="+mn-cs"/>
         </a:defRPr>
       </a:lvl6pPr>
-      <a:lvl7pPr marL="2743200" algn="l" defTabSz="914400" rtl="0" eaLnBrk="1" latinLnBrk="0" hangingPunct="1">
-        <a:defRPr sz="1800" kern="1200">
+      <a:lvl7pPr marL="1097280" algn="l" defTabSz="365760" rtl="0" eaLnBrk="1" latinLnBrk="0" hangingPunct="1">
+        <a:defRPr sz="720" kern="1200">
           <a:solidFill>
             <a:schemeClr val="tx1"/>
           </a:solidFill>
@@ -3305,8 +2929,8 @@
           <a:cs typeface="+mn-cs"/>
         </a:defRPr>
       </a:lvl7pPr>
-      <a:lvl8pPr marL="3200400" algn="l" defTabSz="914400" rtl="0" eaLnBrk="1" latinLnBrk="0" hangingPunct="1">
-        <a:defRPr sz="1800" kern="1200">
+      <a:lvl8pPr marL="1280160" algn="l" defTabSz="365760" rtl="0" eaLnBrk="1" latinLnBrk="0" hangingPunct="1">
+        <a:defRPr sz="720" kern="1200">
           <a:solidFill>
             <a:schemeClr val="tx1"/>
           </a:solidFill>
@@ -3315,8 +2939,8 @@
           <a:cs typeface="+mn-cs"/>
         </a:defRPr>
       </a:lvl8pPr>
-      <a:lvl9pPr marL="3657600" algn="l" defTabSz="914400" rtl="0" eaLnBrk="1" latinLnBrk="0" hangingPunct="1">
-        <a:defRPr sz="1800" kern="1200">
+      <a:lvl9pPr marL="1463040" algn="l" defTabSz="365760" rtl="0" eaLnBrk="1" latinLnBrk="0" hangingPunct="1">
+        <a:defRPr sz="720" kern="1200">
           <a:solidFill>
             <a:schemeClr val="tx1"/>
           </a:solidFill>
@@ -3361,8 +2985,8 @@
         </p:nvSpPr>
         <p:spPr>
           <a:xfrm>
-            <a:off x="92364" y="170872"/>
-            <a:ext cx="11988799" cy="6543963"/>
+            <a:off x="27709" y="394162"/>
+            <a:ext cx="3596640" cy="1963189"/>
           </a:xfrm>
           <a:prstGeom prst="roundRect">
             <a:avLst>
@@ -3397,7 +3021,7 @@
           <a:lstStyle/>
           <a:p>
             <a:pPr algn="ctr"/>
-            <a:endParaRPr lang="en-PH" dirty="0">
+            <a:endParaRPr lang="en-PH" sz="182" dirty="0">
               <a:highlight>
                 <a:srgbClr val="FFFF00"/>
               </a:highlight>
@@ -3419,8 +3043,8 @@
         </p:nvSpPr>
         <p:spPr>
           <a:xfrm>
-            <a:off x="1948873" y="590933"/>
-            <a:ext cx="5190836" cy="830997"/>
+            <a:off x="584662" y="520180"/>
+            <a:ext cx="1670410" cy="313932"/>
           </a:xfrm>
           <a:prstGeom prst="rect">
             <a:avLst/>
@@ -3434,10 +3058,10 @@
           <a:lstStyle/>
           <a:p>
             <a:r>
-              <a:rPr lang="en-US" sz="4800" b="1" dirty="0"/>
+              <a:rPr lang="en-US" sz="1440" b="1" dirty="0"/>
               <a:t>LIBRARY ID CARD</a:t>
             </a:r>
-            <a:endParaRPr lang="en-PH" sz="4800" b="1" dirty="0"/>
+            <a:endParaRPr lang="en-PH" sz="1440" b="1" dirty="0"/>
           </a:p>
         </p:txBody>
       </p:sp>
@@ -3469,8 +3093,8 @@
         </p:blipFill>
         <p:spPr>
           <a:xfrm>
-            <a:off x="659477" y="590933"/>
-            <a:ext cx="1156392" cy="923636"/>
+            <a:off x="197843" y="520180"/>
+            <a:ext cx="346918" cy="277091"/>
           </a:xfrm>
           <a:prstGeom prst="rect">
             <a:avLst/>
@@ -3491,8 +3115,8 @@
         </p:nvSpPr>
         <p:spPr>
           <a:xfrm>
-            <a:off x="9094123" y="661694"/>
-            <a:ext cx="2830023" cy="523220"/>
+            <a:off x="2486025" y="541408"/>
+            <a:ext cx="1021750" cy="221599"/>
           </a:xfrm>
           <a:prstGeom prst="rect">
             <a:avLst/>
@@ -3506,10 +3130,10 @@
           <a:lstStyle/>
           <a:p>
             <a:r>
-              <a:rPr lang="en-US" sz="2800" b="1" dirty="0"/>
+              <a:rPr lang="en-US" sz="840" b="1" dirty="0"/>
               <a:t>STUDENT ID NO.</a:t>
             </a:r>
-            <a:endParaRPr lang="en-PH" sz="2800" b="1" dirty="0"/>
+            <a:endParaRPr lang="en-PH" sz="840" b="1" dirty="0"/>
           </a:p>
         </p:txBody>
       </p:sp>
@@ -3527,8 +3151,8 @@
         </p:nvSpPr>
         <p:spPr>
           <a:xfrm>
-            <a:off x="9818253" y="1052751"/>
-            <a:ext cx="2830023" cy="461665"/>
+            <a:off x="2590801" y="658725"/>
+            <a:ext cx="916974" cy="203133"/>
           </a:xfrm>
           <a:prstGeom prst="rect">
             <a:avLst/>
@@ -3542,7 +3166,7 @@
           <a:lstStyle/>
           <a:p>
             <a:r>
-              <a:rPr lang="en-US" sz="2400" b="1"/>
+              <a:rPr lang="en-US" sz="720" b="1" dirty="0"/>
               <a:t>@student_no</a:t>
             </a:r>
           </a:p>
@@ -3562,8 +3186,8 @@
         </p:nvSpPr>
         <p:spPr>
           <a:xfrm>
-            <a:off x="4448255" y="2230247"/>
-            <a:ext cx="5370001" cy="707886"/>
+            <a:off x="1334476" y="1011974"/>
+            <a:ext cx="2173298" cy="246221"/>
           </a:xfrm>
           <a:prstGeom prst="rect">
             <a:avLst/>
@@ -3577,10 +3201,10 @@
           <a:lstStyle/>
           <a:p>
             <a:r>
-              <a:rPr lang="en-US" sz="4000" b="1" dirty="0"/>
+              <a:rPr lang="en-US" sz="1000" b="1" dirty="0"/>
               <a:t>@student_name</a:t>
             </a:r>
-            <a:endParaRPr lang="en-PH" sz="4000" b="1" dirty="0"/>
+            <a:endParaRPr lang="en-PH" sz="1000" b="1" dirty="0"/>
           </a:p>
         </p:txBody>
       </p:sp>
@@ -3598,8 +3222,8 @@
         </p:nvSpPr>
         <p:spPr>
           <a:xfrm>
-            <a:off x="4562763" y="2914344"/>
-            <a:ext cx="4581237" cy="400110"/>
+            <a:off x="1368829" y="1217203"/>
+            <a:ext cx="1374371" cy="184666"/>
           </a:xfrm>
           <a:prstGeom prst="rect">
             <a:avLst/>
@@ -3613,10 +3237,10 @@
           <a:lstStyle/>
           <a:p>
             <a:r>
-              <a:rPr lang="en-US" sz="2000" dirty="0"/>
+              <a:rPr lang="en-US" sz="600" dirty="0"/>
               <a:t>COURSE</a:t>
             </a:r>
-            <a:endParaRPr lang="en-PH" sz="2000" dirty="0"/>
+            <a:endParaRPr lang="en-PH" sz="600" dirty="0"/>
           </a:p>
         </p:txBody>
       </p:sp>
@@ -3634,8 +3258,8 @@
         </p:nvSpPr>
         <p:spPr>
           <a:xfrm>
-            <a:off x="4562761" y="3239390"/>
-            <a:ext cx="5255492" cy="369332"/>
+            <a:off x="1368828" y="1314717"/>
+            <a:ext cx="1576648" cy="172355"/>
           </a:xfrm>
           <a:prstGeom prst="rect">
             <a:avLst/>
@@ -3649,10 +3273,10 @@
           <a:lstStyle/>
           <a:p>
             <a:r>
-              <a:rPr lang="en-GB" b="1" i="1" dirty="0"/>
+              <a:rPr lang="en-GB" sz="520" b="1" i="1" dirty="0"/>
               <a:t>@course_name</a:t>
             </a:r>
-            <a:endParaRPr lang="en-PH" b="1" i="1" dirty="0"/>
+            <a:endParaRPr lang="en-PH" sz="520" b="1" i="1" dirty="0"/>
           </a:p>
         </p:txBody>
       </p:sp>
@@ -3670,8 +3294,8 @@
         </p:nvSpPr>
         <p:spPr>
           <a:xfrm>
-            <a:off x="4562761" y="4558845"/>
-            <a:ext cx="4581237" cy="400110"/>
+            <a:off x="1368829" y="1710553"/>
+            <a:ext cx="1374371" cy="184666"/>
           </a:xfrm>
           <a:prstGeom prst="rect">
             <a:avLst/>
@@ -3685,10 +3309,10 @@
           <a:lstStyle/>
           <a:p>
             <a:r>
-              <a:rPr lang="en-US" sz="2000" dirty="0"/>
+              <a:rPr lang="en-US" sz="600" dirty="0"/>
               <a:t>VALID UNTIL</a:t>
             </a:r>
-            <a:endParaRPr lang="en-PH" sz="2000" dirty="0"/>
+            <a:endParaRPr lang="en-PH" sz="600" dirty="0"/>
           </a:p>
         </p:txBody>
       </p:sp>
@@ -3706,8 +3330,8 @@
         </p:nvSpPr>
         <p:spPr>
           <a:xfrm>
-            <a:off x="4562761" y="4944586"/>
-            <a:ext cx="5255492" cy="369332"/>
+            <a:off x="1368828" y="1826276"/>
+            <a:ext cx="1430201" cy="172355"/>
           </a:xfrm>
           <a:prstGeom prst="rect">
             <a:avLst/>
@@ -3721,10 +3345,10 @@
           <a:lstStyle/>
           <a:p>
             <a:r>
-              <a:rPr lang="en-US" b="1" i="1" dirty="0"/>
+              <a:rPr lang="en-US" sz="520" b="1" i="1" dirty="0"/>
               <a:t>@valid_until</a:t>
             </a:r>
-            <a:endParaRPr lang="en-PH" b="1" i="1" dirty="0"/>
+            <a:endParaRPr lang="en-PH" sz="520" b="1" i="1" dirty="0"/>
           </a:p>
         </p:txBody>
       </p:sp>
@@ -3742,8 +3366,8 @@
         </p:nvSpPr>
         <p:spPr>
           <a:xfrm>
-            <a:off x="4560804" y="3703159"/>
-            <a:ext cx="1682979" cy="400110"/>
+            <a:off x="1368241" y="1453848"/>
+            <a:ext cx="504894" cy="184666"/>
           </a:xfrm>
           <a:prstGeom prst="rect">
             <a:avLst/>
@@ -3757,10 +3381,10 @@
           <a:lstStyle/>
           <a:p>
             <a:r>
-              <a:rPr lang="en-US" sz="2000" dirty="0"/>
+              <a:rPr lang="en-US" sz="600" dirty="0"/>
               <a:t>YEAR</a:t>
             </a:r>
-            <a:endParaRPr lang="en-PH" sz="2000" dirty="0"/>
+            <a:endParaRPr lang="en-PH" sz="600" dirty="0"/>
           </a:p>
         </p:txBody>
       </p:sp>
@@ -3778,8 +3402,8 @@
         </p:nvSpPr>
         <p:spPr>
           <a:xfrm>
-            <a:off x="4599708" y="4013040"/>
-            <a:ext cx="1570185" cy="369332"/>
+            <a:off x="1379913" y="1546812"/>
+            <a:ext cx="1419116" cy="172355"/>
           </a:xfrm>
           <a:prstGeom prst="rect">
             <a:avLst/>
@@ -3793,7 +3417,7 @@
           <a:lstStyle/>
           <a:p>
             <a:r>
-              <a:rPr lang="en-PH" b="1" i="1" dirty="0"/>
+              <a:rPr lang="en-PH" sz="520" b="1" i="1" dirty="0"/>
               <a:t>@course_year</a:t>
             </a:r>
           </a:p>
@@ -3813,8 +3437,8 @@
         </p:nvSpPr>
         <p:spPr>
           <a:xfrm>
-            <a:off x="659477" y="2187811"/>
-            <a:ext cx="3700800" cy="3702001"/>
+            <a:off x="197843" y="999244"/>
+            <a:ext cx="1110240" cy="1110600"/>
           </a:xfrm>
           <a:prstGeom prst="rect">
             <a:avLst/>
@@ -3847,7 +3471,7 @@
           <a:lstStyle/>
           <a:p>
             <a:pPr algn="ctr"/>
-            <a:endParaRPr lang="en-PH"/>
+            <a:endParaRPr lang="en-PH" sz="182"/>
           </a:p>
         </p:txBody>
       </p:sp>
@@ -3865,8 +3489,8 @@
         </p:nvSpPr>
         <p:spPr>
           <a:xfrm>
-            <a:off x="892559" y="2393040"/>
-            <a:ext cx="3240000" cy="3240000"/>
+            <a:off x="267768" y="1060812"/>
+            <a:ext cx="972000" cy="972000"/>
           </a:xfrm>
           <a:prstGeom prst="rect">
             <a:avLst/>
@@ -3899,7 +3523,7 @@
           <a:lstStyle/>
           <a:p>
             <a:pPr algn="ctr"/>
-            <a:endParaRPr lang="en-PH"/>
+            <a:endParaRPr lang="en-PH" sz="182"/>
           </a:p>
         </p:txBody>
       </p:sp>
@@ -3917,8 +3541,8 @@
         </p:nvSpPr>
         <p:spPr>
           <a:xfrm>
-            <a:off x="9532580" y="3729812"/>
-            <a:ext cx="2160000" cy="2160000"/>
+            <a:off x="2859774" y="1458673"/>
+            <a:ext cx="648000" cy="648000"/>
           </a:xfrm>
           <a:prstGeom prst="rect">
             <a:avLst/>
@@ -3951,7 +3575,7 @@
           <a:lstStyle/>
           <a:p>
             <a:pPr algn="ctr"/>
-            <a:endParaRPr lang="en-PH"/>
+            <a:endParaRPr lang="en-PH" sz="182"/>
           </a:p>
         </p:txBody>
       </p:sp>
@@ -3971,7 +3595,7 @@
 <file path=ppt/theme/theme1.xml><?xml version="1.0" encoding="utf-8"?>
 <a:theme xmlns:a="http://schemas.openxmlformats.org/drawingml/2006/main" name="Office Theme">
   <a:themeElements>
-    <a:clrScheme name="Office">
+    <a:clrScheme name="Office Theme">
       <a:dk1>
         <a:sysClr val="windowText" lastClr="000000"/>
       </a:dk1>
@@ -4009,7 +3633,7 @@
         <a:srgbClr val="954F72"/>
       </a:folHlink>
     </a:clrScheme>
-    <a:fontScheme name="Office">
+    <a:fontScheme name="Office Theme">
       <a:majorFont>
         <a:latin typeface="Calibri Light" panose="020F0302020204030204"/>
         <a:ea typeface=""/>
@@ -4044,23 +3668,6 @@
         <a:font script="Viet" typeface="Times New Roman"/>
         <a:font script="Uigh" typeface="Microsoft Uighur"/>
         <a:font script="Geor" typeface="Sylfaen"/>
-        <a:font script="Armn" typeface="Arial"/>
-        <a:font script="Bugi" typeface="Leelawadee UI"/>
-        <a:font script="Bopo" typeface="Microsoft JhengHei"/>
-        <a:font script="Java" typeface="Javanese Text"/>
-        <a:font script="Lisu" typeface="Segoe UI"/>
-        <a:font script="Mymr" typeface="Myanmar Text"/>
-        <a:font script="Nkoo" typeface="Ebrima"/>
-        <a:font script="Olck" typeface="Nirmala UI"/>
-        <a:font script="Osma" typeface="Ebrima"/>
-        <a:font script="Phag" typeface="Phagspa"/>
-        <a:font script="Syrn" typeface="Estrangelo Edessa"/>
-        <a:font script="Syrj" typeface="Estrangelo Edessa"/>
-        <a:font script="Syre" typeface="Estrangelo Edessa"/>
-        <a:font script="Sora" typeface="Nirmala UI"/>
-        <a:font script="Tale" typeface="Microsoft Tai Le"/>
-        <a:font script="Talu" typeface="Microsoft New Tai Lue"/>
-        <a:font script="Tfng" typeface="Ebrima"/>
       </a:majorFont>
       <a:minorFont>
         <a:latin typeface="Calibri" panose="020F0502020204030204"/>
@@ -4096,26 +3703,9 @@
         <a:font script="Viet" typeface="Arial"/>
         <a:font script="Uigh" typeface="Microsoft Uighur"/>
         <a:font script="Geor" typeface="Sylfaen"/>
-        <a:font script="Armn" typeface="Arial"/>
-        <a:font script="Bugi" typeface="Leelawadee UI"/>
-        <a:font script="Bopo" typeface="Microsoft JhengHei"/>
-        <a:font script="Java" typeface="Javanese Text"/>
-        <a:font script="Lisu" typeface="Segoe UI"/>
-        <a:font script="Mymr" typeface="Myanmar Text"/>
-        <a:font script="Nkoo" typeface="Ebrima"/>
-        <a:font script="Olck" typeface="Nirmala UI"/>
-        <a:font script="Osma" typeface="Ebrima"/>
-        <a:font script="Phag" typeface="Phagspa"/>
-        <a:font script="Syrn" typeface="Estrangelo Edessa"/>
-        <a:font script="Syrj" typeface="Estrangelo Edessa"/>
-        <a:font script="Syre" typeface="Estrangelo Edessa"/>
-        <a:font script="Sora" typeface="Nirmala UI"/>
-        <a:font script="Tale" typeface="Microsoft Tai Le"/>
-        <a:font script="Talu" typeface="Microsoft New Tai Lue"/>
-        <a:font script="Tfng" typeface="Ebrima"/>
       </a:minorFont>
     </a:fontScheme>
-    <a:fmtScheme name="Office">
+    <a:fmtScheme name="Office Theme">
       <a:fillStyleLst>
         <a:solidFill>
           <a:schemeClr val="phClr"/>
@@ -4257,7 +3847,7 @@
   <a:extraClrSchemeLst/>
   <a:extLst>
     <a:ext uri="{05A4C25C-085E-4340-85A3-A5531E510DB2}">
-      <thm15:themeFamily xmlns:thm15="http://schemas.microsoft.com/office/thememl/2012/main" name="Office Theme" id="{62F939B6-93AF-4DB8-9C6B-D6C7DFDC589F}" vid="{4A3C46E8-61CC-4603-A589-7422A47A8E4A}"/>
+      <thm15:themeFamily xmlns:thm15="http://schemas.microsoft.com/office/thememl/2012/main" name="Office 2013 - 2022 Theme" id="{62F939B6-93AF-4DB8-9C6B-D6C7DFDC589F}" vid="{4A3C46E8-61CC-4603-A589-7422A47A8E4A}"/>
     </a:ext>
   </a:extLst>
 </a:theme>

--- a/LibraryManagementSystemWF/resources/templates/LIBRARY-ID-CARD.pptx
+++ b/LibraryManagementSystemWF/resources/templates/LIBRARY-ID-CARD.pptx
@@ -2,18 +2,18 @@
 <file path=ppt/presentation.xml><?xml version="1.0" encoding="utf-8"?>
 <p:presentation xmlns:a="http://schemas.openxmlformats.org/drawingml/2006/main" xmlns:r="http://schemas.openxmlformats.org/officeDocument/2006/relationships" xmlns:p="http://schemas.openxmlformats.org/presentationml/2006/main" saveSubsetFonts="1">
   <p:sldMasterIdLst>
-    <p:sldMasterId id="2147483660" r:id="rId1"/>
+    <p:sldMasterId id="2147483648" r:id="rId1"/>
   </p:sldMasterIdLst>
   <p:sldIdLst>
     <p:sldId id="256" r:id="rId2"/>
   </p:sldIdLst>
-  <p:sldSz cx="3657600" cy="2743200"/>
+  <p:sldSz cx="12192000" cy="6858000"/>
   <p:notesSz cx="6858000" cy="9144000"/>
   <p:defaultTextStyle>
     <a:defPPr>
       <a:defRPr lang="en-US"/>
     </a:defPPr>
-    <a:lvl1pPr marL="0" algn="l" defTabSz="457200" rtl="0" eaLnBrk="1" latinLnBrk="0" hangingPunct="1">
+    <a:lvl1pPr marL="0" algn="l" defTabSz="914400" rtl="0" eaLnBrk="1" latinLnBrk="0" hangingPunct="1">
       <a:defRPr sz="1800" kern="1200">
         <a:solidFill>
           <a:schemeClr val="tx1"/>
@@ -23,7 +23,7 @@
         <a:cs typeface="+mn-cs"/>
       </a:defRPr>
     </a:lvl1pPr>
-    <a:lvl2pPr marL="457200" algn="l" defTabSz="457200" rtl="0" eaLnBrk="1" latinLnBrk="0" hangingPunct="1">
+    <a:lvl2pPr marL="457200" algn="l" defTabSz="914400" rtl="0" eaLnBrk="1" latinLnBrk="0" hangingPunct="1">
       <a:defRPr sz="1800" kern="1200">
         <a:solidFill>
           <a:schemeClr val="tx1"/>
@@ -33,7 +33,7 @@
         <a:cs typeface="+mn-cs"/>
       </a:defRPr>
     </a:lvl2pPr>
-    <a:lvl3pPr marL="914400" algn="l" defTabSz="457200" rtl="0" eaLnBrk="1" latinLnBrk="0" hangingPunct="1">
+    <a:lvl3pPr marL="914400" algn="l" defTabSz="914400" rtl="0" eaLnBrk="1" latinLnBrk="0" hangingPunct="1">
       <a:defRPr sz="1800" kern="1200">
         <a:solidFill>
           <a:schemeClr val="tx1"/>
@@ -43,7 +43,7 @@
         <a:cs typeface="+mn-cs"/>
       </a:defRPr>
     </a:lvl3pPr>
-    <a:lvl4pPr marL="1371600" algn="l" defTabSz="457200" rtl="0" eaLnBrk="1" latinLnBrk="0" hangingPunct="1">
+    <a:lvl4pPr marL="1371600" algn="l" defTabSz="914400" rtl="0" eaLnBrk="1" latinLnBrk="0" hangingPunct="1">
       <a:defRPr sz="1800" kern="1200">
         <a:solidFill>
           <a:schemeClr val="tx1"/>
@@ -53,7 +53,7 @@
         <a:cs typeface="+mn-cs"/>
       </a:defRPr>
     </a:lvl4pPr>
-    <a:lvl5pPr marL="1828800" algn="l" defTabSz="457200" rtl="0" eaLnBrk="1" latinLnBrk="0" hangingPunct="1">
+    <a:lvl5pPr marL="1828800" algn="l" defTabSz="914400" rtl="0" eaLnBrk="1" latinLnBrk="0" hangingPunct="1">
       <a:defRPr sz="1800" kern="1200">
         <a:solidFill>
           <a:schemeClr val="tx1"/>
@@ -63,7 +63,7 @@
         <a:cs typeface="+mn-cs"/>
       </a:defRPr>
     </a:lvl5pPr>
-    <a:lvl6pPr marL="2286000" algn="l" defTabSz="457200" rtl="0" eaLnBrk="1" latinLnBrk="0" hangingPunct="1">
+    <a:lvl6pPr marL="2286000" algn="l" defTabSz="914400" rtl="0" eaLnBrk="1" latinLnBrk="0" hangingPunct="1">
       <a:defRPr sz="1800" kern="1200">
         <a:solidFill>
           <a:schemeClr val="tx1"/>
@@ -73,7 +73,7 @@
         <a:cs typeface="+mn-cs"/>
       </a:defRPr>
     </a:lvl6pPr>
-    <a:lvl7pPr marL="2743200" algn="l" defTabSz="457200" rtl="0" eaLnBrk="1" latinLnBrk="0" hangingPunct="1">
+    <a:lvl7pPr marL="2743200" algn="l" defTabSz="914400" rtl="0" eaLnBrk="1" latinLnBrk="0" hangingPunct="1">
       <a:defRPr sz="1800" kern="1200">
         <a:solidFill>
           <a:schemeClr val="tx1"/>
@@ -83,7 +83,7 @@
         <a:cs typeface="+mn-cs"/>
       </a:defRPr>
     </a:lvl7pPr>
-    <a:lvl8pPr marL="3200400" algn="l" defTabSz="457200" rtl="0" eaLnBrk="1" latinLnBrk="0" hangingPunct="1">
+    <a:lvl8pPr marL="3200400" algn="l" defTabSz="914400" rtl="0" eaLnBrk="1" latinLnBrk="0" hangingPunct="1">
       <a:defRPr sz="1800" kern="1200">
         <a:solidFill>
           <a:schemeClr val="tx1"/>
@@ -93,7 +93,7 @@
         <a:cs typeface="+mn-cs"/>
       </a:defRPr>
     </a:lvl8pPr>
-    <a:lvl9pPr marL="3657600" algn="l" defTabSz="457200" rtl="0" eaLnBrk="1" latinLnBrk="0" hangingPunct="1">
+    <a:lvl9pPr marL="3657600" algn="l" defTabSz="914400" rtl="0" eaLnBrk="1" latinLnBrk="0" hangingPunct="1">
       <a:defRPr sz="1800" kern="1200">
         <a:solidFill>
           <a:schemeClr val="tx1"/>
@@ -131,7 +131,13 @@
       </p:grpSpPr>
       <p:sp>
         <p:nvSpPr>
-          <p:cNvPr id="2" name="Title 1"/>
+          <p:cNvPr id="2" name="Title 1">
+            <a:extLst>
+              <a:ext uri="{FF2B5EF4-FFF2-40B4-BE49-F238E27FC236}">
+                <a16:creationId xmlns:a16="http://schemas.microsoft.com/office/drawing/2014/main" id="{85DD3243-2E92-68FA-674D-23C02A5314C5}"/>
+              </a:ext>
+            </a:extLst>
+          </p:cNvPr>
           <p:cNvSpPr>
             <a:spLocks noGrp="1"/>
           </p:cNvSpPr>
@@ -141,80 +147,86 @@
         </p:nvSpPr>
         <p:spPr>
           <a:xfrm>
-            <a:off x="274320" y="448945"/>
-            <a:ext cx="3108960" cy="955040"/>
+            <a:off x="1524000" y="1122363"/>
+            <a:ext cx="9144000" cy="2387600"/>
           </a:xfrm>
         </p:spPr>
         <p:txBody>
           <a:bodyPr anchor="b"/>
           <a:lstStyle>
             <a:lvl1pPr algn="ctr">
+              <a:defRPr sz="6000"/>
+            </a:lvl1pPr>
+          </a:lstStyle>
+          <a:p>
+            <a:r>
+              <a:rPr lang="en-US"/>
+              <a:t>Click to edit Master title style</a:t>
+            </a:r>
+            <a:endParaRPr lang="en-PH"/>
+          </a:p>
+        </p:txBody>
+      </p:sp>
+      <p:sp>
+        <p:nvSpPr>
+          <p:cNvPr id="3" name="Subtitle 2">
+            <a:extLst>
+              <a:ext uri="{FF2B5EF4-FFF2-40B4-BE49-F238E27FC236}">
+                <a16:creationId xmlns:a16="http://schemas.microsoft.com/office/drawing/2014/main" id="{ABE4FB3F-EAD6-5FCA-5E07-4169B79562AA}"/>
+              </a:ext>
+            </a:extLst>
+          </p:cNvPr>
+          <p:cNvSpPr>
+            <a:spLocks noGrp="1"/>
+          </p:cNvSpPr>
+          <p:nvPr>
+            <p:ph type="subTitle" idx="1"/>
+          </p:nvPr>
+        </p:nvSpPr>
+        <p:spPr>
+          <a:xfrm>
+            <a:off x="1524000" y="3602038"/>
+            <a:ext cx="9144000" cy="1655762"/>
+          </a:xfrm>
+        </p:spPr>
+        <p:txBody>
+          <a:bodyPr/>
+          <a:lstStyle>
+            <a:lvl1pPr marL="0" indent="0" algn="ctr">
+              <a:buNone/>
               <a:defRPr sz="2400"/>
             </a:lvl1pPr>
-          </a:lstStyle>
-          <a:p>
-            <a:r>
-              <a:rPr lang="en-US"/>
-              <a:t>Click to edit Master title style</a:t>
-            </a:r>
-            <a:endParaRPr lang="en-US" dirty="0"/>
-          </a:p>
-        </p:txBody>
-      </p:sp>
-      <p:sp>
-        <p:nvSpPr>
-          <p:cNvPr id="3" name="Subtitle 2"/>
-          <p:cNvSpPr>
-            <a:spLocks noGrp="1"/>
-          </p:cNvSpPr>
-          <p:nvPr>
-            <p:ph type="subTitle" idx="1"/>
-          </p:nvPr>
-        </p:nvSpPr>
-        <p:spPr>
-          <a:xfrm>
-            <a:off x="457200" y="1440815"/>
-            <a:ext cx="2743200" cy="662305"/>
-          </a:xfrm>
-        </p:spPr>
-        <p:txBody>
-          <a:bodyPr/>
-          <a:lstStyle>
-            <a:lvl1pPr marL="0" indent="0" algn="ctr">
-              <a:buNone/>
-              <a:defRPr sz="960"/>
-            </a:lvl1pPr>
-            <a:lvl2pPr marL="182880" indent="0" algn="ctr">
-              <a:buNone/>
-              <a:defRPr sz="800"/>
+            <a:lvl2pPr marL="457200" indent="0" algn="ctr">
+              <a:buNone/>
+              <a:defRPr sz="2000"/>
             </a:lvl2pPr>
-            <a:lvl3pPr marL="365760" indent="0" algn="ctr">
-              <a:buNone/>
-              <a:defRPr sz="720"/>
+            <a:lvl3pPr marL="914400" indent="0" algn="ctr">
+              <a:buNone/>
+              <a:defRPr sz="1800"/>
             </a:lvl3pPr>
-            <a:lvl4pPr marL="548640" indent="0" algn="ctr">
-              <a:buNone/>
-              <a:defRPr sz="640"/>
+            <a:lvl4pPr marL="1371600" indent="0" algn="ctr">
+              <a:buNone/>
+              <a:defRPr sz="1600"/>
             </a:lvl4pPr>
-            <a:lvl5pPr marL="731520" indent="0" algn="ctr">
-              <a:buNone/>
-              <a:defRPr sz="640"/>
+            <a:lvl5pPr marL="1828800" indent="0" algn="ctr">
+              <a:buNone/>
+              <a:defRPr sz="1600"/>
             </a:lvl5pPr>
-            <a:lvl6pPr marL="914400" indent="0" algn="ctr">
-              <a:buNone/>
-              <a:defRPr sz="640"/>
+            <a:lvl6pPr marL="2286000" indent="0" algn="ctr">
+              <a:buNone/>
+              <a:defRPr sz="1600"/>
             </a:lvl6pPr>
-            <a:lvl7pPr marL="1097280" indent="0" algn="ctr">
-              <a:buNone/>
-              <a:defRPr sz="640"/>
+            <a:lvl7pPr marL="2743200" indent="0" algn="ctr">
+              <a:buNone/>
+              <a:defRPr sz="1600"/>
             </a:lvl7pPr>
-            <a:lvl8pPr marL="1280160" indent="0" algn="ctr">
-              <a:buNone/>
-              <a:defRPr sz="640"/>
+            <a:lvl8pPr marL="3200400" indent="0" algn="ctr">
+              <a:buNone/>
+              <a:defRPr sz="1600"/>
             </a:lvl8pPr>
-            <a:lvl9pPr marL="1463040" indent="0" algn="ctr">
-              <a:buNone/>
-              <a:defRPr sz="640"/>
+            <a:lvl9pPr marL="3657600" indent="0" algn="ctr">
+              <a:buNone/>
+              <a:defRPr sz="1600"/>
             </a:lvl9pPr>
           </a:lstStyle>
           <a:p>
@@ -222,13 +234,19 @@
               <a:rPr lang="en-US"/>
               <a:t>Click to edit Master subtitle style</a:t>
             </a:r>
-            <a:endParaRPr lang="en-US" dirty="0"/>
-          </a:p>
-        </p:txBody>
-      </p:sp>
-      <p:sp>
-        <p:nvSpPr>
-          <p:cNvPr id="4" name="Date Placeholder 3"/>
+            <a:endParaRPr lang="en-PH"/>
+          </a:p>
+        </p:txBody>
+      </p:sp>
+      <p:sp>
+        <p:nvSpPr>
+          <p:cNvPr id="4" name="Date Placeholder 3">
+            <a:extLst>
+              <a:ext uri="{FF2B5EF4-FFF2-40B4-BE49-F238E27FC236}">
+                <a16:creationId xmlns:a16="http://schemas.microsoft.com/office/drawing/2014/main" id="{52A141C7-15A2-975D-2FC6-E79907127590}"/>
+              </a:ext>
+            </a:extLst>
+          </p:cNvPr>
           <p:cNvSpPr>
             <a:spLocks noGrp="1"/>
           </p:cNvSpPr>
@@ -251,7 +269,13 @@
       </p:sp>
       <p:sp>
         <p:nvSpPr>
-          <p:cNvPr id="5" name="Footer Placeholder 4"/>
+          <p:cNvPr id="5" name="Footer Placeholder 4">
+            <a:extLst>
+              <a:ext uri="{FF2B5EF4-FFF2-40B4-BE49-F238E27FC236}">
+                <a16:creationId xmlns:a16="http://schemas.microsoft.com/office/drawing/2014/main" id="{B21C6149-BF32-7DFC-66DE-67F8EBA8C659}"/>
+              </a:ext>
+            </a:extLst>
+          </p:cNvPr>
           <p:cNvSpPr>
             <a:spLocks noGrp="1"/>
           </p:cNvSpPr>
@@ -270,7 +294,13 @@
       </p:sp>
       <p:sp>
         <p:nvSpPr>
-          <p:cNvPr id="6" name="Slide Number Placeholder 5"/>
+          <p:cNvPr id="6" name="Slide Number Placeholder 5">
+            <a:extLst>
+              <a:ext uri="{FF2B5EF4-FFF2-40B4-BE49-F238E27FC236}">
+                <a16:creationId xmlns:a16="http://schemas.microsoft.com/office/drawing/2014/main" id="{592C7968-7EF4-EC71-5E5C-2B64ABAC025C}"/>
+              </a:ext>
+            </a:extLst>
+          </p:cNvPr>
           <p:cNvSpPr>
             <a:spLocks noGrp="1"/>
           </p:cNvSpPr>
@@ -294,7 +324,7 @@
     </p:spTree>
     <p:extLst>
       <p:ext uri="{BB962C8B-B14F-4D97-AF65-F5344CB8AC3E}">
-        <p14:creationId xmlns:p14="http://schemas.microsoft.com/office/powerpoint/2010/main" val="2225315734"/>
+        <p14:creationId xmlns:p14="http://schemas.microsoft.com/office/powerpoint/2010/main" val="2739772938"/>
       </p:ext>
     </p:extLst>
   </p:cSld>
@@ -323,7 +353,13 @@
       </p:grpSpPr>
       <p:sp>
         <p:nvSpPr>
-          <p:cNvPr id="2" name="Title 1"/>
+          <p:cNvPr id="2" name="Title 1">
+            <a:extLst>
+              <a:ext uri="{FF2B5EF4-FFF2-40B4-BE49-F238E27FC236}">
+                <a16:creationId xmlns:a16="http://schemas.microsoft.com/office/drawing/2014/main" id="{0824ABE5-E937-60A6-2A70-1C48AADFF06B}"/>
+              </a:ext>
+            </a:extLst>
+          </p:cNvPr>
           <p:cNvSpPr>
             <a:spLocks noGrp="1"/>
           </p:cNvSpPr>
@@ -340,13 +376,19 @@
               <a:rPr lang="en-US"/>
               <a:t>Click to edit Master title style</a:t>
             </a:r>
-            <a:endParaRPr lang="en-US" dirty="0"/>
-          </a:p>
-        </p:txBody>
-      </p:sp>
-      <p:sp>
-        <p:nvSpPr>
-          <p:cNvPr id="3" name="Vertical Text Placeholder 2"/>
+            <a:endParaRPr lang="en-PH"/>
+          </a:p>
+        </p:txBody>
+      </p:sp>
+      <p:sp>
+        <p:nvSpPr>
+          <p:cNvPr id="3" name="Vertical Text Placeholder 2">
+            <a:extLst>
+              <a:ext uri="{FF2B5EF4-FFF2-40B4-BE49-F238E27FC236}">
+                <a16:creationId xmlns:a16="http://schemas.microsoft.com/office/drawing/2014/main" id="{AF121580-9482-8A42-3093-1A6A433918BE}"/>
+              </a:ext>
+            </a:extLst>
+          </p:cNvPr>
           <p:cNvSpPr>
             <a:spLocks noGrp="1"/>
           </p:cNvSpPr>
@@ -392,13 +434,19 @@
               <a:rPr lang="en-US"/>
               <a:t>Fifth level</a:t>
             </a:r>
-            <a:endParaRPr lang="en-US" dirty="0"/>
-          </a:p>
-        </p:txBody>
-      </p:sp>
-      <p:sp>
-        <p:nvSpPr>
-          <p:cNvPr id="4" name="Date Placeholder 3"/>
+            <a:endParaRPr lang="en-PH"/>
+          </a:p>
+        </p:txBody>
+      </p:sp>
+      <p:sp>
+        <p:nvSpPr>
+          <p:cNvPr id="4" name="Date Placeholder 3">
+            <a:extLst>
+              <a:ext uri="{FF2B5EF4-FFF2-40B4-BE49-F238E27FC236}">
+                <a16:creationId xmlns:a16="http://schemas.microsoft.com/office/drawing/2014/main" id="{68B915ED-8336-08DD-D1BE-AE15D2DEAD20}"/>
+              </a:ext>
+            </a:extLst>
+          </p:cNvPr>
           <p:cNvSpPr>
             <a:spLocks noGrp="1"/>
           </p:cNvSpPr>
@@ -421,7 +469,13 @@
       </p:sp>
       <p:sp>
         <p:nvSpPr>
-          <p:cNvPr id="5" name="Footer Placeholder 4"/>
+          <p:cNvPr id="5" name="Footer Placeholder 4">
+            <a:extLst>
+              <a:ext uri="{FF2B5EF4-FFF2-40B4-BE49-F238E27FC236}">
+                <a16:creationId xmlns:a16="http://schemas.microsoft.com/office/drawing/2014/main" id="{8FB973BE-AFBA-4C78-BE0C-DA78F99F565C}"/>
+              </a:ext>
+            </a:extLst>
+          </p:cNvPr>
           <p:cNvSpPr>
             <a:spLocks noGrp="1"/>
           </p:cNvSpPr>
@@ -440,7 +494,13 @@
       </p:sp>
       <p:sp>
         <p:nvSpPr>
-          <p:cNvPr id="6" name="Slide Number Placeholder 5"/>
+          <p:cNvPr id="6" name="Slide Number Placeholder 5">
+            <a:extLst>
+              <a:ext uri="{FF2B5EF4-FFF2-40B4-BE49-F238E27FC236}">
+                <a16:creationId xmlns:a16="http://schemas.microsoft.com/office/drawing/2014/main" id="{4D4241C4-D4C2-03D8-1380-485CBEEEE90B}"/>
+              </a:ext>
+            </a:extLst>
+          </p:cNvPr>
           <p:cNvSpPr>
             <a:spLocks noGrp="1"/>
           </p:cNvSpPr>
@@ -464,7 +524,7 @@
     </p:spTree>
     <p:extLst>
       <p:ext uri="{BB962C8B-B14F-4D97-AF65-F5344CB8AC3E}">
-        <p14:creationId xmlns:p14="http://schemas.microsoft.com/office/powerpoint/2010/main" val="4159724834"/>
+        <p14:creationId xmlns:p14="http://schemas.microsoft.com/office/powerpoint/2010/main" val="3906502846"/>
       </p:ext>
     </p:extLst>
   </p:cSld>
@@ -493,7 +553,13 @@
       </p:grpSpPr>
       <p:sp>
         <p:nvSpPr>
-          <p:cNvPr id="2" name="Vertical Title 1"/>
+          <p:cNvPr id="2" name="Vertical Title 1">
+            <a:extLst>
+              <a:ext uri="{FF2B5EF4-FFF2-40B4-BE49-F238E27FC236}">
+                <a16:creationId xmlns:a16="http://schemas.microsoft.com/office/drawing/2014/main" id="{34D00F3F-0F40-99A3-FCC9-778B982B0BE2}"/>
+              </a:ext>
+            </a:extLst>
+          </p:cNvPr>
           <p:cNvSpPr>
             <a:spLocks noGrp="1"/>
           </p:cNvSpPr>
@@ -503,8 +569,8 @@
         </p:nvSpPr>
         <p:spPr>
           <a:xfrm>
-            <a:off x="2617470" y="146050"/>
-            <a:ext cx="788670" cy="2324735"/>
+            <a:off x="8724900" y="365125"/>
+            <a:ext cx="2628900" cy="5811838"/>
           </a:xfrm>
         </p:spPr>
         <p:txBody>
@@ -515,13 +581,19 @@
               <a:rPr lang="en-US"/>
               <a:t>Click to edit Master title style</a:t>
             </a:r>
-            <a:endParaRPr lang="en-US" dirty="0"/>
-          </a:p>
-        </p:txBody>
-      </p:sp>
-      <p:sp>
-        <p:nvSpPr>
-          <p:cNvPr id="3" name="Vertical Text Placeholder 2"/>
+            <a:endParaRPr lang="en-PH"/>
+          </a:p>
+        </p:txBody>
+      </p:sp>
+      <p:sp>
+        <p:nvSpPr>
+          <p:cNvPr id="3" name="Vertical Text Placeholder 2">
+            <a:extLst>
+              <a:ext uri="{FF2B5EF4-FFF2-40B4-BE49-F238E27FC236}">
+                <a16:creationId xmlns:a16="http://schemas.microsoft.com/office/drawing/2014/main" id="{D8ADB827-E25F-BB45-290B-1AE68CEE0F66}"/>
+              </a:ext>
+            </a:extLst>
+          </p:cNvPr>
           <p:cNvSpPr>
             <a:spLocks noGrp="1"/>
           </p:cNvSpPr>
@@ -531,8 +603,8 @@
         </p:nvSpPr>
         <p:spPr>
           <a:xfrm>
-            <a:off x="251460" y="146050"/>
-            <a:ext cx="2320290" cy="2324735"/>
+            <a:off x="838200" y="365125"/>
+            <a:ext cx="7734300" cy="5811838"/>
           </a:xfrm>
         </p:spPr>
         <p:txBody>
@@ -572,13 +644,19 @@
               <a:rPr lang="en-US"/>
               <a:t>Fifth level</a:t>
             </a:r>
-            <a:endParaRPr lang="en-US" dirty="0"/>
-          </a:p>
-        </p:txBody>
-      </p:sp>
-      <p:sp>
-        <p:nvSpPr>
-          <p:cNvPr id="4" name="Date Placeholder 3"/>
+            <a:endParaRPr lang="en-PH"/>
+          </a:p>
+        </p:txBody>
+      </p:sp>
+      <p:sp>
+        <p:nvSpPr>
+          <p:cNvPr id="4" name="Date Placeholder 3">
+            <a:extLst>
+              <a:ext uri="{FF2B5EF4-FFF2-40B4-BE49-F238E27FC236}">
+                <a16:creationId xmlns:a16="http://schemas.microsoft.com/office/drawing/2014/main" id="{CC773EC2-57A0-98C8-91A1-E42C27A4DA46}"/>
+              </a:ext>
+            </a:extLst>
+          </p:cNvPr>
           <p:cNvSpPr>
             <a:spLocks noGrp="1"/>
           </p:cNvSpPr>
@@ -601,7 +679,13 @@
       </p:sp>
       <p:sp>
         <p:nvSpPr>
-          <p:cNvPr id="5" name="Footer Placeholder 4"/>
+          <p:cNvPr id="5" name="Footer Placeholder 4">
+            <a:extLst>
+              <a:ext uri="{FF2B5EF4-FFF2-40B4-BE49-F238E27FC236}">
+                <a16:creationId xmlns:a16="http://schemas.microsoft.com/office/drawing/2014/main" id="{CCB0B637-8916-89DE-D00B-D66101258256}"/>
+              </a:ext>
+            </a:extLst>
+          </p:cNvPr>
           <p:cNvSpPr>
             <a:spLocks noGrp="1"/>
           </p:cNvSpPr>
@@ -620,7 +704,13 @@
       </p:sp>
       <p:sp>
         <p:nvSpPr>
-          <p:cNvPr id="6" name="Slide Number Placeholder 5"/>
+          <p:cNvPr id="6" name="Slide Number Placeholder 5">
+            <a:extLst>
+              <a:ext uri="{FF2B5EF4-FFF2-40B4-BE49-F238E27FC236}">
+                <a16:creationId xmlns:a16="http://schemas.microsoft.com/office/drawing/2014/main" id="{6E423EB1-34BA-CA62-D383-76364D368E9A}"/>
+              </a:ext>
+            </a:extLst>
+          </p:cNvPr>
           <p:cNvSpPr>
             <a:spLocks noGrp="1"/>
           </p:cNvSpPr>
@@ -644,7 +734,7 @@
     </p:spTree>
     <p:extLst>
       <p:ext uri="{BB962C8B-B14F-4D97-AF65-F5344CB8AC3E}">
-        <p14:creationId xmlns:p14="http://schemas.microsoft.com/office/powerpoint/2010/main" val="3482796867"/>
+        <p14:creationId xmlns:p14="http://schemas.microsoft.com/office/powerpoint/2010/main" val="596129102"/>
       </p:ext>
     </p:extLst>
   </p:cSld>
@@ -673,7 +763,13 @@
       </p:grpSpPr>
       <p:sp>
         <p:nvSpPr>
-          <p:cNvPr id="2" name="Title 1"/>
+          <p:cNvPr id="2" name="Title 1">
+            <a:extLst>
+              <a:ext uri="{FF2B5EF4-FFF2-40B4-BE49-F238E27FC236}">
+                <a16:creationId xmlns:a16="http://schemas.microsoft.com/office/drawing/2014/main" id="{1A647031-999E-6AA4-A7A1-A74BD082F0F4}"/>
+              </a:ext>
+            </a:extLst>
+          </p:cNvPr>
           <p:cNvSpPr>
             <a:spLocks noGrp="1"/>
           </p:cNvSpPr>
@@ -690,13 +786,19 @@
               <a:rPr lang="en-US"/>
               <a:t>Click to edit Master title style</a:t>
             </a:r>
-            <a:endParaRPr lang="en-US" dirty="0"/>
-          </a:p>
-        </p:txBody>
-      </p:sp>
-      <p:sp>
-        <p:nvSpPr>
-          <p:cNvPr id="3" name="Content Placeholder 2"/>
+            <a:endParaRPr lang="en-PH"/>
+          </a:p>
+        </p:txBody>
+      </p:sp>
+      <p:sp>
+        <p:nvSpPr>
+          <p:cNvPr id="3" name="Content Placeholder 2">
+            <a:extLst>
+              <a:ext uri="{FF2B5EF4-FFF2-40B4-BE49-F238E27FC236}">
+                <a16:creationId xmlns:a16="http://schemas.microsoft.com/office/drawing/2014/main" id="{9A07928C-0E7B-661E-3565-B38E6BB966B5}"/>
+              </a:ext>
+            </a:extLst>
+          </p:cNvPr>
           <p:cNvSpPr>
             <a:spLocks noGrp="1"/>
           </p:cNvSpPr>
@@ -742,13 +844,19 @@
               <a:rPr lang="en-US"/>
               <a:t>Fifth level</a:t>
             </a:r>
-            <a:endParaRPr lang="en-US" dirty="0"/>
-          </a:p>
-        </p:txBody>
-      </p:sp>
-      <p:sp>
-        <p:nvSpPr>
-          <p:cNvPr id="4" name="Date Placeholder 3"/>
+            <a:endParaRPr lang="en-PH"/>
+          </a:p>
+        </p:txBody>
+      </p:sp>
+      <p:sp>
+        <p:nvSpPr>
+          <p:cNvPr id="4" name="Date Placeholder 3">
+            <a:extLst>
+              <a:ext uri="{FF2B5EF4-FFF2-40B4-BE49-F238E27FC236}">
+                <a16:creationId xmlns:a16="http://schemas.microsoft.com/office/drawing/2014/main" id="{6BE9E123-6153-5AB5-98D8-D82041D285DC}"/>
+              </a:ext>
+            </a:extLst>
+          </p:cNvPr>
           <p:cNvSpPr>
             <a:spLocks noGrp="1"/>
           </p:cNvSpPr>
@@ -771,7 +879,13 @@
       </p:sp>
       <p:sp>
         <p:nvSpPr>
-          <p:cNvPr id="5" name="Footer Placeholder 4"/>
+          <p:cNvPr id="5" name="Footer Placeholder 4">
+            <a:extLst>
+              <a:ext uri="{FF2B5EF4-FFF2-40B4-BE49-F238E27FC236}">
+                <a16:creationId xmlns:a16="http://schemas.microsoft.com/office/drawing/2014/main" id="{055C211F-4F3F-68B5-F230-CBD71B3D3E89}"/>
+              </a:ext>
+            </a:extLst>
+          </p:cNvPr>
           <p:cNvSpPr>
             <a:spLocks noGrp="1"/>
           </p:cNvSpPr>
@@ -790,7 +904,13 @@
       </p:sp>
       <p:sp>
         <p:nvSpPr>
-          <p:cNvPr id="6" name="Slide Number Placeholder 5"/>
+          <p:cNvPr id="6" name="Slide Number Placeholder 5">
+            <a:extLst>
+              <a:ext uri="{FF2B5EF4-FFF2-40B4-BE49-F238E27FC236}">
+                <a16:creationId xmlns:a16="http://schemas.microsoft.com/office/drawing/2014/main" id="{1517A223-8C0C-D22D-DC13-407217BB4C10}"/>
+              </a:ext>
+            </a:extLst>
+          </p:cNvPr>
           <p:cNvSpPr>
             <a:spLocks noGrp="1"/>
           </p:cNvSpPr>
@@ -814,7 +934,7 @@
     </p:spTree>
     <p:extLst>
       <p:ext uri="{BB962C8B-B14F-4D97-AF65-F5344CB8AC3E}">
-        <p14:creationId xmlns:p14="http://schemas.microsoft.com/office/powerpoint/2010/main" val="4256673317"/>
+        <p14:creationId xmlns:p14="http://schemas.microsoft.com/office/powerpoint/2010/main" val="505122033"/>
       </p:ext>
     </p:extLst>
   </p:cSld>
@@ -843,7 +963,13 @@
       </p:grpSpPr>
       <p:sp>
         <p:nvSpPr>
-          <p:cNvPr id="2" name="Title 1"/>
+          <p:cNvPr id="2" name="Title 1">
+            <a:extLst>
+              <a:ext uri="{FF2B5EF4-FFF2-40B4-BE49-F238E27FC236}">
+                <a16:creationId xmlns:a16="http://schemas.microsoft.com/office/drawing/2014/main" id="{C1F77329-EBBB-054A-7CA8-E02C3EDA716B}"/>
+              </a:ext>
+            </a:extLst>
+          </p:cNvPr>
           <p:cNvSpPr>
             <a:spLocks noGrp="1"/>
           </p:cNvSpPr>
@@ -853,15 +979,15 @@
         </p:nvSpPr>
         <p:spPr>
           <a:xfrm>
-            <a:off x="249555" y="683896"/>
-            <a:ext cx="3154680" cy="1141095"/>
+            <a:off x="831850" y="1709738"/>
+            <a:ext cx="10515600" cy="2852737"/>
           </a:xfrm>
         </p:spPr>
         <p:txBody>
           <a:bodyPr anchor="b"/>
           <a:lstStyle>
             <a:lvl1pPr>
-              <a:defRPr sz="2400"/>
+              <a:defRPr sz="6000"/>
             </a:lvl1pPr>
           </a:lstStyle>
           <a:p>
@@ -869,13 +995,19 @@
               <a:rPr lang="en-US"/>
               <a:t>Click to edit Master title style</a:t>
             </a:r>
-            <a:endParaRPr lang="en-US" dirty="0"/>
-          </a:p>
-        </p:txBody>
-      </p:sp>
-      <p:sp>
-        <p:nvSpPr>
-          <p:cNvPr id="3" name="Text Placeholder 2"/>
+            <a:endParaRPr lang="en-PH"/>
+          </a:p>
+        </p:txBody>
+      </p:sp>
+      <p:sp>
+        <p:nvSpPr>
+          <p:cNvPr id="3" name="Text Placeholder 2">
+            <a:extLst>
+              <a:ext uri="{FF2B5EF4-FFF2-40B4-BE49-F238E27FC236}">
+                <a16:creationId xmlns:a16="http://schemas.microsoft.com/office/drawing/2014/main" id="{1986463A-7391-E24F-8F41-B5A2A9C9C448}"/>
+              </a:ext>
+            </a:extLst>
+          </p:cNvPr>
           <p:cNvSpPr>
             <a:spLocks noGrp="1"/>
           </p:cNvSpPr>
@@ -885,8 +1017,8 @@
         </p:nvSpPr>
         <p:spPr>
           <a:xfrm>
-            <a:off x="249555" y="1835786"/>
-            <a:ext cx="3154680" cy="600075"/>
+            <a:off x="831850" y="4589463"/>
+            <a:ext cx="10515600" cy="1500187"/>
           </a:xfrm>
         </p:spPr>
         <p:txBody>
@@ -894,15 +1026,17 @@
           <a:lstStyle>
             <a:lvl1pPr marL="0" indent="0">
               <a:buNone/>
-              <a:defRPr sz="960">
+              <a:defRPr sz="2400">
                 <a:solidFill>
-                  <a:schemeClr val="tx1"/>
+                  <a:schemeClr val="tx1">
+                    <a:tint val="75000"/>
+                  </a:schemeClr>
                 </a:solidFill>
               </a:defRPr>
             </a:lvl1pPr>
-            <a:lvl2pPr marL="182880" indent="0">
-              <a:buNone/>
-              <a:defRPr sz="800">
+            <a:lvl2pPr marL="457200" indent="0">
+              <a:buNone/>
+              <a:defRPr sz="2000">
                 <a:solidFill>
                   <a:schemeClr val="tx1">
                     <a:tint val="75000"/>
@@ -910,9 +1044,9 @@
                 </a:solidFill>
               </a:defRPr>
             </a:lvl2pPr>
-            <a:lvl3pPr marL="365760" indent="0">
-              <a:buNone/>
-              <a:defRPr sz="720">
+            <a:lvl3pPr marL="914400" indent="0">
+              <a:buNone/>
+              <a:defRPr sz="1800">
                 <a:solidFill>
                   <a:schemeClr val="tx1">
                     <a:tint val="75000"/>
@@ -920,9 +1054,9 @@
                 </a:solidFill>
               </a:defRPr>
             </a:lvl3pPr>
-            <a:lvl4pPr marL="548640" indent="0">
-              <a:buNone/>
-              <a:defRPr sz="640">
+            <a:lvl4pPr marL="1371600" indent="0">
+              <a:buNone/>
+              <a:defRPr sz="1600">
                 <a:solidFill>
                   <a:schemeClr val="tx1">
                     <a:tint val="75000"/>
@@ -930,9 +1064,9 @@
                 </a:solidFill>
               </a:defRPr>
             </a:lvl4pPr>
-            <a:lvl5pPr marL="731520" indent="0">
-              <a:buNone/>
-              <a:defRPr sz="640">
+            <a:lvl5pPr marL="1828800" indent="0">
+              <a:buNone/>
+              <a:defRPr sz="1600">
                 <a:solidFill>
                   <a:schemeClr val="tx1">
                     <a:tint val="75000"/>
@@ -940,9 +1074,9 @@
                 </a:solidFill>
               </a:defRPr>
             </a:lvl5pPr>
-            <a:lvl6pPr marL="914400" indent="0">
-              <a:buNone/>
-              <a:defRPr sz="640">
+            <a:lvl6pPr marL="2286000" indent="0">
+              <a:buNone/>
+              <a:defRPr sz="1600">
                 <a:solidFill>
                   <a:schemeClr val="tx1">
                     <a:tint val="75000"/>
@@ -950,9 +1084,9 @@
                 </a:solidFill>
               </a:defRPr>
             </a:lvl6pPr>
-            <a:lvl7pPr marL="1097280" indent="0">
-              <a:buNone/>
-              <a:defRPr sz="640">
+            <a:lvl7pPr marL="2743200" indent="0">
+              <a:buNone/>
+              <a:defRPr sz="1600">
                 <a:solidFill>
                   <a:schemeClr val="tx1">
                     <a:tint val="75000"/>
@@ -960,9 +1094,9 @@
                 </a:solidFill>
               </a:defRPr>
             </a:lvl7pPr>
-            <a:lvl8pPr marL="1280160" indent="0">
-              <a:buNone/>
-              <a:defRPr sz="640">
+            <a:lvl8pPr marL="3200400" indent="0">
+              <a:buNone/>
+              <a:defRPr sz="1600">
                 <a:solidFill>
                   <a:schemeClr val="tx1">
                     <a:tint val="75000"/>
@@ -970,9 +1104,9 @@
                 </a:solidFill>
               </a:defRPr>
             </a:lvl8pPr>
-            <a:lvl9pPr marL="1463040" indent="0">
-              <a:buNone/>
-              <a:defRPr sz="640">
+            <a:lvl9pPr marL="3657600" indent="0">
+              <a:buNone/>
+              <a:defRPr sz="1600">
                 <a:solidFill>
                   <a:schemeClr val="tx1">
                     <a:tint val="75000"/>
@@ -992,7 +1126,13 @@
       </p:sp>
       <p:sp>
         <p:nvSpPr>
-          <p:cNvPr id="4" name="Date Placeholder 3"/>
+          <p:cNvPr id="4" name="Date Placeholder 3">
+            <a:extLst>
+              <a:ext uri="{FF2B5EF4-FFF2-40B4-BE49-F238E27FC236}">
+                <a16:creationId xmlns:a16="http://schemas.microsoft.com/office/drawing/2014/main" id="{2339B3CF-AB74-7560-D33D-1154FFC05233}"/>
+              </a:ext>
+            </a:extLst>
+          </p:cNvPr>
           <p:cNvSpPr>
             <a:spLocks noGrp="1"/>
           </p:cNvSpPr>
@@ -1015,7 +1155,13 @@
       </p:sp>
       <p:sp>
         <p:nvSpPr>
-          <p:cNvPr id="5" name="Footer Placeholder 4"/>
+          <p:cNvPr id="5" name="Footer Placeholder 4">
+            <a:extLst>
+              <a:ext uri="{FF2B5EF4-FFF2-40B4-BE49-F238E27FC236}">
+                <a16:creationId xmlns:a16="http://schemas.microsoft.com/office/drawing/2014/main" id="{9F2EC8C7-C4DA-587A-295D-9886BBD8D89A}"/>
+              </a:ext>
+            </a:extLst>
+          </p:cNvPr>
           <p:cNvSpPr>
             <a:spLocks noGrp="1"/>
           </p:cNvSpPr>
@@ -1034,7 +1180,13 @@
       </p:sp>
       <p:sp>
         <p:nvSpPr>
-          <p:cNvPr id="6" name="Slide Number Placeholder 5"/>
+          <p:cNvPr id="6" name="Slide Number Placeholder 5">
+            <a:extLst>
+              <a:ext uri="{FF2B5EF4-FFF2-40B4-BE49-F238E27FC236}">
+                <a16:creationId xmlns:a16="http://schemas.microsoft.com/office/drawing/2014/main" id="{E61A0B6D-4257-5E99-3C13-E432EAABD409}"/>
+              </a:ext>
+            </a:extLst>
+          </p:cNvPr>
           <p:cNvSpPr>
             <a:spLocks noGrp="1"/>
           </p:cNvSpPr>
@@ -1058,7 +1210,7 @@
     </p:spTree>
     <p:extLst>
       <p:ext uri="{BB962C8B-B14F-4D97-AF65-F5344CB8AC3E}">
-        <p14:creationId xmlns:p14="http://schemas.microsoft.com/office/powerpoint/2010/main" val="3799263015"/>
+        <p14:creationId xmlns:p14="http://schemas.microsoft.com/office/powerpoint/2010/main" val="764278196"/>
       </p:ext>
     </p:extLst>
   </p:cSld>
@@ -1087,7 +1239,13 @@
       </p:grpSpPr>
       <p:sp>
         <p:nvSpPr>
-          <p:cNvPr id="2" name="Title 1"/>
+          <p:cNvPr id="2" name="Title 1">
+            <a:extLst>
+              <a:ext uri="{FF2B5EF4-FFF2-40B4-BE49-F238E27FC236}">
+                <a16:creationId xmlns:a16="http://schemas.microsoft.com/office/drawing/2014/main" id="{741BE214-D3A2-BE83-C9D6-A4E1C870B14F}"/>
+              </a:ext>
+            </a:extLst>
+          </p:cNvPr>
           <p:cNvSpPr>
             <a:spLocks noGrp="1"/>
           </p:cNvSpPr>
@@ -1104,13 +1262,19 @@
               <a:rPr lang="en-US"/>
               <a:t>Click to edit Master title style</a:t>
             </a:r>
-            <a:endParaRPr lang="en-US" dirty="0"/>
-          </a:p>
-        </p:txBody>
-      </p:sp>
-      <p:sp>
-        <p:nvSpPr>
-          <p:cNvPr id="3" name="Content Placeholder 2"/>
+            <a:endParaRPr lang="en-PH"/>
+          </a:p>
+        </p:txBody>
+      </p:sp>
+      <p:sp>
+        <p:nvSpPr>
+          <p:cNvPr id="3" name="Content Placeholder 2">
+            <a:extLst>
+              <a:ext uri="{FF2B5EF4-FFF2-40B4-BE49-F238E27FC236}">
+                <a16:creationId xmlns:a16="http://schemas.microsoft.com/office/drawing/2014/main" id="{F727427D-5C5F-4F5C-083A-3EFBC05D1155}"/>
+              </a:ext>
+            </a:extLst>
+          </p:cNvPr>
           <p:cNvSpPr>
             <a:spLocks noGrp="1"/>
           </p:cNvSpPr>
@@ -1120,8 +1284,8 @@
         </p:nvSpPr>
         <p:spPr>
           <a:xfrm>
-            <a:off x="251460" y="730250"/>
-            <a:ext cx="1554480" cy="1740535"/>
+            <a:off x="838200" y="1825625"/>
+            <a:ext cx="5181600" cy="4351338"/>
           </a:xfrm>
         </p:spPr>
         <p:txBody>
@@ -1161,13 +1325,19 @@
               <a:rPr lang="en-US"/>
               <a:t>Fifth level</a:t>
             </a:r>
-            <a:endParaRPr lang="en-US" dirty="0"/>
-          </a:p>
-        </p:txBody>
-      </p:sp>
-      <p:sp>
-        <p:nvSpPr>
-          <p:cNvPr id="4" name="Content Placeholder 3"/>
+            <a:endParaRPr lang="en-PH"/>
+          </a:p>
+        </p:txBody>
+      </p:sp>
+      <p:sp>
+        <p:nvSpPr>
+          <p:cNvPr id="4" name="Content Placeholder 3">
+            <a:extLst>
+              <a:ext uri="{FF2B5EF4-FFF2-40B4-BE49-F238E27FC236}">
+                <a16:creationId xmlns:a16="http://schemas.microsoft.com/office/drawing/2014/main" id="{4D0BBE46-7D0D-8638-658F-86DC93688E18}"/>
+              </a:ext>
+            </a:extLst>
+          </p:cNvPr>
           <p:cNvSpPr>
             <a:spLocks noGrp="1"/>
           </p:cNvSpPr>
@@ -1177,8 +1347,8 @@
         </p:nvSpPr>
         <p:spPr>
           <a:xfrm>
-            <a:off x="1851660" y="730250"/>
-            <a:ext cx="1554480" cy="1740535"/>
+            <a:off x="6172200" y="1825625"/>
+            <a:ext cx="5181600" cy="4351338"/>
           </a:xfrm>
         </p:spPr>
         <p:txBody>
@@ -1218,13 +1388,19 @@
               <a:rPr lang="en-US"/>
               <a:t>Fifth level</a:t>
             </a:r>
-            <a:endParaRPr lang="en-US" dirty="0"/>
-          </a:p>
-        </p:txBody>
-      </p:sp>
-      <p:sp>
-        <p:nvSpPr>
-          <p:cNvPr id="5" name="Date Placeholder 4"/>
+            <a:endParaRPr lang="en-PH"/>
+          </a:p>
+        </p:txBody>
+      </p:sp>
+      <p:sp>
+        <p:nvSpPr>
+          <p:cNvPr id="5" name="Date Placeholder 4">
+            <a:extLst>
+              <a:ext uri="{FF2B5EF4-FFF2-40B4-BE49-F238E27FC236}">
+                <a16:creationId xmlns:a16="http://schemas.microsoft.com/office/drawing/2014/main" id="{1180174E-6293-4A07-6B65-EA1DE729F3A8}"/>
+              </a:ext>
+            </a:extLst>
+          </p:cNvPr>
           <p:cNvSpPr>
             <a:spLocks noGrp="1"/>
           </p:cNvSpPr>
@@ -1247,7 +1423,13 @@
       </p:sp>
       <p:sp>
         <p:nvSpPr>
-          <p:cNvPr id="6" name="Footer Placeholder 5"/>
+          <p:cNvPr id="6" name="Footer Placeholder 5">
+            <a:extLst>
+              <a:ext uri="{FF2B5EF4-FFF2-40B4-BE49-F238E27FC236}">
+                <a16:creationId xmlns:a16="http://schemas.microsoft.com/office/drawing/2014/main" id="{5CD88D0F-7CF7-323C-AA88-F8083E3FBAB8}"/>
+              </a:ext>
+            </a:extLst>
+          </p:cNvPr>
           <p:cNvSpPr>
             <a:spLocks noGrp="1"/>
           </p:cNvSpPr>
@@ -1266,7 +1448,13 @@
       </p:sp>
       <p:sp>
         <p:nvSpPr>
-          <p:cNvPr id="7" name="Slide Number Placeholder 6"/>
+          <p:cNvPr id="7" name="Slide Number Placeholder 6">
+            <a:extLst>
+              <a:ext uri="{FF2B5EF4-FFF2-40B4-BE49-F238E27FC236}">
+                <a16:creationId xmlns:a16="http://schemas.microsoft.com/office/drawing/2014/main" id="{2299CDF8-D260-7747-2C0B-530B653F47C7}"/>
+              </a:ext>
+            </a:extLst>
+          </p:cNvPr>
           <p:cNvSpPr>
             <a:spLocks noGrp="1"/>
           </p:cNvSpPr>
@@ -1290,7 +1478,7 @@
     </p:spTree>
     <p:extLst>
       <p:ext uri="{BB962C8B-B14F-4D97-AF65-F5344CB8AC3E}">
-        <p14:creationId xmlns:p14="http://schemas.microsoft.com/office/powerpoint/2010/main" val="4082184879"/>
+        <p14:creationId xmlns:p14="http://schemas.microsoft.com/office/powerpoint/2010/main" val="3685789025"/>
       </p:ext>
     </p:extLst>
   </p:cSld>
@@ -1319,7 +1507,13 @@
       </p:grpSpPr>
       <p:sp>
         <p:nvSpPr>
-          <p:cNvPr id="2" name="Title 1"/>
+          <p:cNvPr id="2" name="Title 1">
+            <a:extLst>
+              <a:ext uri="{FF2B5EF4-FFF2-40B4-BE49-F238E27FC236}">
+                <a16:creationId xmlns:a16="http://schemas.microsoft.com/office/drawing/2014/main" id="{EE15D037-DD76-FED8-E460-C2985EABFA37}"/>
+              </a:ext>
+            </a:extLst>
+          </p:cNvPr>
           <p:cNvSpPr>
             <a:spLocks noGrp="1"/>
           </p:cNvSpPr>
@@ -1329,8 +1523,8 @@
         </p:nvSpPr>
         <p:spPr>
           <a:xfrm>
-            <a:off x="251936" y="146051"/>
-            <a:ext cx="3154680" cy="530225"/>
+            <a:off x="839788" y="365125"/>
+            <a:ext cx="10515600" cy="1325563"/>
           </a:xfrm>
         </p:spPr>
         <p:txBody>
@@ -1341,13 +1535,19 @@
               <a:rPr lang="en-US"/>
               <a:t>Click to edit Master title style</a:t>
             </a:r>
-            <a:endParaRPr lang="en-US" dirty="0"/>
-          </a:p>
-        </p:txBody>
-      </p:sp>
-      <p:sp>
-        <p:nvSpPr>
-          <p:cNvPr id="3" name="Text Placeholder 2"/>
+            <a:endParaRPr lang="en-PH"/>
+          </a:p>
+        </p:txBody>
+      </p:sp>
+      <p:sp>
+        <p:nvSpPr>
+          <p:cNvPr id="3" name="Text Placeholder 2">
+            <a:extLst>
+              <a:ext uri="{FF2B5EF4-FFF2-40B4-BE49-F238E27FC236}">
+                <a16:creationId xmlns:a16="http://schemas.microsoft.com/office/drawing/2014/main" id="{8A873B93-1D4F-878D-09AC-351B56CC727D}"/>
+              </a:ext>
+            </a:extLst>
+          </p:cNvPr>
           <p:cNvSpPr>
             <a:spLocks noGrp="1"/>
           </p:cNvSpPr>
@@ -1357,8 +1557,8 @@
         </p:nvSpPr>
         <p:spPr>
           <a:xfrm>
-            <a:off x="251937" y="672465"/>
-            <a:ext cx="1547336" cy="329565"/>
+            <a:off x="839788" y="1681163"/>
+            <a:ext cx="5157787" cy="823912"/>
           </a:xfrm>
         </p:spPr>
         <p:txBody>
@@ -1366,39 +1566,39 @@
           <a:lstStyle>
             <a:lvl1pPr marL="0" indent="0">
               <a:buNone/>
-              <a:defRPr sz="960" b="1"/>
+              <a:defRPr sz="2400" b="1"/>
             </a:lvl1pPr>
-            <a:lvl2pPr marL="182880" indent="0">
-              <a:buNone/>
-              <a:defRPr sz="800" b="1"/>
+            <a:lvl2pPr marL="457200" indent="0">
+              <a:buNone/>
+              <a:defRPr sz="2000" b="1"/>
             </a:lvl2pPr>
-            <a:lvl3pPr marL="365760" indent="0">
-              <a:buNone/>
-              <a:defRPr sz="720" b="1"/>
+            <a:lvl3pPr marL="914400" indent="0">
+              <a:buNone/>
+              <a:defRPr sz="1800" b="1"/>
             </a:lvl3pPr>
-            <a:lvl4pPr marL="548640" indent="0">
-              <a:buNone/>
-              <a:defRPr sz="640" b="1"/>
+            <a:lvl4pPr marL="1371600" indent="0">
+              <a:buNone/>
+              <a:defRPr sz="1600" b="1"/>
             </a:lvl4pPr>
-            <a:lvl5pPr marL="731520" indent="0">
-              <a:buNone/>
-              <a:defRPr sz="640" b="1"/>
+            <a:lvl5pPr marL="1828800" indent="0">
+              <a:buNone/>
+              <a:defRPr sz="1600" b="1"/>
             </a:lvl5pPr>
-            <a:lvl6pPr marL="914400" indent="0">
-              <a:buNone/>
-              <a:defRPr sz="640" b="1"/>
+            <a:lvl6pPr marL="2286000" indent="0">
+              <a:buNone/>
+              <a:defRPr sz="1600" b="1"/>
             </a:lvl6pPr>
-            <a:lvl7pPr marL="1097280" indent="0">
-              <a:buNone/>
-              <a:defRPr sz="640" b="1"/>
+            <a:lvl7pPr marL="2743200" indent="0">
+              <a:buNone/>
+              <a:defRPr sz="1600" b="1"/>
             </a:lvl7pPr>
-            <a:lvl8pPr marL="1280160" indent="0">
-              <a:buNone/>
-              <a:defRPr sz="640" b="1"/>
+            <a:lvl8pPr marL="3200400" indent="0">
+              <a:buNone/>
+              <a:defRPr sz="1600" b="1"/>
             </a:lvl8pPr>
-            <a:lvl9pPr marL="1463040" indent="0">
-              <a:buNone/>
-              <a:defRPr sz="640" b="1"/>
+            <a:lvl9pPr marL="3657600" indent="0">
+              <a:buNone/>
+              <a:defRPr sz="1600" b="1"/>
             </a:lvl9pPr>
           </a:lstStyle>
           <a:p>
@@ -1412,7 +1612,13 @@
       </p:sp>
       <p:sp>
         <p:nvSpPr>
-          <p:cNvPr id="4" name="Content Placeholder 3"/>
+          <p:cNvPr id="4" name="Content Placeholder 3">
+            <a:extLst>
+              <a:ext uri="{FF2B5EF4-FFF2-40B4-BE49-F238E27FC236}">
+                <a16:creationId xmlns:a16="http://schemas.microsoft.com/office/drawing/2014/main" id="{B905315B-95FA-4961-811D-0D4633130D31}"/>
+              </a:ext>
+            </a:extLst>
+          </p:cNvPr>
           <p:cNvSpPr>
             <a:spLocks noGrp="1"/>
           </p:cNvSpPr>
@@ -1422,8 +1628,8 @@
         </p:nvSpPr>
         <p:spPr>
           <a:xfrm>
-            <a:off x="251937" y="1002030"/>
-            <a:ext cx="1547336" cy="1473835"/>
+            <a:off x="839788" y="2505075"/>
+            <a:ext cx="5157787" cy="3684588"/>
           </a:xfrm>
         </p:spPr>
         <p:txBody>
@@ -1463,13 +1669,19 @@
               <a:rPr lang="en-US"/>
               <a:t>Fifth level</a:t>
             </a:r>
-            <a:endParaRPr lang="en-US" dirty="0"/>
-          </a:p>
-        </p:txBody>
-      </p:sp>
-      <p:sp>
-        <p:nvSpPr>
-          <p:cNvPr id="5" name="Text Placeholder 4"/>
+            <a:endParaRPr lang="en-PH"/>
+          </a:p>
+        </p:txBody>
+      </p:sp>
+      <p:sp>
+        <p:nvSpPr>
+          <p:cNvPr id="5" name="Text Placeholder 4">
+            <a:extLst>
+              <a:ext uri="{FF2B5EF4-FFF2-40B4-BE49-F238E27FC236}">
+                <a16:creationId xmlns:a16="http://schemas.microsoft.com/office/drawing/2014/main" id="{FC25B885-2CD2-A116-AA9C-B2CAE6444783}"/>
+              </a:ext>
+            </a:extLst>
+          </p:cNvPr>
           <p:cNvSpPr>
             <a:spLocks noGrp="1"/>
           </p:cNvSpPr>
@@ -1479,8 +1691,8 @@
         </p:nvSpPr>
         <p:spPr>
           <a:xfrm>
-            <a:off x="1851660" y="672465"/>
-            <a:ext cx="1554956" cy="329565"/>
+            <a:off x="6172200" y="1681163"/>
+            <a:ext cx="5183188" cy="823912"/>
           </a:xfrm>
         </p:spPr>
         <p:txBody>
@@ -1488,39 +1700,39 @@
           <a:lstStyle>
             <a:lvl1pPr marL="0" indent="0">
               <a:buNone/>
-              <a:defRPr sz="960" b="1"/>
+              <a:defRPr sz="2400" b="1"/>
             </a:lvl1pPr>
-            <a:lvl2pPr marL="182880" indent="0">
-              <a:buNone/>
-              <a:defRPr sz="800" b="1"/>
+            <a:lvl2pPr marL="457200" indent="0">
+              <a:buNone/>
+              <a:defRPr sz="2000" b="1"/>
             </a:lvl2pPr>
-            <a:lvl3pPr marL="365760" indent="0">
-              <a:buNone/>
-              <a:defRPr sz="720" b="1"/>
+            <a:lvl3pPr marL="914400" indent="0">
+              <a:buNone/>
+              <a:defRPr sz="1800" b="1"/>
             </a:lvl3pPr>
-            <a:lvl4pPr marL="548640" indent="0">
-              <a:buNone/>
-              <a:defRPr sz="640" b="1"/>
+            <a:lvl4pPr marL="1371600" indent="0">
+              <a:buNone/>
+              <a:defRPr sz="1600" b="1"/>
             </a:lvl4pPr>
-            <a:lvl5pPr marL="731520" indent="0">
-              <a:buNone/>
-              <a:defRPr sz="640" b="1"/>
+            <a:lvl5pPr marL="1828800" indent="0">
+              <a:buNone/>
+              <a:defRPr sz="1600" b="1"/>
             </a:lvl5pPr>
-            <a:lvl6pPr marL="914400" indent="0">
-              <a:buNone/>
-              <a:defRPr sz="640" b="1"/>
+            <a:lvl6pPr marL="2286000" indent="0">
+              <a:buNone/>
+              <a:defRPr sz="1600" b="1"/>
             </a:lvl6pPr>
-            <a:lvl7pPr marL="1097280" indent="0">
-              <a:buNone/>
-              <a:defRPr sz="640" b="1"/>
+            <a:lvl7pPr marL="2743200" indent="0">
+              <a:buNone/>
+              <a:defRPr sz="1600" b="1"/>
             </a:lvl7pPr>
-            <a:lvl8pPr marL="1280160" indent="0">
-              <a:buNone/>
-              <a:defRPr sz="640" b="1"/>
+            <a:lvl8pPr marL="3200400" indent="0">
+              <a:buNone/>
+              <a:defRPr sz="1600" b="1"/>
             </a:lvl8pPr>
-            <a:lvl9pPr marL="1463040" indent="0">
-              <a:buNone/>
-              <a:defRPr sz="640" b="1"/>
+            <a:lvl9pPr marL="3657600" indent="0">
+              <a:buNone/>
+              <a:defRPr sz="1600" b="1"/>
             </a:lvl9pPr>
           </a:lstStyle>
           <a:p>
@@ -1534,7 +1746,13 @@
       </p:sp>
       <p:sp>
         <p:nvSpPr>
-          <p:cNvPr id="6" name="Content Placeholder 5"/>
+          <p:cNvPr id="6" name="Content Placeholder 5">
+            <a:extLst>
+              <a:ext uri="{FF2B5EF4-FFF2-40B4-BE49-F238E27FC236}">
+                <a16:creationId xmlns:a16="http://schemas.microsoft.com/office/drawing/2014/main" id="{F4E0F849-E91B-F275-22C8-402C21122237}"/>
+              </a:ext>
+            </a:extLst>
+          </p:cNvPr>
           <p:cNvSpPr>
             <a:spLocks noGrp="1"/>
           </p:cNvSpPr>
@@ -1544,8 +1762,8 @@
         </p:nvSpPr>
         <p:spPr>
           <a:xfrm>
-            <a:off x="1851660" y="1002030"/>
-            <a:ext cx="1554956" cy="1473835"/>
+            <a:off x="6172200" y="2505075"/>
+            <a:ext cx="5183188" cy="3684588"/>
           </a:xfrm>
         </p:spPr>
         <p:txBody>
@@ -1585,13 +1803,19 @@
               <a:rPr lang="en-US"/>
               <a:t>Fifth level</a:t>
             </a:r>
-            <a:endParaRPr lang="en-US" dirty="0"/>
-          </a:p>
-        </p:txBody>
-      </p:sp>
-      <p:sp>
-        <p:nvSpPr>
-          <p:cNvPr id="7" name="Date Placeholder 6"/>
+            <a:endParaRPr lang="en-PH"/>
+          </a:p>
+        </p:txBody>
+      </p:sp>
+      <p:sp>
+        <p:nvSpPr>
+          <p:cNvPr id="7" name="Date Placeholder 6">
+            <a:extLst>
+              <a:ext uri="{FF2B5EF4-FFF2-40B4-BE49-F238E27FC236}">
+                <a16:creationId xmlns:a16="http://schemas.microsoft.com/office/drawing/2014/main" id="{237DACAB-6BCE-1B7A-468E-E4A67FCA7E6E}"/>
+              </a:ext>
+            </a:extLst>
+          </p:cNvPr>
           <p:cNvSpPr>
             <a:spLocks noGrp="1"/>
           </p:cNvSpPr>
@@ -1614,7 +1838,13 @@
       </p:sp>
       <p:sp>
         <p:nvSpPr>
-          <p:cNvPr id="8" name="Footer Placeholder 7"/>
+          <p:cNvPr id="8" name="Footer Placeholder 7">
+            <a:extLst>
+              <a:ext uri="{FF2B5EF4-FFF2-40B4-BE49-F238E27FC236}">
+                <a16:creationId xmlns:a16="http://schemas.microsoft.com/office/drawing/2014/main" id="{44770E7B-7FBB-9FDF-3116-7902969F7DA7}"/>
+              </a:ext>
+            </a:extLst>
+          </p:cNvPr>
           <p:cNvSpPr>
             <a:spLocks noGrp="1"/>
           </p:cNvSpPr>
@@ -1633,7 +1863,13 @@
       </p:sp>
       <p:sp>
         <p:nvSpPr>
-          <p:cNvPr id="9" name="Slide Number Placeholder 8"/>
+          <p:cNvPr id="9" name="Slide Number Placeholder 8">
+            <a:extLst>
+              <a:ext uri="{FF2B5EF4-FFF2-40B4-BE49-F238E27FC236}">
+                <a16:creationId xmlns:a16="http://schemas.microsoft.com/office/drawing/2014/main" id="{35942906-9DAB-940C-86AF-157734559B55}"/>
+              </a:ext>
+            </a:extLst>
+          </p:cNvPr>
           <p:cNvSpPr>
             <a:spLocks noGrp="1"/>
           </p:cNvSpPr>
@@ -1657,7 +1893,7 @@
     </p:spTree>
     <p:extLst>
       <p:ext uri="{BB962C8B-B14F-4D97-AF65-F5344CB8AC3E}">
-        <p14:creationId xmlns:p14="http://schemas.microsoft.com/office/powerpoint/2010/main" val="1469939929"/>
+        <p14:creationId xmlns:p14="http://schemas.microsoft.com/office/powerpoint/2010/main" val="1082152642"/>
       </p:ext>
     </p:extLst>
   </p:cSld>
@@ -1686,7 +1922,13 @@
       </p:grpSpPr>
       <p:sp>
         <p:nvSpPr>
-          <p:cNvPr id="2" name="Title 1"/>
+          <p:cNvPr id="2" name="Title 1">
+            <a:extLst>
+              <a:ext uri="{FF2B5EF4-FFF2-40B4-BE49-F238E27FC236}">
+                <a16:creationId xmlns:a16="http://schemas.microsoft.com/office/drawing/2014/main" id="{05F45F58-3D83-FEF0-3FE1-33B6DEBC32D7}"/>
+              </a:ext>
+            </a:extLst>
+          </p:cNvPr>
           <p:cNvSpPr>
             <a:spLocks noGrp="1"/>
           </p:cNvSpPr>
@@ -1703,13 +1945,19 @@
               <a:rPr lang="en-US"/>
               <a:t>Click to edit Master title style</a:t>
             </a:r>
-            <a:endParaRPr lang="en-US" dirty="0"/>
-          </a:p>
-        </p:txBody>
-      </p:sp>
-      <p:sp>
-        <p:nvSpPr>
-          <p:cNvPr id="3" name="Date Placeholder 2"/>
+            <a:endParaRPr lang="en-PH"/>
+          </a:p>
+        </p:txBody>
+      </p:sp>
+      <p:sp>
+        <p:nvSpPr>
+          <p:cNvPr id="3" name="Date Placeholder 2">
+            <a:extLst>
+              <a:ext uri="{FF2B5EF4-FFF2-40B4-BE49-F238E27FC236}">
+                <a16:creationId xmlns:a16="http://schemas.microsoft.com/office/drawing/2014/main" id="{FC0E9706-F729-CDB1-5F1C-9DD22B84FC80}"/>
+              </a:ext>
+            </a:extLst>
+          </p:cNvPr>
           <p:cNvSpPr>
             <a:spLocks noGrp="1"/>
           </p:cNvSpPr>
@@ -1732,7 +1980,13 @@
       </p:sp>
       <p:sp>
         <p:nvSpPr>
-          <p:cNvPr id="4" name="Footer Placeholder 3"/>
+          <p:cNvPr id="4" name="Footer Placeholder 3">
+            <a:extLst>
+              <a:ext uri="{FF2B5EF4-FFF2-40B4-BE49-F238E27FC236}">
+                <a16:creationId xmlns:a16="http://schemas.microsoft.com/office/drawing/2014/main" id="{975ADDC0-1F97-9EC8-8E68-1E01D0A5A0B6}"/>
+              </a:ext>
+            </a:extLst>
+          </p:cNvPr>
           <p:cNvSpPr>
             <a:spLocks noGrp="1"/>
           </p:cNvSpPr>
@@ -1751,7 +2005,13 @@
       </p:sp>
       <p:sp>
         <p:nvSpPr>
-          <p:cNvPr id="5" name="Slide Number Placeholder 4"/>
+          <p:cNvPr id="5" name="Slide Number Placeholder 4">
+            <a:extLst>
+              <a:ext uri="{FF2B5EF4-FFF2-40B4-BE49-F238E27FC236}">
+                <a16:creationId xmlns:a16="http://schemas.microsoft.com/office/drawing/2014/main" id="{D4CB7710-53CB-F2AC-531E-E5B6DBE8169B}"/>
+              </a:ext>
+            </a:extLst>
+          </p:cNvPr>
           <p:cNvSpPr>
             <a:spLocks noGrp="1"/>
           </p:cNvSpPr>
@@ -1775,7 +2035,7 @@
     </p:spTree>
     <p:extLst>
       <p:ext uri="{BB962C8B-B14F-4D97-AF65-F5344CB8AC3E}">
-        <p14:creationId xmlns:p14="http://schemas.microsoft.com/office/powerpoint/2010/main" val="3520952071"/>
+        <p14:creationId xmlns:p14="http://schemas.microsoft.com/office/powerpoint/2010/main" val="1287339453"/>
       </p:ext>
     </p:extLst>
   </p:cSld>
@@ -1804,7 +2064,13 @@
       </p:grpSpPr>
       <p:sp>
         <p:nvSpPr>
-          <p:cNvPr id="2" name="Date Placeholder 1"/>
+          <p:cNvPr id="2" name="Date Placeholder 1">
+            <a:extLst>
+              <a:ext uri="{FF2B5EF4-FFF2-40B4-BE49-F238E27FC236}">
+                <a16:creationId xmlns:a16="http://schemas.microsoft.com/office/drawing/2014/main" id="{CB717C2E-63F3-6547-DD15-74288B2F8DDB}"/>
+              </a:ext>
+            </a:extLst>
+          </p:cNvPr>
           <p:cNvSpPr>
             <a:spLocks noGrp="1"/>
           </p:cNvSpPr>
@@ -1827,7 +2093,13 @@
       </p:sp>
       <p:sp>
         <p:nvSpPr>
-          <p:cNvPr id="3" name="Footer Placeholder 2"/>
+          <p:cNvPr id="3" name="Footer Placeholder 2">
+            <a:extLst>
+              <a:ext uri="{FF2B5EF4-FFF2-40B4-BE49-F238E27FC236}">
+                <a16:creationId xmlns:a16="http://schemas.microsoft.com/office/drawing/2014/main" id="{FF0EC6A3-F83B-5F4B-40D9-41093300EBC0}"/>
+              </a:ext>
+            </a:extLst>
+          </p:cNvPr>
           <p:cNvSpPr>
             <a:spLocks noGrp="1"/>
           </p:cNvSpPr>
@@ -1846,7 +2118,13 @@
       </p:sp>
       <p:sp>
         <p:nvSpPr>
-          <p:cNvPr id="4" name="Slide Number Placeholder 3"/>
+          <p:cNvPr id="4" name="Slide Number Placeholder 3">
+            <a:extLst>
+              <a:ext uri="{FF2B5EF4-FFF2-40B4-BE49-F238E27FC236}">
+                <a16:creationId xmlns:a16="http://schemas.microsoft.com/office/drawing/2014/main" id="{F4F05109-37B7-A238-73EC-FF47869DFE34}"/>
+              </a:ext>
+            </a:extLst>
+          </p:cNvPr>
           <p:cNvSpPr>
             <a:spLocks noGrp="1"/>
           </p:cNvSpPr>
@@ -1870,7 +2148,7 @@
     </p:spTree>
     <p:extLst>
       <p:ext uri="{BB962C8B-B14F-4D97-AF65-F5344CB8AC3E}">
-        <p14:creationId xmlns:p14="http://schemas.microsoft.com/office/powerpoint/2010/main" val="4257041878"/>
+        <p14:creationId xmlns:p14="http://schemas.microsoft.com/office/powerpoint/2010/main" val="872329752"/>
       </p:ext>
     </p:extLst>
   </p:cSld>
@@ -1899,7 +2177,13 @@
       </p:grpSpPr>
       <p:sp>
         <p:nvSpPr>
-          <p:cNvPr id="2" name="Title 1"/>
+          <p:cNvPr id="2" name="Title 1">
+            <a:extLst>
+              <a:ext uri="{FF2B5EF4-FFF2-40B4-BE49-F238E27FC236}">
+                <a16:creationId xmlns:a16="http://schemas.microsoft.com/office/drawing/2014/main" id="{9EC48D61-82E2-9533-9243-39FD1D22B52C}"/>
+              </a:ext>
+            </a:extLst>
+          </p:cNvPr>
           <p:cNvSpPr>
             <a:spLocks noGrp="1"/>
           </p:cNvSpPr>
@@ -1909,15 +2193,15 @@
         </p:nvSpPr>
         <p:spPr>
           <a:xfrm>
-            <a:off x="251937" y="182880"/>
-            <a:ext cx="1179671" cy="640080"/>
+            <a:off x="839788" y="457200"/>
+            <a:ext cx="3932237" cy="1600200"/>
           </a:xfrm>
         </p:spPr>
         <p:txBody>
           <a:bodyPr anchor="b"/>
           <a:lstStyle>
             <a:lvl1pPr>
-              <a:defRPr sz="1280"/>
+              <a:defRPr sz="3200"/>
             </a:lvl1pPr>
           </a:lstStyle>
           <a:p>
@@ -1925,13 +2209,19 @@
               <a:rPr lang="en-US"/>
               <a:t>Click to edit Master title style</a:t>
             </a:r>
-            <a:endParaRPr lang="en-US" dirty="0"/>
-          </a:p>
-        </p:txBody>
-      </p:sp>
-      <p:sp>
-        <p:nvSpPr>
-          <p:cNvPr id="3" name="Content Placeholder 2"/>
+            <a:endParaRPr lang="en-PH"/>
+          </a:p>
+        </p:txBody>
+      </p:sp>
+      <p:sp>
+        <p:nvSpPr>
+          <p:cNvPr id="3" name="Content Placeholder 2">
+            <a:extLst>
+              <a:ext uri="{FF2B5EF4-FFF2-40B4-BE49-F238E27FC236}">
+                <a16:creationId xmlns:a16="http://schemas.microsoft.com/office/drawing/2014/main" id="{3A2EB1BE-5437-CF3E-16DE-20A190E12A02}"/>
+              </a:ext>
+            </a:extLst>
+          </p:cNvPr>
           <p:cNvSpPr>
             <a:spLocks noGrp="1"/>
           </p:cNvSpPr>
@@ -1941,39 +2231,39 @@
         </p:nvSpPr>
         <p:spPr>
           <a:xfrm>
-            <a:off x="1554956" y="394971"/>
-            <a:ext cx="1851660" cy="1949450"/>
+            <a:off x="5183188" y="987425"/>
+            <a:ext cx="6172200" cy="4873625"/>
           </a:xfrm>
         </p:spPr>
         <p:txBody>
           <a:bodyPr/>
           <a:lstStyle>
             <a:lvl1pPr>
-              <a:defRPr sz="1280"/>
+              <a:defRPr sz="3200"/>
             </a:lvl1pPr>
             <a:lvl2pPr>
-              <a:defRPr sz="1120"/>
+              <a:defRPr sz="2800"/>
             </a:lvl2pPr>
             <a:lvl3pPr>
-              <a:defRPr sz="960"/>
+              <a:defRPr sz="2400"/>
             </a:lvl3pPr>
             <a:lvl4pPr>
-              <a:defRPr sz="800"/>
+              <a:defRPr sz="2000"/>
             </a:lvl4pPr>
             <a:lvl5pPr>
-              <a:defRPr sz="800"/>
+              <a:defRPr sz="2000"/>
             </a:lvl5pPr>
             <a:lvl6pPr>
-              <a:defRPr sz="800"/>
+              <a:defRPr sz="2000"/>
             </a:lvl6pPr>
             <a:lvl7pPr>
-              <a:defRPr sz="800"/>
+              <a:defRPr sz="2000"/>
             </a:lvl7pPr>
             <a:lvl8pPr>
-              <a:defRPr sz="800"/>
+              <a:defRPr sz="2000"/>
             </a:lvl8pPr>
             <a:lvl9pPr>
-              <a:defRPr sz="800"/>
+              <a:defRPr sz="2000"/>
             </a:lvl9pPr>
           </a:lstStyle>
           <a:p>
@@ -2010,13 +2300,19 @@
               <a:rPr lang="en-US"/>
               <a:t>Fifth level</a:t>
             </a:r>
-            <a:endParaRPr lang="en-US" dirty="0"/>
-          </a:p>
-        </p:txBody>
-      </p:sp>
-      <p:sp>
-        <p:nvSpPr>
-          <p:cNvPr id="4" name="Text Placeholder 3"/>
+            <a:endParaRPr lang="en-PH"/>
+          </a:p>
+        </p:txBody>
+      </p:sp>
+      <p:sp>
+        <p:nvSpPr>
+          <p:cNvPr id="4" name="Text Placeholder 3">
+            <a:extLst>
+              <a:ext uri="{FF2B5EF4-FFF2-40B4-BE49-F238E27FC236}">
+                <a16:creationId xmlns:a16="http://schemas.microsoft.com/office/drawing/2014/main" id="{AE085811-0044-EB3B-65AE-3CAF8379B5E3}"/>
+              </a:ext>
+            </a:extLst>
+          </p:cNvPr>
           <p:cNvSpPr>
             <a:spLocks noGrp="1"/>
           </p:cNvSpPr>
@@ -2026,8 +2322,8 @@
         </p:nvSpPr>
         <p:spPr>
           <a:xfrm>
-            <a:off x="251937" y="822960"/>
-            <a:ext cx="1179671" cy="1524635"/>
+            <a:off x="839788" y="2057400"/>
+            <a:ext cx="3932237" cy="3811588"/>
           </a:xfrm>
         </p:spPr>
         <p:txBody>
@@ -2035,39 +2331,39 @@
           <a:lstStyle>
             <a:lvl1pPr marL="0" indent="0">
               <a:buNone/>
-              <a:defRPr sz="640"/>
+              <a:defRPr sz="1600"/>
             </a:lvl1pPr>
-            <a:lvl2pPr marL="182880" indent="0">
-              <a:buNone/>
-              <a:defRPr sz="560"/>
+            <a:lvl2pPr marL="457200" indent="0">
+              <a:buNone/>
+              <a:defRPr sz="1400"/>
             </a:lvl2pPr>
-            <a:lvl3pPr marL="365760" indent="0">
-              <a:buNone/>
-              <a:defRPr sz="480"/>
+            <a:lvl3pPr marL="914400" indent="0">
+              <a:buNone/>
+              <a:defRPr sz="1200"/>
             </a:lvl3pPr>
-            <a:lvl4pPr marL="548640" indent="0">
-              <a:buNone/>
-              <a:defRPr sz="400"/>
+            <a:lvl4pPr marL="1371600" indent="0">
+              <a:buNone/>
+              <a:defRPr sz="1000"/>
             </a:lvl4pPr>
-            <a:lvl5pPr marL="731520" indent="0">
-              <a:buNone/>
-              <a:defRPr sz="400"/>
+            <a:lvl5pPr marL="1828800" indent="0">
+              <a:buNone/>
+              <a:defRPr sz="1000"/>
             </a:lvl5pPr>
-            <a:lvl6pPr marL="914400" indent="0">
-              <a:buNone/>
-              <a:defRPr sz="400"/>
+            <a:lvl6pPr marL="2286000" indent="0">
+              <a:buNone/>
+              <a:defRPr sz="1000"/>
             </a:lvl6pPr>
-            <a:lvl7pPr marL="1097280" indent="0">
-              <a:buNone/>
-              <a:defRPr sz="400"/>
+            <a:lvl7pPr marL="2743200" indent="0">
+              <a:buNone/>
+              <a:defRPr sz="1000"/>
             </a:lvl7pPr>
-            <a:lvl8pPr marL="1280160" indent="0">
-              <a:buNone/>
-              <a:defRPr sz="400"/>
+            <a:lvl8pPr marL="3200400" indent="0">
+              <a:buNone/>
+              <a:defRPr sz="1000"/>
             </a:lvl8pPr>
-            <a:lvl9pPr marL="1463040" indent="0">
-              <a:buNone/>
-              <a:defRPr sz="400"/>
+            <a:lvl9pPr marL="3657600" indent="0">
+              <a:buNone/>
+              <a:defRPr sz="1000"/>
             </a:lvl9pPr>
           </a:lstStyle>
           <a:p>
@@ -2081,7 +2377,13 @@
       </p:sp>
       <p:sp>
         <p:nvSpPr>
-          <p:cNvPr id="5" name="Date Placeholder 4"/>
+          <p:cNvPr id="5" name="Date Placeholder 4">
+            <a:extLst>
+              <a:ext uri="{FF2B5EF4-FFF2-40B4-BE49-F238E27FC236}">
+                <a16:creationId xmlns:a16="http://schemas.microsoft.com/office/drawing/2014/main" id="{7C25D677-BA5A-CCD8-3AEC-29A4E57D33B0}"/>
+              </a:ext>
+            </a:extLst>
+          </p:cNvPr>
           <p:cNvSpPr>
             <a:spLocks noGrp="1"/>
           </p:cNvSpPr>
@@ -2104,7 +2406,13 @@
       </p:sp>
       <p:sp>
         <p:nvSpPr>
-          <p:cNvPr id="6" name="Footer Placeholder 5"/>
+          <p:cNvPr id="6" name="Footer Placeholder 5">
+            <a:extLst>
+              <a:ext uri="{FF2B5EF4-FFF2-40B4-BE49-F238E27FC236}">
+                <a16:creationId xmlns:a16="http://schemas.microsoft.com/office/drawing/2014/main" id="{BE817DE9-BDB9-EEA8-1938-432B40612955}"/>
+              </a:ext>
+            </a:extLst>
+          </p:cNvPr>
           <p:cNvSpPr>
             <a:spLocks noGrp="1"/>
           </p:cNvSpPr>
@@ -2123,7 +2431,13 @@
       </p:sp>
       <p:sp>
         <p:nvSpPr>
-          <p:cNvPr id="7" name="Slide Number Placeholder 6"/>
+          <p:cNvPr id="7" name="Slide Number Placeholder 6">
+            <a:extLst>
+              <a:ext uri="{FF2B5EF4-FFF2-40B4-BE49-F238E27FC236}">
+                <a16:creationId xmlns:a16="http://schemas.microsoft.com/office/drawing/2014/main" id="{684EA0F2-592F-8402-DE9E-1A5E786DD517}"/>
+              </a:ext>
+            </a:extLst>
+          </p:cNvPr>
           <p:cNvSpPr>
             <a:spLocks noGrp="1"/>
           </p:cNvSpPr>
@@ -2147,7 +2461,7 @@
     </p:spTree>
     <p:extLst>
       <p:ext uri="{BB962C8B-B14F-4D97-AF65-F5344CB8AC3E}">
-        <p14:creationId xmlns:p14="http://schemas.microsoft.com/office/powerpoint/2010/main" val="1364972225"/>
+        <p14:creationId xmlns:p14="http://schemas.microsoft.com/office/powerpoint/2010/main" val="762014524"/>
       </p:ext>
     </p:extLst>
   </p:cSld>
@@ -2176,7 +2490,13 @@
       </p:grpSpPr>
       <p:sp>
         <p:nvSpPr>
-          <p:cNvPr id="2" name="Title 1"/>
+          <p:cNvPr id="2" name="Title 1">
+            <a:extLst>
+              <a:ext uri="{FF2B5EF4-FFF2-40B4-BE49-F238E27FC236}">
+                <a16:creationId xmlns:a16="http://schemas.microsoft.com/office/drawing/2014/main" id="{A1EF0FD9-A443-AA44-A439-6A8D41F1C38E}"/>
+              </a:ext>
+            </a:extLst>
+          </p:cNvPr>
           <p:cNvSpPr>
             <a:spLocks noGrp="1"/>
           </p:cNvSpPr>
@@ -2186,15 +2506,15 @@
         </p:nvSpPr>
         <p:spPr>
           <a:xfrm>
-            <a:off x="251937" y="182880"/>
-            <a:ext cx="1179671" cy="640080"/>
+            <a:off x="839788" y="457200"/>
+            <a:ext cx="3932237" cy="1600200"/>
           </a:xfrm>
         </p:spPr>
         <p:txBody>
           <a:bodyPr anchor="b"/>
           <a:lstStyle>
             <a:lvl1pPr>
-              <a:defRPr sz="1280"/>
+              <a:defRPr sz="3200"/>
             </a:lvl1pPr>
           </a:lstStyle>
           <a:p>
@@ -2202,15 +2522,21 @@
               <a:rPr lang="en-US"/>
               <a:t>Click to edit Master title style</a:t>
             </a:r>
-            <a:endParaRPr lang="en-US" dirty="0"/>
-          </a:p>
-        </p:txBody>
-      </p:sp>
-      <p:sp>
-        <p:nvSpPr>
-          <p:cNvPr id="3" name="Picture Placeholder 2"/>
-          <p:cNvSpPr>
-            <a:spLocks noGrp="1" noChangeAspect="1"/>
+            <a:endParaRPr lang="en-PH"/>
+          </a:p>
+        </p:txBody>
+      </p:sp>
+      <p:sp>
+        <p:nvSpPr>
+          <p:cNvPr id="3" name="Picture Placeholder 2">
+            <a:extLst>
+              <a:ext uri="{FF2B5EF4-FFF2-40B4-BE49-F238E27FC236}">
+                <a16:creationId xmlns:a16="http://schemas.microsoft.com/office/drawing/2014/main" id="{5B936D5F-DDF2-2655-D256-0C77C5D2BE2D}"/>
+              </a:ext>
+            </a:extLst>
+          </p:cNvPr>
+          <p:cNvSpPr>
+            <a:spLocks noGrp="1"/>
           </p:cNvSpPr>
           <p:nvPr>
             <p:ph type="pic" idx="1"/>
@@ -2218,62 +2544,64 @@
         </p:nvSpPr>
         <p:spPr>
           <a:xfrm>
-            <a:off x="1554956" y="394971"/>
-            <a:ext cx="1851660" cy="1949450"/>
+            <a:off x="5183188" y="987425"/>
+            <a:ext cx="6172200" cy="4873625"/>
           </a:xfrm>
         </p:spPr>
         <p:txBody>
-          <a:bodyPr anchor="t"/>
+          <a:bodyPr/>
           <a:lstStyle>
             <a:lvl1pPr marL="0" indent="0">
               <a:buNone/>
-              <a:defRPr sz="1280"/>
+              <a:defRPr sz="3200"/>
             </a:lvl1pPr>
-            <a:lvl2pPr marL="182880" indent="0">
-              <a:buNone/>
-              <a:defRPr sz="1120"/>
+            <a:lvl2pPr marL="457200" indent="0">
+              <a:buNone/>
+              <a:defRPr sz="2800"/>
             </a:lvl2pPr>
-            <a:lvl3pPr marL="365760" indent="0">
-              <a:buNone/>
-              <a:defRPr sz="960"/>
+            <a:lvl3pPr marL="914400" indent="0">
+              <a:buNone/>
+              <a:defRPr sz="2400"/>
             </a:lvl3pPr>
-            <a:lvl4pPr marL="548640" indent="0">
-              <a:buNone/>
-              <a:defRPr sz="800"/>
+            <a:lvl4pPr marL="1371600" indent="0">
+              <a:buNone/>
+              <a:defRPr sz="2000"/>
             </a:lvl4pPr>
-            <a:lvl5pPr marL="731520" indent="0">
-              <a:buNone/>
-              <a:defRPr sz="800"/>
+            <a:lvl5pPr marL="1828800" indent="0">
+              <a:buNone/>
+              <a:defRPr sz="2000"/>
             </a:lvl5pPr>
-            <a:lvl6pPr marL="914400" indent="0">
-              <a:buNone/>
-              <a:defRPr sz="800"/>
+            <a:lvl6pPr marL="2286000" indent="0">
+              <a:buNone/>
+              <a:defRPr sz="2000"/>
             </a:lvl6pPr>
-            <a:lvl7pPr marL="1097280" indent="0">
-              <a:buNone/>
-              <a:defRPr sz="800"/>
+            <a:lvl7pPr marL="2743200" indent="0">
+              <a:buNone/>
+              <a:defRPr sz="2000"/>
             </a:lvl7pPr>
-            <a:lvl8pPr marL="1280160" indent="0">
-              <a:buNone/>
-              <a:defRPr sz="800"/>
+            <a:lvl8pPr marL="3200400" indent="0">
+              <a:buNone/>
+              <a:defRPr sz="2000"/>
             </a:lvl8pPr>
-            <a:lvl9pPr marL="1463040" indent="0">
-              <a:buNone/>
-              <a:defRPr sz="800"/>
+            <a:lvl9pPr marL="3657600" indent="0">
+              <a:buNone/>
+              <a:defRPr sz="2000"/>
             </a:lvl9pPr>
           </a:lstStyle>
           <a:p>
-            <a:r>
-              <a:rPr lang="en-US"/>
-              <a:t>Click icon to add picture</a:t>
-            </a:r>
-            <a:endParaRPr lang="en-US" dirty="0"/>
-          </a:p>
-        </p:txBody>
-      </p:sp>
-      <p:sp>
-        <p:nvSpPr>
-          <p:cNvPr id="4" name="Text Placeholder 3"/>
+            <a:endParaRPr lang="en-PH"/>
+          </a:p>
+        </p:txBody>
+      </p:sp>
+      <p:sp>
+        <p:nvSpPr>
+          <p:cNvPr id="4" name="Text Placeholder 3">
+            <a:extLst>
+              <a:ext uri="{FF2B5EF4-FFF2-40B4-BE49-F238E27FC236}">
+                <a16:creationId xmlns:a16="http://schemas.microsoft.com/office/drawing/2014/main" id="{C89D4284-DDA8-B786-EFAE-737F08718566}"/>
+              </a:ext>
+            </a:extLst>
+          </p:cNvPr>
           <p:cNvSpPr>
             <a:spLocks noGrp="1"/>
           </p:cNvSpPr>
@@ -2283,8 +2611,8 @@
         </p:nvSpPr>
         <p:spPr>
           <a:xfrm>
-            <a:off x="251937" y="822960"/>
-            <a:ext cx="1179671" cy="1524635"/>
+            <a:off x="839788" y="2057400"/>
+            <a:ext cx="3932237" cy="3811588"/>
           </a:xfrm>
         </p:spPr>
         <p:txBody>
@@ -2292,39 +2620,39 @@
           <a:lstStyle>
             <a:lvl1pPr marL="0" indent="0">
               <a:buNone/>
-              <a:defRPr sz="640"/>
+              <a:defRPr sz="1600"/>
             </a:lvl1pPr>
-            <a:lvl2pPr marL="182880" indent="0">
-              <a:buNone/>
-              <a:defRPr sz="560"/>
+            <a:lvl2pPr marL="457200" indent="0">
+              <a:buNone/>
+              <a:defRPr sz="1400"/>
             </a:lvl2pPr>
-            <a:lvl3pPr marL="365760" indent="0">
-              <a:buNone/>
-              <a:defRPr sz="480"/>
+            <a:lvl3pPr marL="914400" indent="0">
+              <a:buNone/>
+              <a:defRPr sz="1200"/>
             </a:lvl3pPr>
-            <a:lvl4pPr marL="548640" indent="0">
-              <a:buNone/>
-              <a:defRPr sz="400"/>
+            <a:lvl4pPr marL="1371600" indent="0">
+              <a:buNone/>
+              <a:defRPr sz="1000"/>
             </a:lvl4pPr>
-            <a:lvl5pPr marL="731520" indent="0">
-              <a:buNone/>
-              <a:defRPr sz="400"/>
+            <a:lvl5pPr marL="1828800" indent="0">
+              <a:buNone/>
+              <a:defRPr sz="1000"/>
             </a:lvl5pPr>
-            <a:lvl6pPr marL="914400" indent="0">
-              <a:buNone/>
-              <a:defRPr sz="400"/>
+            <a:lvl6pPr marL="2286000" indent="0">
+              <a:buNone/>
+              <a:defRPr sz="1000"/>
             </a:lvl6pPr>
-            <a:lvl7pPr marL="1097280" indent="0">
-              <a:buNone/>
-              <a:defRPr sz="400"/>
+            <a:lvl7pPr marL="2743200" indent="0">
+              <a:buNone/>
+              <a:defRPr sz="1000"/>
             </a:lvl7pPr>
-            <a:lvl8pPr marL="1280160" indent="0">
-              <a:buNone/>
-              <a:defRPr sz="400"/>
+            <a:lvl8pPr marL="3200400" indent="0">
+              <a:buNone/>
+              <a:defRPr sz="1000"/>
             </a:lvl8pPr>
-            <a:lvl9pPr marL="1463040" indent="0">
-              <a:buNone/>
-              <a:defRPr sz="400"/>
+            <a:lvl9pPr marL="3657600" indent="0">
+              <a:buNone/>
+              <a:defRPr sz="1000"/>
             </a:lvl9pPr>
           </a:lstStyle>
           <a:p>
@@ -2338,7 +2666,13 @@
       </p:sp>
       <p:sp>
         <p:nvSpPr>
-          <p:cNvPr id="5" name="Date Placeholder 4"/>
+          <p:cNvPr id="5" name="Date Placeholder 4">
+            <a:extLst>
+              <a:ext uri="{FF2B5EF4-FFF2-40B4-BE49-F238E27FC236}">
+                <a16:creationId xmlns:a16="http://schemas.microsoft.com/office/drawing/2014/main" id="{173C77BB-B735-B4EA-0227-470C39C8AE9E}"/>
+              </a:ext>
+            </a:extLst>
+          </p:cNvPr>
           <p:cNvSpPr>
             <a:spLocks noGrp="1"/>
           </p:cNvSpPr>
@@ -2361,7 +2695,13 @@
       </p:sp>
       <p:sp>
         <p:nvSpPr>
-          <p:cNvPr id="6" name="Footer Placeholder 5"/>
+          <p:cNvPr id="6" name="Footer Placeholder 5">
+            <a:extLst>
+              <a:ext uri="{FF2B5EF4-FFF2-40B4-BE49-F238E27FC236}">
+                <a16:creationId xmlns:a16="http://schemas.microsoft.com/office/drawing/2014/main" id="{2C33C41F-66C4-9414-F70D-F7B9C668AB7D}"/>
+              </a:ext>
+            </a:extLst>
+          </p:cNvPr>
           <p:cNvSpPr>
             <a:spLocks noGrp="1"/>
           </p:cNvSpPr>
@@ -2380,7 +2720,13 @@
       </p:sp>
       <p:sp>
         <p:nvSpPr>
-          <p:cNvPr id="7" name="Slide Number Placeholder 6"/>
+          <p:cNvPr id="7" name="Slide Number Placeholder 6">
+            <a:extLst>
+              <a:ext uri="{FF2B5EF4-FFF2-40B4-BE49-F238E27FC236}">
+                <a16:creationId xmlns:a16="http://schemas.microsoft.com/office/drawing/2014/main" id="{BE736A52-3D60-B10B-8563-6EEED7B78315}"/>
+              </a:ext>
+            </a:extLst>
+          </p:cNvPr>
           <p:cNvSpPr>
             <a:spLocks noGrp="1"/>
           </p:cNvSpPr>
@@ -2404,7 +2750,7 @@
     </p:spTree>
     <p:extLst>
       <p:ext uri="{BB962C8B-B14F-4D97-AF65-F5344CB8AC3E}">
-        <p14:creationId xmlns:p14="http://schemas.microsoft.com/office/powerpoint/2010/main" val="1247982945"/>
+        <p14:creationId xmlns:p14="http://schemas.microsoft.com/office/powerpoint/2010/main" val="3629796335"/>
       </p:ext>
     </p:extLst>
   </p:cSld>
@@ -2438,7 +2784,13 @@
       </p:grpSpPr>
       <p:sp>
         <p:nvSpPr>
-          <p:cNvPr id="2" name="Title Placeholder 1"/>
+          <p:cNvPr id="2" name="Title Placeholder 1">
+            <a:extLst>
+              <a:ext uri="{FF2B5EF4-FFF2-40B4-BE49-F238E27FC236}">
+                <a16:creationId xmlns:a16="http://schemas.microsoft.com/office/drawing/2014/main" id="{567ECDE6-2129-C450-C2A8-9C0371C499FF}"/>
+              </a:ext>
+            </a:extLst>
+          </p:cNvPr>
           <p:cNvSpPr>
             <a:spLocks noGrp="1"/>
           </p:cNvSpPr>
@@ -2448,8 +2800,8 @@
         </p:nvSpPr>
         <p:spPr>
           <a:xfrm>
-            <a:off x="251460" y="146051"/>
-            <a:ext cx="3154680" cy="530225"/>
+            <a:off x="838200" y="365125"/>
+            <a:ext cx="10515600" cy="1325563"/>
           </a:xfrm>
           <a:prstGeom prst="rect">
             <a:avLst/>
@@ -2465,13 +2817,19 @@
               <a:rPr lang="en-US"/>
               <a:t>Click to edit Master title style</a:t>
             </a:r>
-            <a:endParaRPr lang="en-US" dirty="0"/>
-          </a:p>
-        </p:txBody>
-      </p:sp>
-      <p:sp>
-        <p:nvSpPr>
-          <p:cNvPr id="3" name="Text Placeholder 2"/>
+            <a:endParaRPr lang="en-PH"/>
+          </a:p>
+        </p:txBody>
+      </p:sp>
+      <p:sp>
+        <p:nvSpPr>
+          <p:cNvPr id="3" name="Text Placeholder 2">
+            <a:extLst>
+              <a:ext uri="{FF2B5EF4-FFF2-40B4-BE49-F238E27FC236}">
+                <a16:creationId xmlns:a16="http://schemas.microsoft.com/office/drawing/2014/main" id="{9FE4244F-DC32-A737-52B1-2C3DF791C47A}"/>
+              </a:ext>
+            </a:extLst>
+          </p:cNvPr>
           <p:cNvSpPr>
             <a:spLocks noGrp="1"/>
           </p:cNvSpPr>
@@ -2481,8 +2839,8 @@
         </p:nvSpPr>
         <p:spPr>
           <a:xfrm>
-            <a:off x="251460" y="730250"/>
-            <a:ext cx="3154680" cy="1740535"/>
+            <a:off x="838200" y="1825625"/>
+            <a:ext cx="10515600" cy="4351338"/>
           </a:xfrm>
           <a:prstGeom prst="rect">
             <a:avLst/>
@@ -2527,13 +2885,19 @@
               <a:rPr lang="en-US"/>
               <a:t>Fifth level</a:t>
             </a:r>
-            <a:endParaRPr lang="en-US" dirty="0"/>
-          </a:p>
-        </p:txBody>
-      </p:sp>
-      <p:sp>
-        <p:nvSpPr>
-          <p:cNvPr id="4" name="Date Placeholder 3"/>
+            <a:endParaRPr lang="en-PH"/>
+          </a:p>
+        </p:txBody>
+      </p:sp>
+      <p:sp>
+        <p:nvSpPr>
+          <p:cNvPr id="4" name="Date Placeholder 3">
+            <a:extLst>
+              <a:ext uri="{FF2B5EF4-FFF2-40B4-BE49-F238E27FC236}">
+                <a16:creationId xmlns:a16="http://schemas.microsoft.com/office/drawing/2014/main" id="{19E2B3A4-DD11-9294-BA1D-655395836397}"/>
+              </a:ext>
+            </a:extLst>
+          </p:cNvPr>
           <p:cNvSpPr>
             <a:spLocks noGrp="1"/>
           </p:cNvSpPr>
@@ -2543,8 +2907,8 @@
         </p:nvSpPr>
         <p:spPr>
           <a:xfrm>
-            <a:off x="251460" y="2542541"/>
-            <a:ext cx="822960" cy="146050"/>
+            <a:off x="838200" y="6356350"/>
+            <a:ext cx="2743200" cy="365125"/>
           </a:xfrm>
           <a:prstGeom prst="rect">
             <a:avLst/>
@@ -2554,7 +2918,7 @@
           <a:bodyPr vert="horz" lIns="91440" tIns="45720" rIns="91440" bIns="45720" rtlCol="0" anchor="ctr"/>
           <a:lstStyle>
             <a:lvl1pPr algn="l">
-              <a:defRPr sz="480">
+              <a:defRPr sz="1200">
                 <a:solidFill>
                   <a:schemeClr val="tx1">
                     <a:tint val="75000"/>
@@ -2574,7 +2938,13 @@
       </p:sp>
       <p:sp>
         <p:nvSpPr>
-          <p:cNvPr id="5" name="Footer Placeholder 4"/>
+          <p:cNvPr id="5" name="Footer Placeholder 4">
+            <a:extLst>
+              <a:ext uri="{FF2B5EF4-FFF2-40B4-BE49-F238E27FC236}">
+                <a16:creationId xmlns:a16="http://schemas.microsoft.com/office/drawing/2014/main" id="{17B87649-970B-014D-564E-15A245C57B3A}"/>
+              </a:ext>
+            </a:extLst>
+          </p:cNvPr>
           <p:cNvSpPr>
             <a:spLocks noGrp="1"/>
           </p:cNvSpPr>
@@ -2584,8 +2954,8 @@
         </p:nvSpPr>
         <p:spPr>
           <a:xfrm>
-            <a:off x="1211580" y="2542541"/>
-            <a:ext cx="1234440" cy="146050"/>
+            <a:off x="4038600" y="6356350"/>
+            <a:ext cx="4114800" cy="365125"/>
           </a:xfrm>
           <a:prstGeom prst="rect">
             <a:avLst/>
@@ -2595,7 +2965,7 @@
           <a:bodyPr vert="horz" lIns="91440" tIns="45720" rIns="91440" bIns="45720" rtlCol="0" anchor="ctr"/>
           <a:lstStyle>
             <a:lvl1pPr algn="ctr">
-              <a:defRPr sz="480">
+              <a:defRPr sz="1200">
                 <a:solidFill>
                   <a:schemeClr val="tx1">
                     <a:tint val="75000"/>
@@ -2611,7 +2981,13 @@
       </p:sp>
       <p:sp>
         <p:nvSpPr>
-          <p:cNvPr id="6" name="Slide Number Placeholder 5"/>
+          <p:cNvPr id="6" name="Slide Number Placeholder 5">
+            <a:extLst>
+              <a:ext uri="{FF2B5EF4-FFF2-40B4-BE49-F238E27FC236}">
+                <a16:creationId xmlns:a16="http://schemas.microsoft.com/office/drawing/2014/main" id="{60B88D09-18C0-4838-1A4E-36AC0E80BE21}"/>
+              </a:ext>
+            </a:extLst>
+          </p:cNvPr>
           <p:cNvSpPr>
             <a:spLocks noGrp="1"/>
           </p:cNvSpPr>
@@ -2621,8 +2997,8 @@
         </p:nvSpPr>
         <p:spPr>
           <a:xfrm>
-            <a:off x="2583180" y="2542541"/>
-            <a:ext cx="822960" cy="146050"/>
+            <a:off x="8610600" y="6356350"/>
+            <a:ext cx="2743200" cy="365125"/>
           </a:xfrm>
           <a:prstGeom prst="rect">
             <a:avLst/>
@@ -2632,7 +3008,7 @@
           <a:bodyPr vert="horz" lIns="91440" tIns="45720" rIns="91440" bIns="45720" rtlCol="0" anchor="ctr"/>
           <a:lstStyle>
             <a:lvl1pPr algn="r">
-              <a:defRPr sz="480">
+              <a:defRPr sz="1200">
                 <a:solidFill>
                   <a:schemeClr val="tx1">
                     <a:tint val="75000"/>
@@ -2653,27 +3029,27 @@
     </p:spTree>
     <p:extLst>
       <p:ext uri="{BB962C8B-B14F-4D97-AF65-F5344CB8AC3E}">
-        <p14:creationId xmlns:p14="http://schemas.microsoft.com/office/powerpoint/2010/main" val="278335324"/>
+        <p14:creationId xmlns:p14="http://schemas.microsoft.com/office/powerpoint/2010/main" val="2635410262"/>
       </p:ext>
     </p:extLst>
   </p:cSld>
   <p:clrMap bg1="lt1" tx1="dk1" bg2="lt2" tx2="dk2" accent1="accent1" accent2="accent2" accent3="accent3" accent4="accent4" accent5="accent5" accent6="accent6" hlink="hlink" folHlink="folHlink"/>
   <p:sldLayoutIdLst>
-    <p:sldLayoutId id="2147483661" r:id="rId1"/>
-    <p:sldLayoutId id="2147483662" r:id="rId2"/>
-    <p:sldLayoutId id="2147483663" r:id="rId3"/>
-    <p:sldLayoutId id="2147483664" r:id="rId4"/>
-    <p:sldLayoutId id="2147483665" r:id="rId5"/>
-    <p:sldLayoutId id="2147483666" r:id="rId6"/>
-    <p:sldLayoutId id="2147483667" r:id="rId7"/>
-    <p:sldLayoutId id="2147483668" r:id="rId8"/>
-    <p:sldLayoutId id="2147483669" r:id="rId9"/>
-    <p:sldLayoutId id="2147483670" r:id="rId10"/>
-    <p:sldLayoutId id="2147483671" r:id="rId11"/>
+    <p:sldLayoutId id="2147483649" r:id="rId1"/>
+    <p:sldLayoutId id="2147483650" r:id="rId2"/>
+    <p:sldLayoutId id="2147483651" r:id="rId3"/>
+    <p:sldLayoutId id="2147483652" r:id="rId4"/>
+    <p:sldLayoutId id="2147483653" r:id="rId5"/>
+    <p:sldLayoutId id="2147483654" r:id="rId6"/>
+    <p:sldLayoutId id="2147483655" r:id="rId7"/>
+    <p:sldLayoutId id="2147483656" r:id="rId8"/>
+    <p:sldLayoutId id="2147483657" r:id="rId9"/>
+    <p:sldLayoutId id="2147483658" r:id="rId10"/>
+    <p:sldLayoutId id="2147483659" r:id="rId11"/>
   </p:sldLayoutIdLst>
   <p:txStyles>
     <p:titleStyle>
-      <a:lvl1pPr algn="l" defTabSz="365760" rtl="0" eaLnBrk="1" latinLnBrk="0" hangingPunct="1">
+      <a:lvl1pPr algn="l" defTabSz="914400" rtl="0" eaLnBrk="1" latinLnBrk="0" hangingPunct="1">
         <a:lnSpc>
           <a:spcPct val="90000"/>
         </a:lnSpc>
@@ -2681,7 +3057,7 @@
           <a:spcPct val="0"/>
         </a:spcBef>
         <a:buNone/>
-        <a:defRPr sz="1760" kern="1200">
+        <a:defRPr sz="4400" kern="1200">
           <a:solidFill>
             <a:schemeClr val="tx1"/>
           </a:solidFill>
@@ -2692,16 +3068,16 @@
       </a:lvl1pPr>
     </p:titleStyle>
     <p:bodyStyle>
-      <a:lvl1pPr marL="91440" indent="-91440" algn="l" defTabSz="365760" rtl="0" eaLnBrk="1" latinLnBrk="0" hangingPunct="1">
+      <a:lvl1pPr marL="228600" indent="-228600" algn="l" defTabSz="914400" rtl="0" eaLnBrk="1" latinLnBrk="0" hangingPunct="1">
         <a:lnSpc>
           <a:spcPct val="90000"/>
         </a:lnSpc>
         <a:spcBef>
-          <a:spcPts val="400"/>
+          <a:spcPts val="1000"/>
         </a:spcBef>
         <a:buFont typeface="Arial" panose="020B0604020202020204" pitchFamily="34" charset="0"/>
         <a:buChar char="•"/>
-        <a:defRPr sz="1120" kern="1200">
+        <a:defRPr sz="2800" kern="1200">
           <a:solidFill>
             <a:schemeClr val="tx1"/>
           </a:solidFill>
@@ -2710,16 +3086,16 @@
           <a:cs typeface="+mn-cs"/>
         </a:defRPr>
       </a:lvl1pPr>
-      <a:lvl2pPr marL="274320" indent="-91440" algn="l" defTabSz="365760" rtl="0" eaLnBrk="1" latinLnBrk="0" hangingPunct="1">
+      <a:lvl2pPr marL="685800" indent="-228600" algn="l" defTabSz="914400" rtl="0" eaLnBrk="1" latinLnBrk="0" hangingPunct="1">
         <a:lnSpc>
           <a:spcPct val="90000"/>
         </a:lnSpc>
         <a:spcBef>
-          <a:spcPts val="200"/>
+          <a:spcPts val="500"/>
         </a:spcBef>
         <a:buFont typeface="Arial" panose="020B0604020202020204" pitchFamily="34" charset="0"/>
         <a:buChar char="•"/>
-        <a:defRPr sz="960" kern="1200">
+        <a:defRPr sz="2400" kern="1200">
           <a:solidFill>
             <a:schemeClr val="tx1"/>
           </a:solidFill>
@@ -2728,16 +3104,16 @@
           <a:cs typeface="+mn-cs"/>
         </a:defRPr>
       </a:lvl2pPr>
-      <a:lvl3pPr marL="457200" indent="-91440" algn="l" defTabSz="365760" rtl="0" eaLnBrk="1" latinLnBrk="0" hangingPunct="1">
+      <a:lvl3pPr marL="1143000" indent="-228600" algn="l" defTabSz="914400" rtl="0" eaLnBrk="1" latinLnBrk="0" hangingPunct="1">
         <a:lnSpc>
           <a:spcPct val="90000"/>
         </a:lnSpc>
         <a:spcBef>
-          <a:spcPts val="200"/>
+          <a:spcPts val="500"/>
         </a:spcBef>
         <a:buFont typeface="Arial" panose="020B0604020202020204" pitchFamily="34" charset="0"/>
         <a:buChar char="•"/>
-        <a:defRPr sz="800" kern="1200">
+        <a:defRPr sz="2000" kern="1200">
           <a:solidFill>
             <a:schemeClr val="tx1"/>
           </a:solidFill>
@@ -2746,16 +3122,16 @@
           <a:cs typeface="+mn-cs"/>
         </a:defRPr>
       </a:lvl3pPr>
-      <a:lvl4pPr marL="640080" indent="-91440" algn="l" defTabSz="365760" rtl="0" eaLnBrk="1" latinLnBrk="0" hangingPunct="1">
+      <a:lvl4pPr marL="1600200" indent="-228600" algn="l" defTabSz="914400" rtl="0" eaLnBrk="1" latinLnBrk="0" hangingPunct="1">
         <a:lnSpc>
           <a:spcPct val="90000"/>
         </a:lnSpc>
         <a:spcBef>
-          <a:spcPts val="200"/>
+          <a:spcPts val="500"/>
         </a:spcBef>
         <a:buFont typeface="Arial" panose="020B0604020202020204" pitchFamily="34" charset="0"/>
         <a:buChar char="•"/>
-        <a:defRPr sz="720" kern="1200">
+        <a:defRPr sz="1800" kern="1200">
           <a:solidFill>
             <a:schemeClr val="tx1"/>
           </a:solidFill>
@@ -2764,16 +3140,16 @@
           <a:cs typeface="+mn-cs"/>
         </a:defRPr>
       </a:lvl4pPr>
-      <a:lvl5pPr marL="822960" indent="-91440" algn="l" defTabSz="365760" rtl="0" eaLnBrk="1" latinLnBrk="0" hangingPunct="1">
+      <a:lvl5pPr marL="2057400" indent="-228600" algn="l" defTabSz="914400" rtl="0" eaLnBrk="1" latinLnBrk="0" hangingPunct="1">
         <a:lnSpc>
           <a:spcPct val="90000"/>
         </a:lnSpc>
         <a:spcBef>
-          <a:spcPts val="200"/>
+          <a:spcPts val="500"/>
         </a:spcBef>
         <a:buFont typeface="Arial" panose="020B0604020202020204" pitchFamily="34" charset="0"/>
         <a:buChar char="•"/>
-        <a:defRPr sz="720" kern="1200">
+        <a:defRPr sz="1800" kern="1200">
           <a:solidFill>
             <a:schemeClr val="tx1"/>
           </a:solidFill>
@@ -2782,16 +3158,16 @@
           <a:cs typeface="+mn-cs"/>
         </a:defRPr>
       </a:lvl5pPr>
-      <a:lvl6pPr marL="1005840" indent="-91440" algn="l" defTabSz="365760" rtl="0" eaLnBrk="1" latinLnBrk="0" hangingPunct="1">
+      <a:lvl6pPr marL="2514600" indent="-228600" algn="l" defTabSz="914400" rtl="0" eaLnBrk="1" latinLnBrk="0" hangingPunct="1">
         <a:lnSpc>
           <a:spcPct val="90000"/>
         </a:lnSpc>
         <a:spcBef>
-          <a:spcPts val="200"/>
+          <a:spcPts val="500"/>
         </a:spcBef>
         <a:buFont typeface="Arial" panose="020B0604020202020204" pitchFamily="34" charset="0"/>
         <a:buChar char="•"/>
-        <a:defRPr sz="720" kern="1200">
+        <a:defRPr sz="1800" kern="1200">
           <a:solidFill>
             <a:schemeClr val="tx1"/>
           </a:solidFill>
@@ -2800,16 +3176,16 @@
           <a:cs typeface="+mn-cs"/>
         </a:defRPr>
       </a:lvl6pPr>
-      <a:lvl7pPr marL="1188720" indent="-91440" algn="l" defTabSz="365760" rtl="0" eaLnBrk="1" latinLnBrk="0" hangingPunct="1">
+      <a:lvl7pPr marL="2971800" indent="-228600" algn="l" defTabSz="914400" rtl="0" eaLnBrk="1" latinLnBrk="0" hangingPunct="1">
         <a:lnSpc>
           <a:spcPct val="90000"/>
         </a:lnSpc>
         <a:spcBef>
-          <a:spcPts val="200"/>
+          <a:spcPts val="500"/>
         </a:spcBef>
         <a:buFont typeface="Arial" panose="020B0604020202020204" pitchFamily="34" charset="0"/>
         <a:buChar char="•"/>
-        <a:defRPr sz="720" kern="1200">
+        <a:defRPr sz="1800" kern="1200">
           <a:solidFill>
             <a:schemeClr val="tx1"/>
           </a:solidFill>
@@ -2818,16 +3194,16 @@
           <a:cs typeface="+mn-cs"/>
         </a:defRPr>
       </a:lvl7pPr>
-      <a:lvl8pPr marL="1371600" indent="-91440" algn="l" defTabSz="365760" rtl="0" eaLnBrk="1" latinLnBrk="0" hangingPunct="1">
+      <a:lvl8pPr marL="3429000" indent="-228600" algn="l" defTabSz="914400" rtl="0" eaLnBrk="1" latinLnBrk="0" hangingPunct="1">
         <a:lnSpc>
           <a:spcPct val="90000"/>
         </a:lnSpc>
         <a:spcBef>
-          <a:spcPts val="200"/>
+          <a:spcPts val="500"/>
         </a:spcBef>
         <a:buFont typeface="Arial" panose="020B0604020202020204" pitchFamily="34" charset="0"/>
         <a:buChar char="•"/>
-        <a:defRPr sz="720" kern="1200">
+        <a:defRPr sz="1800" kern="1200">
           <a:solidFill>
             <a:schemeClr val="tx1"/>
           </a:solidFill>
@@ -2836,16 +3212,16 @@
           <a:cs typeface="+mn-cs"/>
         </a:defRPr>
       </a:lvl8pPr>
-      <a:lvl9pPr marL="1554480" indent="-91440" algn="l" defTabSz="365760" rtl="0" eaLnBrk="1" latinLnBrk="0" hangingPunct="1">
+      <a:lvl9pPr marL="3886200" indent="-228600" algn="l" defTabSz="914400" rtl="0" eaLnBrk="1" latinLnBrk="0" hangingPunct="1">
         <a:lnSpc>
           <a:spcPct val="90000"/>
         </a:lnSpc>
         <a:spcBef>
-          <a:spcPts val="200"/>
+          <a:spcPts val="500"/>
         </a:spcBef>
         <a:buFont typeface="Arial" panose="020B0604020202020204" pitchFamily="34" charset="0"/>
         <a:buChar char="•"/>
-        <a:defRPr sz="720" kern="1200">
+        <a:defRPr sz="1800" kern="1200">
           <a:solidFill>
             <a:schemeClr val="tx1"/>
           </a:solidFill>
@@ -2859,8 +3235,8 @@
       <a:defPPr>
         <a:defRPr lang="en-US"/>
       </a:defPPr>
-      <a:lvl1pPr marL="0" algn="l" defTabSz="365760" rtl="0" eaLnBrk="1" latinLnBrk="0" hangingPunct="1">
-        <a:defRPr sz="720" kern="1200">
+      <a:lvl1pPr marL="0" algn="l" defTabSz="914400" rtl="0" eaLnBrk="1" latinLnBrk="0" hangingPunct="1">
+        <a:defRPr sz="1800" kern="1200">
           <a:solidFill>
             <a:schemeClr val="tx1"/>
           </a:solidFill>
@@ -2869,8 +3245,8 @@
           <a:cs typeface="+mn-cs"/>
         </a:defRPr>
       </a:lvl1pPr>
-      <a:lvl2pPr marL="182880" algn="l" defTabSz="365760" rtl="0" eaLnBrk="1" latinLnBrk="0" hangingPunct="1">
-        <a:defRPr sz="720" kern="1200">
+      <a:lvl2pPr marL="457200" algn="l" defTabSz="914400" rtl="0" eaLnBrk="1" latinLnBrk="0" hangingPunct="1">
+        <a:defRPr sz="1800" kern="1200">
           <a:solidFill>
             <a:schemeClr val="tx1"/>
           </a:solidFill>
@@ -2879,8 +3255,8 @@
           <a:cs typeface="+mn-cs"/>
         </a:defRPr>
       </a:lvl2pPr>
-      <a:lvl3pPr marL="365760" algn="l" defTabSz="365760" rtl="0" eaLnBrk="1" latinLnBrk="0" hangingPunct="1">
-        <a:defRPr sz="720" kern="1200">
+      <a:lvl3pPr marL="914400" algn="l" defTabSz="914400" rtl="0" eaLnBrk="1" latinLnBrk="0" hangingPunct="1">
+        <a:defRPr sz="1800" kern="1200">
           <a:solidFill>
             <a:schemeClr val="tx1"/>
           </a:solidFill>
@@ -2889,8 +3265,8 @@
           <a:cs typeface="+mn-cs"/>
         </a:defRPr>
       </a:lvl3pPr>
-      <a:lvl4pPr marL="548640" algn="l" defTabSz="365760" rtl="0" eaLnBrk="1" latinLnBrk="0" hangingPunct="1">
-        <a:defRPr sz="720" kern="1200">
+      <a:lvl4pPr marL="1371600" algn="l" defTabSz="914400" rtl="0" eaLnBrk="1" latinLnBrk="0" hangingPunct="1">
+        <a:defRPr sz="1800" kern="1200">
           <a:solidFill>
             <a:schemeClr val="tx1"/>
           </a:solidFill>
@@ -2899,8 +3275,8 @@
           <a:cs typeface="+mn-cs"/>
         </a:defRPr>
       </a:lvl4pPr>
-      <a:lvl5pPr marL="731520" algn="l" defTabSz="365760" rtl="0" eaLnBrk="1" latinLnBrk="0" hangingPunct="1">
-        <a:defRPr sz="720" kern="1200">
+      <a:lvl5pPr marL="1828800" algn="l" defTabSz="914400" rtl="0" eaLnBrk="1" latinLnBrk="0" hangingPunct="1">
+        <a:defRPr sz="1800" kern="1200">
           <a:solidFill>
             <a:schemeClr val="tx1"/>
           </a:solidFill>
@@ -2909,8 +3285,8 @@
           <a:cs typeface="+mn-cs"/>
         </a:defRPr>
       </a:lvl5pPr>
-      <a:lvl6pPr marL="914400" algn="l" defTabSz="365760" rtl="0" eaLnBrk="1" latinLnBrk="0" hangingPunct="1">
-        <a:defRPr sz="720" kern="1200">
+      <a:lvl6pPr marL="2286000" algn="l" defTabSz="914400" rtl="0" eaLnBrk="1" latinLnBrk="0" hangingPunct="1">
+        <a:defRPr sz="1800" kern="1200">
           <a:solidFill>
             <a:schemeClr val="tx1"/>
           </a:solidFill>
@@ -2919,8 +3295,8 @@
           <a:cs typeface="+mn-cs"/>
         </a:defRPr>
       </a:lvl6pPr>
-      <a:lvl7pPr marL="1097280" algn="l" defTabSz="365760" rtl="0" eaLnBrk="1" latinLnBrk="0" hangingPunct="1">
-        <a:defRPr sz="720" kern="1200">
+      <a:lvl7pPr marL="2743200" algn="l" defTabSz="914400" rtl="0" eaLnBrk="1" latinLnBrk="0" hangingPunct="1">
+        <a:defRPr sz="1800" kern="1200">
           <a:solidFill>
             <a:schemeClr val="tx1"/>
           </a:solidFill>
@@ -2929,8 +3305,8 @@
           <a:cs typeface="+mn-cs"/>
         </a:defRPr>
       </a:lvl7pPr>
-      <a:lvl8pPr marL="1280160" algn="l" defTabSz="365760" rtl="0" eaLnBrk="1" latinLnBrk="0" hangingPunct="1">
-        <a:defRPr sz="720" kern="1200">
+      <a:lvl8pPr marL="3200400" algn="l" defTabSz="914400" rtl="0" eaLnBrk="1" latinLnBrk="0" hangingPunct="1">
+        <a:defRPr sz="1800" kern="1200">
           <a:solidFill>
             <a:schemeClr val="tx1"/>
           </a:solidFill>
@@ -2939,8 +3315,8 @@
           <a:cs typeface="+mn-cs"/>
         </a:defRPr>
       </a:lvl8pPr>
-      <a:lvl9pPr marL="1463040" algn="l" defTabSz="365760" rtl="0" eaLnBrk="1" latinLnBrk="0" hangingPunct="1">
-        <a:defRPr sz="720" kern="1200">
+      <a:lvl9pPr marL="3657600" algn="l" defTabSz="914400" rtl="0" eaLnBrk="1" latinLnBrk="0" hangingPunct="1">
+        <a:defRPr sz="1800" kern="1200">
           <a:solidFill>
             <a:schemeClr val="tx1"/>
           </a:solidFill>
@@ -2985,16 +3361,18 @@
         </p:nvSpPr>
         <p:spPr>
           <a:xfrm>
-            <a:off x="27709" y="394162"/>
-            <a:ext cx="3596640" cy="1963189"/>
+            <a:off x="92364" y="170872"/>
+            <a:ext cx="11988799" cy="6543963"/>
           </a:xfrm>
           <a:prstGeom prst="roundRect">
             <a:avLst>
               <a:gd name="adj" fmla="val 6928"/>
             </a:avLst>
           </a:prstGeom>
-          <a:noFill/>
-          <a:ln w="57150">
+          <a:solidFill>
+            <a:srgbClr val="FFC000"/>
+          </a:solidFill>
+          <a:ln w="3175">
             <a:solidFill>
               <a:schemeClr val="tx1"/>
             </a:solidFill>
@@ -3021,7 +3399,7 @@
           <a:lstStyle/>
           <a:p>
             <a:pPr algn="ctr"/>
-            <a:endParaRPr lang="en-PH" sz="182" dirty="0">
+            <a:endParaRPr lang="en-PH" dirty="0">
               <a:highlight>
                 <a:srgbClr val="FFFF00"/>
               </a:highlight>
@@ -3043,8 +3421,8 @@
         </p:nvSpPr>
         <p:spPr>
           <a:xfrm>
-            <a:off x="584662" y="520180"/>
-            <a:ext cx="1670410" cy="313932"/>
+            <a:off x="1948872" y="590933"/>
+            <a:ext cx="11988799" cy="830997"/>
           </a:xfrm>
           <a:prstGeom prst="rect">
             <a:avLst/>
@@ -3058,10 +3436,10 @@
           <a:lstStyle/>
           <a:p>
             <a:r>
-              <a:rPr lang="en-US" sz="1440" b="1" dirty="0"/>
+              <a:rPr lang="en-US" sz="4800" b="1" dirty="0"/>
               <a:t>LIBRARY ID CARD</a:t>
             </a:r>
-            <a:endParaRPr lang="en-PH" sz="1440" b="1" dirty="0"/>
+            <a:endParaRPr lang="en-PH" sz="4800" b="1" dirty="0"/>
           </a:p>
         </p:txBody>
       </p:sp>
@@ -3093,8 +3471,8 @@
         </p:blipFill>
         <p:spPr>
           <a:xfrm>
-            <a:off x="197843" y="520180"/>
-            <a:ext cx="346918" cy="277091"/>
+            <a:off x="659477" y="590933"/>
+            <a:ext cx="1156392" cy="923636"/>
           </a:xfrm>
           <a:prstGeom prst="rect">
             <a:avLst/>
@@ -3115,8 +3493,8 @@
         </p:nvSpPr>
         <p:spPr>
           <a:xfrm>
-            <a:off x="2486025" y="541408"/>
-            <a:ext cx="1021750" cy="221599"/>
+            <a:off x="1815869" y="661694"/>
+            <a:ext cx="10108277" cy="523220"/>
           </a:xfrm>
           <a:prstGeom prst="rect">
             <a:avLst/>
@@ -3129,11 +3507,12 @@
           </a:bodyPr>
           <a:lstStyle/>
           <a:p>
-            <a:r>
-              <a:rPr lang="en-US" sz="840" b="1" dirty="0"/>
+            <a:pPr algn="r"/>
+            <a:r>
+              <a:rPr lang="en-US" sz="2800" b="1" dirty="0"/>
               <a:t>STUDENT ID NO.</a:t>
             </a:r>
-            <a:endParaRPr lang="en-PH" sz="840" b="1" dirty="0"/>
+            <a:endParaRPr lang="en-PH" sz="2800" b="1" dirty="0"/>
           </a:p>
         </p:txBody>
       </p:sp>
@@ -3151,8 +3530,8 @@
         </p:nvSpPr>
         <p:spPr>
           <a:xfrm>
-            <a:off x="2590801" y="658725"/>
-            <a:ext cx="916974" cy="203133"/>
+            <a:off x="1815869" y="1052751"/>
+            <a:ext cx="9876711" cy="461665"/>
           </a:xfrm>
           <a:prstGeom prst="rect">
             <a:avLst/>
@@ -3165,8 +3544,9 @@
           </a:bodyPr>
           <a:lstStyle/>
           <a:p>
-            <a:r>
-              <a:rPr lang="en-US" sz="720" b="1" dirty="0"/>
+            <a:pPr algn="r"/>
+            <a:r>
+              <a:rPr lang="en-US" sz="2400" b="1" dirty="0"/>
               <a:t>@student_no</a:t>
             </a:r>
           </a:p>
@@ -3186,8 +3566,8 @@
         </p:nvSpPr>
         <p:spPr>
           <a:xfrm>
-            <a:off x="1334476" y="1011974"/>
-            <a:ext cx="2173298" cy="246221"/>
+            <a:off x="4448255" y="2230247"/>
+            <a:ext cx="9876711" cy="707886"/>
           </a:xfrm>
           <a:prstGeom prst="rect">
             <a:avLst/>
@@ -3201,10 +3581,10 @@
           <a:lstStyle/>
           <a:p>
             <a:r>
-              <a:rPr lang="en-US" sz="1000" b="1" dirty="0"/>
+              <a:rPr lang="en-US" sz="4000" b="1" dirty="0"/>
               <a:t>@student_name</a:t>
             </a:r>
-            <a:endParaRPr lang="en-PH" sz="1000" b="1" dirty="0"/>
+            <a:endParaRPr lang="en-PH" sz="4000" b="1" dirty="0"/>
           </a:p>
         </p:txBody>
       </p:sp>
@@ -3222,8 +3602,8 @@
         </p:nvSpPr>
         <p:spPr>
           <a:xfrm>
-            <a:off x="1368829" y="1217203"/>
-            <a:ext cx="1374371" cy="184666"/>
+            <a:off x="4562763" y="2914344"/>
+            <a:ext cx="9876711" cy="400110"/>
           </a:xfrm>
           <a:prstGeom prst="rect">
             <a:avLst/>
@@ -3237,10 +3617,10 @@
           <a:lstStyle/>
           <a:p>
             <a:r>
-              <a:rPr lang="en-US" sz="600" dirty="0"/>
+              <a:rPr lang="en-US" sz="2000" dirty="0"/>
               <a:t>COURSE</a:t>
             </a:r>
-            <a:endParaRPr lang="en-PH" sz="600" dirty="0"/>
+            <a:endParaRPr lang="en-PH" sz="2000" dirty="0"/>
           </a:p>
         </p:txBody>
       </p:sp>
@@ -3258,8 +3638,8 @@
         </p:nvSpPr>
         <p:spPr>
           <a:xfrm>
-            <a:off x="1368828" y="1314717"/>
-            <a:ext cx="1576648" cy="172355"/>
+            <a:off x="4562761" y="3239390"/>
+            <a:ext cx="10161768" cy="369332"/>
           </a:xfrm>
           <a:prstGeom prst="rect">
             <a:avLst/>
@@ -3273,10 +3653,10 @@
           <a:lstStyle/>
           <a:p>
             <a:r>
-              <a:rPr lang="en-GB" sz="520" b="1" i="1" dirty="0"/>
+              <a:rPr lang="en-GB" b="1" i="1" dirty="0"/>
               <a:t>@course_name</a:t>
             </a:r>
-            <a:endParaRPr lang="en-PH" sz="520" b="1" i="1" dirty="0"/>
+            <a:endParaRPr lang="en-PH" b="1" i="1" dirty="0"/>
           </a:p>
         </p:txBody>
       </p:sp>
@@ -3294,8 +3674,8 @@
         </p:nvSpPr>
         <p:spPr>
           <a:xfrm>
-            <a:off x="1368829" y="1710553"/>
-            <a:ext cx="1374371" cy="184666"/>
+            <a:off x="4562761" y="4558845"/>
+            <a:ext cx="10497945" cy="400110"/>
           </a:xfrm>
           <a:prstGeom prst="rect">
             <a:avLst/>
@@ -3309,10 +3689,10 @@
           <a:lstStyle/>
           <a:p>
             <a:r>
-              <a:rPr lang="en-US" sz="600" dirty="0"/>
+              <a:rPr lang="en-US" sz="2000" dirty="0"/>
               <a:t>VALID UNTIL</a:t>
             </a:r>
-            <a:endParaRPr lang="en-PH" sz="600" dirty="0"/>
+            <a:endParaRPr lang="en-PH" sz="2000" dirty="0"/>
           </a:p>
         </p:txBody>
       </p:sp>
@@ -3330,8 +3710,8 @@
         </p:nvSpPr>
         <p:spPr>
           <a:xfrm>
-            <a:off x="1368828" y="1826276"/>
-            <a:ext cx="1430201" cy="172355"/>
+            <a:off x="4562761" y="4944586"/>
+            <a:ext cx="10820674" cy="369332"/>
           </a:xfrm>
           <a:prstGeom prst="rect">
             <a:avLst/>
@@ -3345,10 +3725,10 @@
           <a:lstStyle/>
           <a:p>
             <a:r>
-              <a:rPr lang="en-US" sz="520" b="1" i="1" dirty="0"/>
+              <a:rPr lang="en-US" b="1" i="1" dirty="0"/>
               <a:t>@valid_until</a:t>
             </a:r>
-            <a:endParaRPr lang="en-PH" sz="520" b="1" i="1" dirty="0"/>
+            <a:endParaRPr lang="en-PH" b="1" i="1" dirty="0"/>
           </a:p>
         </p:txBody>
       </p:sp>
@@ -3366,8 +3746,8 @@
         </p:nvSpPr>
         <p:spPr>
           <a:xfrm>
-            <a:off x="1368241" y="1453848"/>
-            <a:ext cx="504894" cy="184666"/>
+            <a:off x="4560804" y="3703159"/>
+            <a:ext cx="10161768" cy="400110"/>
           </a:xfrm>
           <a:prstGeom prst="rect">
             <a:avLst/>
@@ -3381,10 +3761,10 @@
           <a:lstStyle/>
           <a:p>
             <a:r>
-              <a:rPr lang="en-US" sz="600" dirty="0"/>
+              <a:rPr lang="en-US" sz="2000" dirty="0"/>
               <a:t>YEAR</a:t>
             </a:r>
-            <a:endParaRPr lang="en-PH" sz="600" dirty="0"/>
+            <a:endParaRPr lang="en-PH" sz="2000" dirty="0"/>
           </a:p>
         </p:txBody>
       </p:sp>
@@ -3402,8 +3782,8 @@
         </p:nvSpPr>
         <p:spPr>
           <a:xfrm>
-            <a:off x="1379913" y="1546812"/>
-            <a:ext cx="1419116" cy="172355"/>
+            <a:off x="4599708" y="4013040"/>
+            <a:ext cx="10460998" cy="369332"/>
           </a:xfrm>
           <a:prstGeom prst="rect">
             <a:avLst/>
@@ -3417,7 +3797,7 @@
           <a:lstStyle/>
           <a:p>
             <a:r>
-              <a:rPr lang="en-PH" sz="520" b="1" i="1" dirty="0"/>
+              <a:rPr lang="en-PH" b="1" i="1" dirty="0"/>
               <a:t>@course_year</a:t>
             </a:r>
           </a:p>
@@ -3437,8 +3817,8 @@
         </p:nvSpPr>
         <p:spPr>
           <a:xfrm>
-            <a:off x="197843" y="999244"/>
-            <a:ext cx="1110240" cy="1110600"/>
+            <a:off x="659477" y="2187811"/>
+            <a:ext cx="3700800" cy="3702001"/>
           </a:xfrm>
           <a:prstGeom prst="rect">
             <a:avLst/>
@@ -3471,7 +3851,7 @@
           <a:lstStyle/>
           <a:p>
             <a:pPr algn="ctr"/>
-            <a:endParaRPr lang="en-PH" sz="182"/>
+            <a:endParaRPr lang="en-PH"/>
           </a:p>
         </p:txBody>
       </p:sp>
@@ -3489,8 +3869,8 @@
         </p:nvSpPr>
         <p:spPr>
           <a:xfrm>
-            <a:off x="267768" y="1060812"/>
-            <a:ext cx="972000" cy="972000"/>
+            <a:off x="892559" y="2393040"/>
+            <a:ext cx="3240000" cy="3240000"/>
           </a:xfrm>
           <a:prstGeom prst="rect">
             <a:avLst/>
@@ -3501,6 +3881,9 @@
               <a:lumOff val="40000"/>
             </a:schemeClr>
           </a:solidFill>
+          <a:ln>
+            <a:noFill/>
+          </a:ln>
         </p:spPr>
         <p:style>
           <a:lnRef idx="2">
@@ -3523,7 +3906,7 @@
           <a:lstStyle/>
           <a:p>
             <a:pPr algn="ctr"/>
-            <a:endParaRPr lang="en-PH" sz="182"/>
+            <a:endParaRPr lang="en-PH"/>
           </a:p>
         </p:txBody>
       </p:sp>
@@ -3541,8 +3924,8 @@
         </p:nvSpPr>
         <p:spPr>
           <a:xfrm>
-            <a:off x="2859774" y="1458673"/>
-            <a:ext cx="648000" cy="648000"/>
+            <a:off x="9532580" y="3729812"/>
+            <a:ext cx="2160000" cy="2160000"/>
           </a:xfrm>
           <a:prstGeom prst="rect">
             <a:avLst/>
@@ -3553,6 +3936,9 @@
               <a:lumOff val="40000"/>
             </a:schemeClr>
           </a:solidFill>
+          <a:ln>
+            <a:noFill/>
+          </a:ln>
         </p:spPr>
         <p:style>
           <a:lnRef idx="2">
@@ -3575,7 +3961,7 @@
           <a:lstStyle/>
           <a:p>
             <a:pPr algn="ctr"/>
-            <a:endParaRPr lang="en-PH" sz="182"/>
+            <a:endParaRPr lang="en-PH"/>
           </a:p>
         </p:txBody>
       </p:sp>
@@ -3595,7 +3981,7 @@
 <file path=ppt/theme/theme1.xml><?xml version="1.0" encoding="utf-8"?>
 <a:theme xmlns:a="http://schemas.openxmlformats.org/drawingml/2006/main" name="Office Theme">
   <a:themeElements>
-    <a:clrScheme name="Office Theme">
+    <a:clrScheme name="Office">
       <a:dk1>
         <a:sysClr val="windowText" lastClr="000000"/>
       </a:dk1>
@@ -3633,7 +4019,7 @@
         <a:srgbClr val="954F72"/>
       </a:folHlink>
     </a:clrScheme>
-    <a:fontScheme name="Office Theme">
+    <a:fontScheme name="Office">
       <a:majorFont>
         <a:latin typeface="Calibri Light" panose="020F0302020204030204"/>
         <a:ea typeface=""/>
@@ -3668,6 +4054,23 @@
         <a:font script="Viet" typeface="Times New Roman"/>
         <a:font script="Uigh" typeface="Microsoft Uighur"/>
         <a:font script="Geor" typeface="Sylfaen"/>
+        <a:font script="Armn" typeface="Arial"/>
+        <a:font script="Bugi" typeface="Leelawadee UI"/>
+        <a:font script="Bopo" typeface="Microsoft JhengHei"/>
+        <a:font script="Java" typeface="Javanese Text"/>
+        <a:font script="Lisu" typeface="Segoe UI"/>
+        <a:font script="Mymr" typeface="Myanmar Text"/>
+        <a:font script="Nkoo" typeface="Ebrima"/>
+        <a:font script="Olck" typeface="Nirmala UI"/>
+        <a:font script="Osma" typeface="Ebrima"/>
+        <a:font script="Phag" typeface="Phagspa"/>
+        <a:font script="Syrn" typeface="Estrangelo Edessa"/>
+        <a:font script="Syrj" typeface="Estrangelo Edessa"/>
+        <a:font script="Syre" typeface="Estrangelo Edessa"/>
+        <a:font script="Sora" typeface="Nirmala UI"/>
+        <a:font script="Tale" typeface="Microsoft Tai Le"/>
+        <a:font script="Talu" typeface="Microsoft New Tai Lue"/>
+        <a:font script="Tfng" typeface="Ebrima"/>
       </a:majorFont>
       <a:minorFont>
         <a:latin typeface="Calibri" panose="020F0502020204030204"/>
@@ -3703,9 +4106,26 @@
         <a:font script="Viet" typeface="Arial"/>
         <a:font script="Uigh" typeface="Microsoft Uighur"/>
         <a:font script="Geor" typeface="Sylfaen"/>
+        <a:font script="Armn" typeface="Arial"/>
+        <a:font script="Bugi" typeface="Leelawadee UI"/>
+        <a:font script="Bopo" typeface="Microsoft JhengHei"/>
+        <a:font script="Java" typeface="Javanese Text"/>
+        <a:font script="Lisu" typeface="Segoe UI"/>
+        <a:font script="Mymr" typeface="Myanmar Text"/>
+        <a:font script="Nkoo" typeface="Ebrima"/>
+        <a:font script="Olck" typeface="Nirmala UI"/>
+        <a:font script="Osma" typeface="Ebrima"/>
+        <a:font script="Phag" typeface="Phagspa"/>
+        <a:font script="Syrn" typeface="Estrangelo Edessa"/>
+        <a:font script="Syrj" typeface="Estrangelo Edessa"/>
+        <a:font script="Syre" typeface="Estrangelo Edessa"/>
+        <a:font script="Sora" typeface="Nirmala UI"/>
+        <a:font script="Tale" typeface="Microsoft Tai Le"/>
+        <a:font script="Talu" typeface="Microsoft New Tai Lue"/>
+        <a:font script="Tfng" typeface="Ebrima"/>
       </a:minorFont>
     </a:fontScheme>
-    <a:fmtScheme name="Office Theme">
+    <a:fmtScheme name="Office">
       <a:fillStyleLst>
         <a:solidFill>
           <a:schemeClr val="phClr"/>
@@ -3847,7 +4267,7 @@
   <a:extraClrSchemeLst/>
   <a:extLst>
     <a:ext uri="{05A4C25C-085E-4340-85A3-A5531E510DB2}">
-      <thm15:themeFamily xmlns:thm15="http://schemas.microsoft.com/office/thememl/2012/main" name="Office 2013 - 2022 Theme" id="{62F939B6-93AF-4DB8-9C6B-D6C7DFDC589F}" vid="{4A3C46E8-61CC-4603-A589-7422A47A8E4A}"/>
+      <thm15:themeFamily xmlns:thm15="http://schemas.microsoft.com/office/thememl/2012/main" name="Office Theme" id="{62F939B6-93AF-4DB8-9C6B-D6C7DFDC589F}" vid="{4A3C46E8-61CC-4603-A589-7422A47A8E4A}"/>
     </a:ext>
   </a:extLst>
 </a:theme>
